--- a/Documents/assignments/309poster.pptx
+++ b/Documents/assignments/309poster.pptx
@@ -1,20 +1,20 @@
 
 <file path=ppt/presentation.xml><?xml version="1.0" encoding="utf-8"?>
-<p:presentation xmlns:a="http://schemas.openxmlformats.org/drawingml/2006/main" xmlns:r="http://schemas.openxmlformats.org/officeDocument/2006/relationships" xmlns:mc="http://schemas.openxmlformats.org/markup-compatibility/2006" xmlns:mv="urn:schemas-microsoft-com:mac:vml" xmlns:p="http://schemas.openxmlformats.org/presentationml/2006/main" xmlns:c="http://schemas.openxmlformats.org/drawingml/2006/chart" xmlns:dgm="http://schemas.openxmlformats.org/drawingml/2006/diagram" xmlns:o="urn:schemas-microsoft-com:office:office" xmlns:v="urn:schemas-microsoft-com:vml" xmlns:pvml="urn:schemas-microsoft-com:office:powerpoint" xmlns:com="http://schemas.openxmlformats.org/drawingml/2006/compatibility" xmlns:p14="http://schemas.microsoft.com/office/powerpoint/2010/main" xmlns:p15="http://schemas.microsoft.com/office/powerpoint/2012/main" autoCompressPictures="0" strictFirstAndLastChars="0" saveSubsetFonts="1">
+<p:presentation xmlns:a="http://schemas.openxmlformats.org/drawingml/2006/main" xmlns:r="http://schemas.openxmlformats.org/officeDocument/2006/relationships" xmlns:p="http://schemas.openxmlformats.org/presentationml/2006/main" strictFirstAndLastChars="0" saveSubsetFonts="1" autoCompressPictures="0">
   <p:sldMasterIdLst>
-    <p:sldMasterId id="2147483648" r:id="rId3"/>
+    <p:sldMasterId id="2147483648" r:id="rId1"/>
   </p:sldMasterIdLst>
   <p:notesMasterIdLst>
     <p:notesMasterId r:id="rId4"/>
   </p:notesMasterIdLst>
   <p:sldIdLst>
-    <p:sldId id="256" r:id="rId5"/>
-    <p:sldId id="257" r:id="rId6"/>
+    <p:sldId id="256" r:id="rId2"/>
+    <p:sldId id="257" r:id="rId3"/>
   </p:sldIdLst>
-  <p:sldSz cy="43891200" cx="32918400"/>
+  <p:sldSz cx="32918400" cy="43891200"/>
   <p:notesSz cx="6858000" cy="9144000"/>
   <p:defaultTextStyle>
-    <a:defPPr lvl="0" marR="0" rtl="0" algn="l">
+    <a:defPPr marR="0" lvl="0" algn="l" rtl="0">
       <a:lnSpc>
         <a:spcPct val="100000"/>
       </a:lnSpc>
@@ -25,7 +25,7 @@
         <a:spcPts val="0"/>
       </a:spcAft>
     </a:defPPr>
-    <a:lvl1pPr lvl="0" marR="0" rtl="0" algn="l">
+    <a:lvl1pPr marR="0" lvl="0" algn="l" rtl="0">
       <a:lnSpc>
         <a:spcPct val="100000"/>
       </a:lnSpc>
@@ -39,7 +39,7 @@
         <a:srgbClr val="000000"/>
       </a:buClr>
       <a:buFont typeface="Arial"/>
-      <a:defRPr b="0" i="0" sz="1400" u="none" cap="none" strike="noStrike">
+      <a:defRPr sz="1400" b="0" i="0" u="none" strike="noStrike" cap="none">
         <a:solidFill>
           <a:srgbClr val="000000"/>
         </a:solidFill>
@@ -49,7 +49,7 @@
         <a:sym typeface="Arial"/>
       </a:defRPr>
     </a:lvl1pPr>
-    <a:lvl2pPr lvl="1" marR="0" rtl="0" algn="l">
+    <a:lvl2pPr marR="0" lvl="1" algn="l" rtl="0">
       <a:lnSpc>
         <a:spcPct val="100000"/>
       </a:lnSpc>
@@ -63,7 +63,7 @@
         <a:srgbClr val="000000"/>
       </a:buClr>
       <a:buFont typeface="Arial"/>
-      <a:defRPr b="0" i="0" sz="1400" u="none" cap="none" strike="noStrike">
+      <a:defRPr sz="1400" b="0" i="0" u="none" strike="noStrike" cap="none">
         <a:solidFill>
           <a:srgbClr val="000000"/>
         </a:solidFill>
@@ -73,7 +73,7 @@
         <a:sym typeface="Arial"/>
       </a:defRPr>
     </a:lvl2pPr>
-    <a:lvl3pPr lvl="2" marR="0" rtl="0" algn="l">
+    <a:lvl3pPr marR="0" lvl="2" algn="l" rtl="0">
       <a:lnSpc>
         <a:spcPct val="100000"/>
       </a:lnSpc>
@@ -87,7 +87,7 @@
         <a:srgbClr val="000000"/>
       </a:buClr>
       <a:buFont typeface="Arial"/>
-      <a:defRPr b="0" i="0" sz="1400" u="none" cap="none" strike="noStrike">
+      <a:defRPr sz="1400" b="0" i="0" u="none" strike="noStrike" cap="none">
         <a:solidFill>
           <a:srgbClr val="000000"/>
         </a:solidFill>
@@ -97,7 +97,7 @@
         <a:sym typeface="Arial"/>
       </a:defRPr>
     </a:lvl3pPr>
-    <a:lvl4pPr lvl="3" marR="0" rtl="0" algn="l">
+    <a:lvl4pPr marR="0" lvl="3" algn="l" rtl="0">
       <a:lnSpc>
         <a:spcPct val="100000"/>
       </a:lnSpc>
@@ -111,7 +111,7 @@
         <a:srgbClr val="000000"/>
       </a:buClr>
       <a:buFont typeface="Arial"/>
-      <a:defRPr b="0" i="0" sz="1400" u="none" cap="none" strike="noStrike">
+      <a:defRPr sz="1400" b="0" i="0" u="none" strike="noStrike" cap="none">
         <a:solidFill>
           <a:srgbClr val="000000"/>
         </a:solidFill>
@@ -121,7 +121,7 @@
         <a:sym typeface="Arial"/>
       </a:defRPr>
     </a:lvl4pPr>
-    <a:lvl5pPr lvl="4" marR="0" rtl="0" algn="l">
+    <a:lvl5pPr marR="0" lvl="4" algn="l" rtl="0">
       <a:lnSpc>
         <a:spcPct val="100000"/>
       </a:lnSpc>
@@ -135,7 +135,7 @@
         <a:srgbClr val="000000"/>
       </a:buClr>
       <a:buFont typeface="Arial"/>
-      <a:defRPr b="0" i="0" sz="1400" u="none" cap="none" strike="noStrike">
+      <a:defRPr sz="1400" b="0" i="0" u="none" strike="noStrike" cap="none">
         <a:solidFill>
           <a:srgbClr val="000000"/>
         </a:solidFill>
@@ -145,7 +145,7 @@
         <a:sym typeface="Arial"/>
       </a:defRPr>
     </a:lvl5pPr>
-    <a:lvl6pPr lvl="5" marR="0" rtl="0" algn="l">
+    <a:lvl6pPr marR="0" lvl="5" algn="l" rtl="0">
       <a:lnSpc>
         <a:spcPct val="100000"/>
       </a:lnSpc>
@@ -159,7 +159,7 @@
         <a:srgbClr val="000000"/>
       </a:buClr>
       <a:buFont typeface="Arial"/>
-      <a:defRPr b="0" i="0" sz="1400" u="none" cap="none" strike="noStrike">
+      <a:defRPr sz="1400" b="0" i="0" u="none" strike="noStrike" cap="none">
         <a:solidFill>
           <a:srgbClr val="000000"/>
         </a:solidFill>
@@ -169,7 +169,7 @@
         <a:sym typeface="Arial"/>
       </a:defRPr>
     </a:lvl6pPr>
-    <a:lvl7pPr lvl="6" marR="0" rtl="0" algn="l">
+    <a:lvl7pPr marR="0" lvl="6" algn="l" rtl="0">
       <a:lnSpc>
         <a:spcPct val="100000"/>
       </a:lnSpc>
@@ -183,7 +183,7 @@
         <a:srgbClr val="000000"/>
       </a:buClr>
       <a:buFont typeface="Arial"/>
-      <a:defRPr b="0" i="0" sz="1400" u="none" cap="none" strike="noStrike">
+      <a:defRPr sz="1400" b="0" i="0" u="none" strike="noStrike" cap="none">
         <a:solidFill>
           <a:srgbClr val="000000"/>
         </a:solidFill>
@@ -193,7 +193,7 @@
         <a:sym typeface="Arial"/>
       </a:defRPr>
     </a:lvl7pPr>
-    <a:lvl8pPr lvl="7" marR="0" rtl="0" algn="l">
+    <a:lvl8pPr marR="0" lvl="7" algn="l" rtl="0">
       <a:lnSpc>
         <a:spcPct val="100000"/>
       </a:lnSpc>
@@ -207,7 +207,7 @@
         <a:srgbClr val="000000"/>
       </a:buClr>
       <a:buFont typeface="Arial"/>
-      <a:defRPr b="0" i="0" sz="1400" u="none" cap="none" strike="noStrike">
+      <a:defRPr sz="1400" b="0" i="0" u="none" strike="noStrike" cap="none">
         <a:solidFill>
           <a:srgbClr val="000000"/>
         </a:solidFill>
@@ -217,7 +217,7 @@
         <a:sym typeface="Arial"/>
       </a:defRPr>
     </a:lvl8pPr>
-    <a:lvl9pPr lvl="8" marR="0" rtl="0" algn="l">
+    <a:lvl9pPr marR="0" lvl="8" algn="l" rtl="0">
       <a:lnSpc>
         <a:spcPct val="100000"/>
       </a:lnSpc>
@@ -231,7 +231,7 @@
         <a:srgbClr val="000000"/>
       </a:buClr>
       <a:buFont typeface="Arial"/>
-      <a:defRPr b="0" i="0" sz="1400" u="none" cap="none" strike="noStrike">
+      <a:defRPr sz="1400" b="0" i="0" u="none" strike="noStrike" cap="none">
         <a:solidFill>
           <a:srgbClr val="000000"/>
         </a:solidFill>
@@ -244,18 +244,23 @@
   </p:defaultTextStyle>
   <p:extLst>
     <p:ext uri="http://customooxmlschemas.google.com/">
-      <go:slidesCustomData xmlns:go="http://customooxmlschemas.google.com/" r:id="rId7" roundtripDataSignature="AMtx7mgS4PKd8fmFzwDYqmMJCVQs2tIOLw=="/>
+      <go:slidesCustomData xmlns:go="http://customooxmlschemas.google.com/" xmlns:p15="http://schemas.microsoft.com/office/powerpoint/2012/main" xmlns:p14="http://schemas.microsoft.com/office/powerpoint/2010/main" xmlns:com="http://schemas.openxmlformats.org/drawingml/2006/compatibility" xmlns:pvml="urn:schemas-microsoft-com:office:powerpoint" xmlns:v="urn:schemas-microsoft-com:vml" xmlns:o="urn:schemas-microsoft-com:office:office" xmlns:dgm="http://schemas.openxmlformats.org/drawingml/2006/diagram" xmlns:c="http://schemas.openxmlformats.org/drawingml/2006/chart" xmlns:mv="urn:schemas-microsoft-com:mac:vml" xmlns:mc="http://schemas.openxmlformats.org/markup-compatibility/2006" xmlns="" r:id="rId7" roundtripDataSignature="AMtx7mgS4PKd8fmFzwDYqmMJCVQs2tIOLw=="/>
     </p:ext>
   </p:extLst>
 </p:presentation>
 </file>
 
 <file path=ppt/notesMasters/notesMaster1.xml><?xml version="1.0" encoding="utf-8"?>
-<p:notesMaster xmlns:a="http://schemas.openxmlformats.org/drawingml/2006/main" xmlns:r="http://schemas.openxmlformats.org/officeDocument/2006/relationships" xmlns:mc="http://schemas.openxmlformats.org/markup-compatibility/2006" xmlns:mv="urn:schemas-microsoft-com:mac:vml" xmlns:p="http://schemas.openxmlformats.org/presentationml/2006/main" xmlns:c="http://schemas.openxmlformats.org/drawingml/2006/chart" xmlns:dgm="http://schemas.openxmlformats.org/drawingml/2006/diagram" xmlns:o="urn:schemas-microsoft-com:office:office" xmlns:v="urn:schemas-microsoft-com:vml" xmlns:pvml="urn:schemas-microsoft-com:office:powerpoint" xmlns:com="http://schemas.openxmlformats.org/drawingml/2006/compatibility" xmlns:p14="http://schemas.microsoft.com/office/powerpoint/2010/main" xmlns:p15="http://schemas.microsoft.com/office/powerpoint/2012/main">
+<p:notesMaster xmlns:a="http://schemas.openxmlformats.org/drawingml/2006/main" xmlns:r="http://schemas.openxmlformats.org/officeDocument/2006/relationships" xmlns:p="http://schemas.openxmlformats.org/presentationml/2006/main">
   <p:cSld>
+    <p:bg>
+      <p:bgRef idx="1001">
+        <a:schemeClr val="bg1"/>
+      </p:bgRef>
+    </p:bg>
     <p:spTree>
       <p:nvGrpSpPr>
-        <p:cNvPr id="2" name="Shape 2"/>
+        <p:cNvPr id="1" name="Shape 2"/>
         <p:cNvGrpSpPr/>
         <p:nvPr/>
       </p:nvGrpSpPr>
@@ -270,9 +275,11 @@
       <p:sp>
         <p:nvSpPr>
           <p:cNvPr id="3" name="Google Shape;3;n"/>
-          <p:cNvSpPr/>
+          <p:cNvSpPr>
+            <a:spLocks noGrp="1" noRot="1" noChangeAspect="1"/>
+          </p:cNvSpPr>
           <p:nvPr>
-            <p:ph idx="2" type="sldImg"/>
+            <p:ph type="sldImg" idx="2"/>
           </p:nvPr>
         </p:nvSpPr>
         <p:spPr>
@@ -281,9 +288,13 @@
             <a:ext cx="4572225" cy="3429000"/>
           </a:xfrm>
           <a:custGeom>
-            <a:rect b="b" l="l" r="r" t="t"/>
+            <a:avLst/>
+            <a:gdLst/>
+            <a:ahLst/>
+            <a:cxnLst/>
+            <a:rect l="l" t="t" r="r" b="b"/>
             <a:pathLst>
-              <a:path extrusionOk="0" h="120000" w="120000">
+              <a:path w="120000" h="120000" extrusionOk="0">
                 <a:moveTo>
                   <a:pt x="0" y="0"/>
                 </a:moveTo>
@@ -301,23 +312,25 @@
             </a:pathLst>
           </a:custGeom>
           <a:noFill/>
-          <a:ln cap="flat" cmpd="sng" w="9525">
+          <a:ln w="9525" cap="flat" cmpd="sng">
             <a:solidFill>
               <a:srgbClr val="000000"/>
             </a:solidFill>
             <a:prstDash val="solid"/>
             <a:round/>
-            <a:headEnd len="sm" w="sm" type="none"/>
-            <a:tailEnd len="sm" w="sm" type="none"/>
+            <a:headEnd type="none" w="sm" len="sm"/>
+            <a:tailEnd type="none" w="sm" len="sm"/>
           </a:ln>
         </p:spPr>
       </p:sp>
       <p:sp>
         <p:nvSpPr>
           <p:cNvPr id="4" name="Google Shape;4;n"/>
-          <p:cNvSpPr txBox="1"/>
+          <p:cNvSpPr txBox="1">
+            <a:spLocks noGrp="1"/>
+          </p:cNvSpPr>
           <p:nvPr>
-            <p:ph idx="1" type="body"/>
+            <p:ph type="body" idx="1"/>
           </p:nvPr>
         </p:nvSpPr>
         <p:spPr>
@@ -334,11 +347,11 @@
           </a:ln>
         </p:spPr>
         <p:txBody>
-          <a:bodyPr anchorCtr="0" anchor="t" bIns="91425" lIns="91425" spcFirstLastPara="1" rIns="91425" wrap="square" tIns="91425">
+          <a:bodyPr spcFirstLastPara="1" wrap="square" lIns="91425" tIns="91425" rIns="91425" bIns="91425" anchor="t" anchorCtr="0">
             <a:noAutofit/>
           </a:bodyPr>
           <a:lstStyle>
-            <a:lvl1pPr indent="-298450" lvl="0" marL="457200">
+            <a:lvl1pPr marL="457200" lvl="0" indent="-298450">
               <a:spcBef>
                 <a:spcPts val="0"/>
               </a:spcBef>
@@ -349,7 +362,7 @@
               <a:buChar char="●"/>
               <a:defRPr sz="1100"/>
             </a:lvl1pPr>
-            <a:lvl2pPr indent="-298450" lvl="1" marL="914400">
+            <a:lvl2pPr marL="914400" lvl="1" indent="-298450">
               <a:spcBef>
                 <a:spcPts val="0"/>
               </a:spcBef>
@@ -360,7 +373,7 @@
               <a:buChar char="○"/>
               <a:defRPr sz="1100"/>
             </a:lvl2pPr>
-            <a:lvl3pPr indent="-298450" lvl="2" marL="1371600">
+            <a:lvl3pPr marL="1371600" lvl="2" indent="-298450">
               <a:spcBef>
                 <a:spcPts val="0"/>
               </a:spcBef>
@@ -371,7 +384,7 @@
               <a:buChar char="■"/>
               <a:defRPr sz="1100"/>
             </a:lvl3pPr>
-            <a:lvl4pPr indent="-298450" lvl="3" marL="1828800">
+            <a:lvl4pPr marL="1828800" lvl="3" indent="-298450">
               <a:spcBef>
                 <a:spcPts val="0"/>
               </a:spcBef>
@@ -382,7 +395,7 @@
               <a:buChar char="●"/>
               <a:defRPr sz="1100"/>
             </a:lvl4pPr>
-            <a:lvl5pPr indent="-298450" lvl="4" marL="2286000">
+            <a:lvl5pPr marL="2286000" lvl="4" indent="-298450">
               <a:spcBef>
                 <a:spcPts val="0"/>
               </a:spcBef>
@@ -393,7 +406,7 @@
               <a:buChar char="○"/>
               <a:defRPr sz="1100"/>
             </a:lvl5pPr>
-            <a:lvl6pPr indent="-298450" lvl="5" marL="2743200">
+            <a:lvl6pPr marL="2743200" lvl="5" indent="-298450">
               <a:spcBef>
                 <a:spcPts val="0"/>
               </a:spcBef>
@@ -404,7 +417,7 @@
               <a:buChar char="■"/>
               <a:defRPr sz="1100"/>
             </a:lvl6pPr>
-            <a:lvl7pPr indent="-298450" lvl="6" marL="3200400">
+            <a:lvl7pPr marL="3200400" lvl="6" indent="-298450">
               <a:spcBef>
                 <a:spcPts val="0"/>
               </a:spcBef>
@@ -415,7 +428,7 @@
               <a:buChar char="●"/>
               <a:defRPr sz="1100"/>
             </a:lvl7pPr>
-            <a:lvl8pPr indent="-298450" lvl="7" marL="3657600">
+            <a:lvl8pPr marL="3657600" lvl="7" indent="-298450">
               <a:spcBef>
                 <a:spcPts val="0"/>
               </a:spcBef>
@@ -426,7 +439,7 @@
               <a:buChar char="○"/>
               <a:defRPr sz="1100"/>
             </a:lvl8pPr>
-            <a:lvl9pPr indent="-298450" lvl="8" marL="4114800">
+            <a:lvl9pPr marL="4114800" lvl="8" indent="-298450">
               <a:spcBef>
                 <a:spcPts val="0"/>
               </a:spcBef>
@@ -438,14 +451,16 @@
               <a:defRPr sz="1100"/>
             </a:lvl9pPr>
           </a:lstStyle>
-          <a:p/>
+          <a:p>
+            <a:endParaRPr/>
+          </a:p>
         </p:txBody>
       </p:sp>
     </p:spTree>
   </p:cSld>
-  <p:clrMap accent1="accent1" accent2="accent2" accent3="accent3" accent4="accent4" accent5="accent5" accent6="accent6" bg1="lt1" bg2="dk2" tx1="dk1" tx2="lt2" folHlink="folHlink" hlink="hlink"/>
+  <p:clrMap bg1="lt1" tx1="dk1" bg2="dk2" tx2="lt2" accent1="accent1" accent2="accent2" accent3="accent3" accent4="accent4" accent5="accent5" accent6="accent6" hlink="hlink" folHlink="folHlink"/>
   <p:notesStyle>
-    <a:defPPr lvl="0" marR="0" rtl="0" algn="l">
+    <a:defPPr marR="0" lvl="0" algn="l" rtl="0">
       <a:lnSpc>
         <a:spcPct val="100000"/>
       </a:lnSpc>
@@ -456,7 +471,7 @@
         <a:spcPts val="0"/>
       </a:spcAft>
     </a:defPPr>
-    <a:lvl1pPr lvl="0" marR="0" rtl="0" algn="l">
+    <a:lvl1pPr marR="0" lvl="0" algn="l" rtl="0">
       <a:lnSpc>
         <a:spcPct val="100000"/>
       </a:lnSpc>
@@ -470,7 +485,7 @@
         <a:srgbClr val="000000"/>
       </a:buClr>
       <a:buFont typeface="Arial"/>
-      <a:defRPr b="0" i="0" sz="1400" u="none" cap="none" strike="noStrike">
+      <a:defRPr sz="1400" b="0" i="0" u="none" strike="noStrike" cap="none">
         <a:solidFill>
           <a:srgbClr val="000000"/>
         </a:solidFill>
@@ -480,7 +495,7 @@
         <a:sym typeface="Arial"/>
       </a:defRPr>
     </a:lvl1pPr>
-    <a:lvl2pPr lvl="1" marR="0" rtl="0" algn="l">
+    <a:lvl2pPr marR="0" lvl="1" algn="l" rtl="0">
       <a:lnSpc>
         <a:spcPct val="100000"/>
       </a:lnSpc>
@@ -494,7 +509,7 @@
         <a:srgbClr val="000000"/>
       </a:buClr>
       <a:buFont typeface="Arial"/>
-      <a:defRPr b="0" i="0" sz="1400" u="none" cap="none" strike="noStrike">
+      <a:defRPr sz="1400" b="0" i="0" u="none" strike="noStrike" cap="none">
         <a:solidFill>
           <a:srgbClr val="000000"/>
         </a:solidFill>
@@ -504,7 +519,7 @@
         <a:sym typeface="Arial"/>
       </a:defRPr>
     </a:lvl2pPr>
-    <a:lvl3pPr lvl="2" marR="0" rtl="0" algn="l">
+    <a:lvl3pPr marR="0" lvl="2" algn="l" rtl="0">
       <a:lnSpc>
         <a:spcPct val="100000"/>
       </a:lnSpc>
@@ -518,7 +533,7 @@
         <a:srgbClr val="000000"/>
       </a:buClr>
       <a:buFont typeface="Arial"/>
-      <a:defRPr b="0" i="0" sz="1400" u="none" cap="none" strike="noStrike">
+      <a:defRPr sz="1400" b="0" i="0" u="none" strike="noStrike" cap="none">
         <a:solidFill>
           <a:srgbClr val="000000"/>
         </a:solidFill>
@@ -528,7 +543,7 @@
         <a:sym typeface="Arial"/>
       </a:defRPr>
     </a:lvl3pPr>
-    <a:lvl4pPr lvl="3" marR="0" rtl="0" algn="l">
+    <a:lvl4pPr marR="0" lvl="3" algn="l" rtl="0">
       <a:lnSpc>
         <a:spcPct val="100000"/>
       </a:lnSpc>
@@ -542,7 +557,7 @@
         <a:srgbClr val="000000"/>
       </a:buClr>
       <a:buFont typeface="Arial"/>
-      <a:defRPr b="0" i="0" sz="1400" u="none" cap="none" strike="noStrike">
+      <a:defRPr sz="1400" b="0" i="0" u="none" strike="noStrike" cap="none">
         <a:solidFill>
           <a:srgbClr val="000000"/>
         </a:solidFill>
@@ -552,7 +567,7 @@
         <a:sym typeface="Arial"/>
       </a:defRPr>
     </a:lvl4pPr>
-    <a:lvl5pPr lvl="4" marR="0" rtl="0" algn="l">
+    <a:lvl5pPr marR="0" lvl="4" algn="l" rtl="0">
       <a:lnSpc>
         <a:spcPct val="100000"/>
       </a:lnSpc>
@@ -566,7 +581,7 @@
         <a:srgbClr val="000000"/>
       </a:buClr>
       <a:buFont typeface="Arial"/>
-      <a:defRPr b="0" i="0" sz="1400" u="none" cap="none" strike="noStrike">
+      <a:defRPr sz="1400" b="0" i="0" u="none" strike="noStrike" cap="none">
         <a:solidFill>
           <a:srgbClr val="000000"/>
         </a:solidFill>
@@ -576,7 +591,7 @@
         <a:sym typeface="Arial"/>
       </a:defRPr>
     </a:lvl5pPr>
-    <a:lvl6pPr lvl="5" marR="0" rtl="0" algn="l">
+    <a:lvl6pPr marR="0" lvl="5" algn="l" rtl="0">
       <a:lnSpc>
         <a:spcPct val="100000"/>
       </a:lnSpc>
@@ -590,7 +605,7 @@
         <a:srgbClr val="000000"/>
       </a:buClr>
       <a:buFont typeface="Arial"/>
-      <a:defRPr b="0" i="0" sz="1400" u="none" cap="none" strike="noStrike">
+      <a:defRPr sz="1400" b="0" i="0" u="none" strike="noStrike" cap="none">
         <a:solidFill>
           <a:srgbClr val="000000"/>
         </a:solidFill>
@@ -600,7 +615,7 @@
         <a:sym typeface="Arial"/>
       </a:defRPr>
     </a:lvl6pPr>
-    <a:lvl7pPr lvl="6" marR="0" rtl="0" algn="l">
+    <a:lvl7pPr marR="0" lvl="6" algn="l" rtl="0">
       <a:lnSpc>
         <a:spcPct val="100000"/>
       </a:lnSpc>
@@ -614,7 +629,7 @@
         <a:srgbClr val="000000"/>
       </a:buClr>
       <a:buFont typeface="Arial"/>
-      <a:defRPr b="0" i="0" sz="1400" u="none" cap="none" strike="noStrike">
+      <a:defRPr sz="1400" b="0" i="0" u="none" strike="noStrike" cap="none">
         <a:solidFill>
           <a:srgbClr val="000000"/>
         </a:solidFill>
@@ -624,7 +639,7 @@
         <a:sym typeface="Arial"/>
       </a:defRPr>
     </a:lvl7pPr>
-    <a:lvl8pPr lvl="7" marR="0" rtl="0" algn="l">
+    <a:lvl8pPr marR="0" lvl="7" algn="l" rtl="0">
       <a:lnSpc>
         <a:spcPct val="100000"/>
       </a:lnSpc>
@@ -638,7 +653,7 @@
         <a:srgbClr val="000000"/>
       </a:buClr>
       <a:buFont typeface="Arial"/>
-      <a:defRPr b="0" i="0" sz="1400" u="none" cap="none" strike="noStrike">
+      <a:defRPr sz="1400" b="0" i="0" u="none" strike="noStrike" cap="none">
         <a:solidFill>
           <a:srgbClr val="000000"/>
         </a:solidFill>
@@ -648,7 +663,7 @@
         <a:sym typeface="Arial"/>
       </a:defRPr>
     </a:lvl8pPr>
-    <a:lvl9pPr lvl="8" marR="0" rtl="0" algn="l">
+    <a:lvl9pPr marR="0" lvl="8" algn="l" rtl="0">
       <a:lnSpc>
         <a:spcPct val="100000"/>
       </a:lnSpc>
@@ -662,7 +677,7 @@
         <a:srgbClr val="000000"/>
       </a:buClr>
       <a:buFont typeface="Arial"/>
-      <a:defRPr b="0" i="0" sz="1400" u="none" cap="none" strike="noStrike">
+      <a:defRPr sz="1400" b="0" i="0" u="none" strike="noStrike" cap="none">
         <a:solidFill>
           <a:srgbClr val="000000"/>
         </a:solidFill>
@@ -677,11 +692,11 @@
 </file>
 
 <file path=ppt/notesSlides/notesSlide1.xml><?xml version="1.0" encoding="utf-8"?>
-<p:notes xmlns:a="http://schemas.openxmlformats.org/drawingml/2006/main" xmlns:r="http://schemas.openxmlformats.org/officeDocument/2006/relationships" xmlns:mc="http://schemas.openxmlformats.org/markup-compatibility/2006" xmlns:mv="urn:schemas-microsoft-com:mac:vml" xmlns:p="http://schemas.openxmlformats.org/presentationml/2006/main" xmlns:c="http://schemas.openxmlformats.org/drawingml/2006/chart" xmlns:dgm="http://schemas.openxmlformats.org/drawingml/2006/diagram" xmlns:o="urn:schemas-microsoft-com:office:office" xmlns:v="urn:schemas-microsoft-com:vml" xmlns:pvml="urn:schemas-microsoft-com:office:powerpoint" xmlns:com="http://schemas.openxmlformats.org/drawingml/2006/compatibility" xmlns:p14="http://schemas.microsoft.com/office/powerpoint/2010/main" xmlns:p15="http://schemas.microsoft.com/office/powerpoint/2012/main" showMasterPhAnim="0" showMasterSp="0">
+<p:notes xmlns:a="http://schemas.openxmlformats.org/drawingml/2006/main" xmlns:r="http://schemas.openxmlformats.org/officeDocument/2006/relationships" xmlns:p="http://schemas.openxmlformats.org/presentationml/2006/main" showMasterSp="0" showMasterPhAnim="0">
   <p:cSld>
     <p:spTree>
       <p:nvGrpSpPr>
-        <p:cNvPr id="80" name="Shape 80"/>
+        <p:cNvPr id="1" name="Shape 80"/>
         <p:cNvGrpSpPr/>
         <p:nvPr/>
       </p:nvGrpSpPr>
@@ -696,9 +711,11 @@
       <p:sp>
         <p:nvSpPr>
           <p:cNvPr id="81" name="Google Shape;81;p1:notes"/>
-          <p:cNvSpPr txBox="1"/>
+          <p:cNvSpPr txBox="1">
+            <a:spLocks noGrp="1"/>
+          </p:cNvSpPr>
           <p:nvPr>
-            <p:ph idx="1" type="body"/>
+            <p:ph type="body" idx="1"/>
           </p:nvPr>
         </p:nvSpPr>
         <p:spPr>
@@ -711,12 +728,12 @@
           </a:prstGeom>
         </p:spPr>
         <p:txBody>
-          <a:bodyPr anchorCtr="0" anchor="t" bIns="91425" lIns="91425" spcFirstLastPara="1" rIns="91425" wrap="square" tIns="91425">
+          <a:bodyPr spcFirstLastPara="1" wrap="square" lIns="91425" tIns="91425" rIns="91425" bIns="91425" anchor="t" anchorCtr="0">
             <a:noAutofit/>
           </a:bodyPr>
           <a:lstStyle/>
           <a:p>
-            <a:pPr indent="0" lvl="0" marL="0" rtl="0" algn="l">
+            <a:pPr marL="0" lvl="0" indent="0" algn="l" rtl="0">
               <a:spcBef>
                 <a:spcPts val="0"/>
               </a:spcBef>
@@ -725,9 +742,6 @@
               </a:spcAft>
               <a:buNone/>
             </a:pPr>
-            <a:r>
-              <a:t/>
-            </a:r>
             <a:endParaRPr/>
           </a:p>
         </p:txBody>
@@ -735,20 +749,26 @@
       <p:sp>
         <p:nvSpPr>
           <p:cNvPr id="82" name="Google Shape;82;p1:notes"/>
-          <p:cNvSpPr/>
+          <p:cNvSpPr>
+            <a:spLocks noGrp="1" noRot="1" noChangeAspect="1"/>
+          </p:cNvSpPr>
           <p:nvPr>
-            <p:ph idx="2" type="sldImg"/>
+            <p:ph type="sldImg" idx="2"/>
           </p:nvPr>
         </p:nvSpPr>
         <p:spPr>
           <a:xfrm>
-            <a:off x="1143225" y="685800"/>
-            <a:ext cx="4572225" cy="3429000"/>
+            <a:off x="2143125" y="685800"/>
+            <a:ext cx="2571750" cy="3429000"/>
           </a:xfrm>
           <a:custGeom>
-            <a:rect b="b" l="l" r="r" t="t"/>
+            <a:avLst/>
+            <a:gdLst/>
+            <a:ahLst/>
+            <a:cxnLst/>
+            <a:rect l="l" t="t" r="r" b="b"/>
             <a:pathLst>
-              <a:path extrusionOk="0" h="120000" w="120000">
+              <a:path w="120000" h="120000" extrusionOk="0">
                 <a:moveTo>
                   <a:pt x="0" y="0"/>
                 </a:moveTo>
@@ -776,11 +796,11 @@
 </file>
 
 <file path=ppt/notesSlides/notesSlide2.xml><?xml version="1.0" encoding="utf-8"?>
-<p:notes xmlns:a="http://schemas.openxmlformats.org/drawingml/2006/main" xmlns:r="http://schemas.openxmlformats.org/officeDocument/2006/relationships" xmlns:mc="http://schemas.openxmlformats.org/markup-compatibility/2006" xmlns:mv="urn:schemas-microsoft-com:mac:vml" xmlns:p="http://schemas.openxmlformats.org/presentationml/2006/main" xmlns:c="http://schemas.openxmlformats.org/drawingml/2006/chart" xmlns:dgm="http://schemas.openxmlformats.org/drawingml/2006/diagram" xmlns:o="urn:schemas-microsoft-com:office:office" xmlns:v="urn:schemas-microsoft-com:vml" xmlns:pvml="urn:schemas-microsoft-com:office:powerpoint" xmlns:com="http://schemas.openxmlformats.org/drawingml/2006/compatibility" xmlns:p14="http://schemas.microsoft.com/office/powerpoint/2010/main" xmlns:p15="http://schemas.microsoft.com/office/powerpoint/2012/main" showMasterPhAnim="0" showMasterSp="0">
+<p:notes xmlns:a="http://schemas.openxmlformats.org/drawingml/2006/main" xmlns:r="http://schemas.openxmlformats.org/officeDocument/2006/relationships" xmlns:p="http://schemas.openxmlformats.org/presentationml/2006/main" showMasterSp="0" showMasterPhAnim="0">
   <p:cSld>
     <p:spTree>
       <p:nvGrpSpPr>
-        <p:cNvPr id="100" name="Shape 100"/>
+        <p:cNvPr id="1" name="Shape 100"/>
         <p:cNvGrpSpPr/>
         <p:nvPr/>
       </p:nvGrpSpPr>
@@ -795,9 +815,11 @@
       <p:sp>
         <p:nvSpPr>
           <p:cNvPr id="101" name="Google Shape;101;g76f9416c15_2_0:notes"/>
-          <p:cNvSpPr/>
+          <p:cNvSpPr>
+            <a:spLocks noGrp="1" noRot="1" noChangeAspect="1"/>
+          </p:cNvSpPr>
           <p:nvPr>
-            <p:ph idx="2" type="sldImg"/>
+            <p:ph type="sldImg" idx="2"/>
           </p:nvPr>
         </p:nvSpPr>
         <p:spPr>
@@ -806,9 +828,13 @@
             <a:ext cx="4572300" cy="3429000"/>
           </a:xfrm>
           <a:custGeom>
-            <a:rect b="b" l="l" r="r" t="t"/>
+            <a:avLst/>
+            <a:gdLst/>
+            <a:ahLst/>
+            <a:cxnLst/>
+            <a:rect l="l" t="t" r="r" b="b"/>
             <a:pathLst>
-              <a:path extrusionOk="0" h="120000" w="120000">
+              <a:path w="120000" h="120000" extrusionOk="0">
                 <a:moveTo>
                   <a:pt x="0" y="0"/>
                 </a:moveTo>
@@ -830,9 +856,11 @@
       <p:sp>
         <p:nvSpPr>
           <p:cNvPr id="102" name="Google Shape;102;g76f9416c15_2_0:notes"/>
-          <p:cNvSpPr txBox="1"/>
+          <p:cNvSpPr txBox="1">
+            <a:spLocks noGrp="1"/>
+          </p:cNvSpPr>
           <p:nvPr>
-            <p:ph idx="1" type="body"/>
+            <p:ph type="body" idx="1"/>
           </p:nvPr>
         </p:nvSpPr>
         <p:spPr>
@@ -845,12 +873,12 @@
           </a:prstGeom>
         </p:spPr>
         <p:txBody>
-          <a:bodyPr anchorCtr="0" anchor="t" bIns="91425" lIns="91425" spcFirstLastPara="1" rIns="91425" wrap="square" tIns="91425">
+          <a:bodyPr spcFirstLastPara="1" wrap="square" lIns="91425" tIns="91425" rIns="91425" bIns="91425" anchor="t" anchorCtr="0">
             <a:noAutofit/>
           </a:bodyPr>
           <a:lstStyle/>
           <a:p>
-            <a:pPr indent="0" lvl="0" marL="0" rtl="0" algn="l">
+            <a:pPr marL="0" lvl="0" indent="0" algn="l" rtl="0">
               <a:spcBef>
                 <a:spcPts val="0"/>
               </a:spcBef>
@@ -859,9 +887,6 @@
               </a:spcAft>
               <a:buNone/>
             </a:pPr>
-            <a:r>
-              <a:t/>
-            </a:r>
             <a:endParaRPr/>
           </a:p>
         </p:txBody>
@@ -875,11 +900,11 @@
 </file>
 
 <file path=ppt/slideLayouts/slideLayout1.xml><?xml version="1.0" encoding="utf-8"?>
-<p:sldLayout xmlns:a="http://schemas.openxmlformats.org/drawingml/2006/main" xmlns:r="http://schemas.openxmlformats.org/officeDocument/2006/relationships" xmlns:mc="http://schemas.openxmlformats.org/markup-compatibility/2006" xmlns:mv="urn:schemas-microsoft-com:mac:vml" xmlns:p="http://schemas.openxmlformats.org/presentationml/2006/main" xmlns:c="http://schemas.openxmlformats.org/drawingml/2006/chart" xmlns:dgm="http://schemas.openxmlformats.org/drawingml/2006/diagram" xmlns:o="urn:schemas-microsoft-com:office:office" xmlns:v="urn:schemas-microsoft-com:vml" xmlns:pvml="urn:schemas-microsoft-com:office:powerpoint" xmlns:com="http://schemas.openxmlformats.org/drawingml/2006/compatibility" xmlns:p14="http://schemas.microsoft.com/office/powerpoint/2010/main" xmlns:p15="http://schemas.microsoft.com/office/powerpoint/2012/main" matchingName="Title Slide" type="title">
+<p:sldLayout xmlns:a="http://schemas.openxmlformats.org/drawingml/2006/main" xmlns:r="http://schemas.openxmlformats.org/officeDocument/2006/relationships" xmlns:p="http://schemas.openxmlformats.org/presentationml/2006/main" matchingName="Title Slide" type="title">
   <p:cSld name="TITLE">
     <p:spTree>
       <p:nvGrpSpPr>
-        <p:cNvPr id="11" name="Shape 11"/>
+        <p:cNvPr id="1" name="Shape 11"/>
         <p:cNvGrpSpPr/>
         <p:nvPr/>
       </p:nvGrpSpPr>
@@ -894,7 +919,9 @@
       <p:sp>
         <p:nvSpPr>
           <p:cNvPr id="12" name="Google Shape;12;p3"/>
-          <p:cNvSpPr txBox="1"/>
+          <p:cNvSpPr txBox="1">
+            <a:spLocks noGrp="1"/>
+          </p:cNvSpPr>
           <p:nvPr>
             <p:ph type="ctrTitle"/>
           </p:nvPr>
@@ -913,7 +940,7 @@
           </a:ln>
         </p:spPr>
         <p:txBody>
-          <a:bodyPr anchorCtr="0" anchor="b" bIns="45700" lIns="91425" spcFirstLastPara="1" rIns="91425" wrap="square" tIns="45700">
+          <a:bodyPr spcFirstLastPara="1" wrap="square" lIns="91425" tIns="45700" rIns="91425" bIns="45700" anchor="b" anchorCtr="0">
             <a:normAutofit/>
           </a:bodyPr>
           <a:lstStyle>
@@ -1024,15 +1051,19 @@
               <a:defRPr/>
             </a:lvl9pPr>
           </a:lstStyle>
-          <a:p/>
+          <a:p>
+            <a:endParaRPr/>
+          </a:p>
         </p:txBody>
       </p:sp>
       <p:sp>
         <p:nvSpPr>
           <p:cNvPr id="13" name="Google Shape;13;p3"/>
-          <p:cNvSpPr txBox="1"/>
+          <p:cNvSpPr txBox="1">
+            <a:spLocks noGrp="1"/>
+          </p:cNvSpPr>
           <p:nvPr>
-            <p:ph idx="1" type="subTitle"/>
+            <p:ph type="subTitle" idx="1"/>
           </p:nvPr>
         </p:nvSpPr>
         <p:spPr>
@@ -1049,7 +1080,7 @@
           </a:ln>
         </p:spPr>
         <p:txBody>
-          <a:bodyPr anchorCtr="0" anchor="t" bIns="45700" lIns="91425" spcFirstLastPara="1" rIns="91425" wrap="square" tIns="45700">
+          <a:bodyPr spcFirstLastPara="1" wrap="square" lIns="91425" tIns="45700" rIns="91425" bIns="45700" anchor="t" anchorCtr="0">
             <a:normAutofit/>
           </a:bodyPr>
           <a:lstStyle>
@@ -1207,15 +1238,19 @@
               <a:defRPr sz="5760"/>
             </a:lvl9pPr>
           </a:lstStyle>
-          <a:p/>
+          <a:p>
+            <a:endParaRPr/>
+          </a:p>
         </p:txBody>
       </p:sp>
       <p:sp>
         <p:nvSpPr>
           <p:cNvPr id="14" name="Google Shape;14;p3"/>
-          <p:cNvSpPr txBox="1"/>
+          <p:cNvSpPr txBox="1">
+            <a:spLocks noGrp="1"/>
+          </p:cNvSpPr>
           <p:nvPr>
-            <p:ph idx="10" type="dt"/>
+            <p:ph type="dt" idx="10"/>
           </p:nvPr>
         </p:nvSpPr>
         <p:spPr>
@@ -1232,7 +1267,7 @@
           </a:ln>
         </p:spPr>
         <p:txBody>
-          <a:bodyPr anchorCtr="0" anchor="ctr" bIns="45700" lIns="91425" spcFirstLastPara="1" rIns="91425" wrap="square" tIns="45700">
+          <a:bodyPr spcFirstLastPara="1" wrap="square" lIns="91425" tIns="45700" rIns="91425" bIns="45700" anchor="ctr" anchorCtr="0">
             <a:noAutofit/>
           </a:bodyPr>
           <a:lstStyle>
@@ -1336,15 +1371,19 @@
               <a:defRPr/>
             </a:lvl9pPr>
           </a:lstStyle>
-          <a:p/>
+          <a:p>
+            <a:endParaRPr/>
+          </a:p>
         </p:txBody>
       </p:sp>
       <p:sp>
         <p:nvSpPr>
           <p:cNvPr id="15" name="Google Shape;15;p3"/>
-          <p:cNvSpPr txBox="1"/>
+          <p:cNvSpPr txBox="1">
+            <a:spLocks noGrp="1"/>
+          </p:cNvSpPr>
           <p:nvPr>
-            <p:ph idx="11" type="ftr"/>
+            <p:ph type="ftr" idx="11"/>
           </p:nvPr>
         </p:nvSpPr>
         <p:spPr>
@@ -1361,7 +1400,7 @@
           </a:ln>
         </p:spPr>
         <p:txBody>
-          <a:bodyPr anchorCtr="0" anchor="ctr" bIns="45700" lIns="91425" spcFirstLastPara="1" rIns="91425" wrap="square" tIns="45700">
+          <a:bodyPr spcFirstLastPara="1" wrap="square" lIns="91425" tIns="45700" rIns="91425" bIns="45700" anchor="ctr" anchorCtr="0">
             <a:noAutofit/>
           </a:bodyPr>
           <a:lstStyle>
@@ -1465,15 +1504,19 @@
               <a:defRPr/>
             </a:lvl9pPr>
           </a:lstStyle>
-          <a:p/>
+          <a:p>
+            <a:endParaRPr/>
+          </a:p>
         </p:txBody>
       </p:sp>
       <p:sp>
         <p:nvSpPr>
           <p:cNvPr id="16" name="Google Shape;16;p3"/>
-          <p:cNvSpPr txBox="1"/>
+          <p:cNvSpPr txBox="1">
+            <a:spLocks noGrp="1"/>
+          </p:cNvSpPr>
           <p:nvPr>
-            <p:ph idx="12" type="sldNum"/>
+            <p:ph type="sldNum" idx="12"/>
           </p:nvPr>
         </p:nvSpPr>
         <p:spPr>
@@ -1490,67 +1533,67 @@
           </a:ln>
         </p:spPr>
         <p:txBody>
-          <a:bodyPr anchorCtr="0" anchor="ctr" bIns="45700" lIns="91425" spcFirstLastPara="1" rIns="91425" wrap="square" tIns="45700">
+          <a:bodyPr spcFirstLastPara="1" wrap="square" lIns="91425" tIns="45700" rIns="91425" bIns="45700" anchor="ctr" anchorCtr="0">
             <a:noAutofit/>
           </a:bodyPr>
           <a:lstStyle>
-            <a:lvl1pPr indent="0" lvl="0" marL="0" algn="r">
+            <a:lvl1pPr marL="0" lvl="0" indent="0" algn="r">
               <a:spcBef>
                 <a:spcPts val="0"/>
               </a:spcBef>
               <a:buNone/>
               <a:defRPr/>
             </a:lvl1pPr>
-            <a:lvl2pPr indent="0" lvl="1" marL="0" algn="r">
+            <a:lvl2pPr marL="0" lvl="1" indent="0" algn="r">
               <a:spcBef>
                 <a:spcPts val="0"/>
               </a:spcBef>
               <a:buNone/>
               <a:defRPr/>
             </a:lvl2pPr>
-            <a:lvl3pPr indent="0" lvl="2" marL="0" algn="r">
+            <a:lvl3pPr marL="0" lvl="2" indent="0" algn="r">
               <a:spcBef>
                 <a:spcPts val="0"/>
               </a:spcBef>
               <a:buNone/>
               <a:defRPr/>
             </a:lvl3pPr>
-            <a:lvl4pPr indent="0" lvl="3" marL="0" algn="r">
+            <a:lvl4pPr marL="0" lvl="3" indent="0" algn="r">
               <a:spcBef>
                 <a:spcPts val="0"/>
               </a:spcBef>
               <a:buNone/>
               <a:defRPr/>
             </a:lvl4pPr>
-            <a:lvl5pPr indent="0" lvl="4" marL="0" algn="r">
+            <a:lvl5pPr marL="0" lvl="4" indent="0" algn="r">
               <a:spcBef>
                 <a:spcPts val="0"/>
               </a:spcBef>
               <a:buNone/>
               <a:defRPr/>
             </a:lvl5pPr>
-            <a:lvl6pPr indent="0" lvl="5" marL="0" algn="r">
+            <a:lvl6pPr marL="0" lvl="5" indent="0" algn="r">
               <a:spcBef>
                 <a:spcPts val="0"/>
               </a:spcBef>
               <a:buNone/>
               <a:defRPr/>
             </a:lvl6pPr>
-            <a:lvl7pPr indent="0" lvl="6" marL="0" algn="r">
+            <a:lvl7pPr marL="0" lvl="6" indent="0" algn="r">
               <a:spcBef>
                 <a:spcPts val="0"/>
               </a:spcBef>
               <a:buNone/>
               <a:defRPr/>
             </a:lvl7pPr>
-            <a:lvl8pPr indent="0" lvl="7" marL="0" algn="r">
+            <a:lvl8pPr marL="0" lvl="7" indent="0" algn="r">
               <a:spcBef>
                 <a:spcPts val="0"/>
               </a:spcBef>
               <a:buNone/>
               <a:defRPr/>
             </a:lvl8pPr>
-            <a:lvl9pPr indent="0" lvl="8" marL="0" algn="r">
+            <a:lvl9pPr marL="0" lvl="8" indent="0" algn="r">
               <a:spcBef>
                 <a:spcPts val="0"/>
               </a:spcBef>
@@ -1559,7 +1602,7 @@
             </a:lvl9pPr>
           </a:lstStyle>
           <a:p>
-            <a:pPr indent="0" lvl="0" marL="0" rtl="0" algn="r">
+            <a:pPr marL="0" lvl="0" indent="0" algn="r" rtl="0">
               <a:spcBef>
                 <a:spcPts val="0"/>
               </a:spcBef>
@@ -1585,11 +1628,11 @@
 </file>
 
 <file path=ppt/slideLayouts/slideLayout10.xml><?xml version="1.0" encoding="utf-8"?>
-<p:sldLayout xmlns:a="http://schemas.openxmlformats.org/drawingml/2006/main" xmlns:r="http://schemas.openxmlformats.org/officeDocument/2006/relationships" xmlns:mc="http://schemas.openxmlformats.org/markup-compatibility/2006" xmlns:mv="urn:schemas-microsoft-com:mac:vml" xmlns:p="http://schemas.openxmlformats.org/presentationml/2006/main" xmlns:c="http://schemas.openxmlformats.org/drawingml/2006/chart" xmlns:dgm="http://schemas.openxmlformats.org/drawingml/2006/diagram" xmlns:o="urn:schemas-microsoft-com:office:office" xmlns:v="urn:schemas-microsoft-com:vml" xmlns:pvml="urn:schemas-microsoft-com:office:powerpoint" xmlns:com="http://schemas.openxmlformats.org/drawingml/2006/compatibility" xmlns:p14="http://schemas.microsoft.com/office/powerpoint/2010/main" xmlns:p15="http://schemas.microsoft.com/office/powerpoint/2012/main" matchingName="Title and Vertical Text" type="vertTx">
+<p:sldLayout xmlns:a="http://schemas.openxmlformats.org/drawingml/2006/main" xmlns:r="http://schemas.openxmlformats.org/officeDocument/2006/relationships" xmlns:p="http://schemas.openxmlformats.org/presentationml/2006/main" matchingName="Title and Vertical Text" type="vertTx">
   <p:cSld name="VERTICAL_TEXT">
     <p:spTree>
       <p:nvGrpSpPr>
-        <p:cNvPr id="68" name="Shape 68"/>
+        <p:cNvPr id="1" name="Shape 68"/>
         <p:cNvGrpSpPr/>
         <p:nvPr/>
       </p:nvGrpSpPr>
@@ -1604,7 +1647,9 @@
       <p:sp>
         <p:nvSpPr>
           <p:cNvPr id="69" name="Google Shape;69;p12"/>
-          <p:cNvSpPr txBox="1"/>
+          <p:cNvSpPr txBox="1">
+            <a:spLocks noGrp="1"/>
+          </p:cNvSpPr>
           <p:nvPr>
             <p:ph type="title"/>
           </p:nvPr>
@@ -1623,7 +1668,7 @@
           </a:ln>
         </p:spPr>
         <p:txBody>
-          <a:bodyPr anchorCtr="0" anchor="ctr" bIns="45700" lIns="91425" spcFirstLastPara="1" rIns="91425" wrap="square" tIns="45700">
+          <a:bodyPr spcFirstLastPara="1" wrap="square" lIns="91425" tIns="45700" rIns="91425" bIns="45700" anchor="ctr" anchorCtr="0">
             <a:normAutofit/>
           </a:bodyPr>
           <a:lstStyle>
@@ -1733,15 +1778,19 @@
               <a:defRPr/>
             </a:lvl9pPr>
           </a:lstStyle>
-          <a:p/>
+          <a:p>
+            <a:endParaRPr/>
+          </a:p>
         </p:txBody>
       </p:sp>
       <p:sp>
         <p:nvSpPr>
           <p:cNvPr id="70" name="Google Shape;70;p12"/>
-          <p:cNvSpPr txBox="1"/>
+          <p:cNvSpPr txBox="1">
+            <a:spLocks noGrp="1"/>
+          </p:cNvSpPr>
           <p:nvPr>
-            <p:ph idx="1" type="body"/>
+            <p:ph type="body" idx="1"/>
           </p:nvPr>
         </p:nvSpPr>
         <p:spPr>
@@ -1758,11 +1807,11 @@
           </a:ln>
         </p:spPr>
         <p:txBody>
-          <a:bodyPr anchorCtr="0" anchor="t" bIns="45700" lIns="91425" spcFirstLastPara="1" rIns="91425" wrap="square" tIns="45700">
+          <a:bodyPr spcFirstLastPara="1" wrap="square" lIns="91425" tIns="45700" rIns="91425" bIns="45700" anchor="t" anchorCtr="0">
             <a:normAutofit/>
           </a:bodyPr>
           <a:lstStyle>
-            <a:lvl1pPr indent="-342900" lvl="0" marL="457200" algn="l">
+            <a:lvl1pPr marL="457200" lvl="0" indent="-342900" algn="l">
               <a:lnSpc>
                 <a:spcPct val="90000"/>
               </a:lnSpc>
@@ -1779,7 +1828,7 @@
               <a:buChar char="•"/>
               <a:defRPr/>
             </a:lvl1pPr>
-            <a:lvl2pPr indent="-342900" lvl="1" marL="914400" algn="l">
+            <a:lvl2pPr marL="914400" lvl="1" indent="-342900" algn="l">
               <a:lnSpc>
                 <a:spcPct val="90000"/>
               </a:lnSpc>
@@ -1796,7 +1845,7 @@
               <a:buChar char="•"/>
               <a:defRPr/>
             </a:lvl2pPr>
-            <a:lvl3pPr indent="-342900" lvl="2" marL="1371600" algn="l">
+            <a:lvl3pPr marL="1371600" lvl="2" indent="-342900" algn="l">
               <a:lnSpc>
                 <a:spcPct val="90000"/>
               </a:lnSpc>
@@ -1813,7 +1862,7 @@
               <a:buChar char="•"/>
               <a:defRPr/>
             </a:lvl3pPr>
-            <a:lvl4pPr indent="-342900" lvl="3" marL="1828800" algn="l">
+            <a:lvl4pPr marL="1828800" lvl="3" indent="-342900" algn="l">
               <a:lnSpc>
                 <a:spcPct val="90000"/>
               </a:lnSpc>
@@ -1830,7 +1879,7 @@
               <a:buChar char="•"/>
               <a:defRPr/>
             </a:lvl4pPr>
-            <a:lvl5pPr indent="-342900" lvl="4" marL="2286000" algn="l">
+            <a:lvl5pPr marL="2286000" lvl="4" indent="-342900" algn="l">
               <a:lnSpc>
                 <a:spcPct val="90000"/>
               </a:lnSpc>
@@ -1847,7 +1896,7 @@
               <a:buChar char="•"/>
               <a:defRPr/>
             </a:lvl5pPr>
-            <a:lvl6pPr indent="-342900" lvl="5" marL="2743200" algn="l">
+            <a:lvl6pPr marL="2743200" lvl="5" indent="-342900" algn="l">
               <a:lnSpc>
                 <a:spcPct val="90000"/>
               </a:lnSpc>
@@ -1864,7 +1913,7 @@
               <a:buChar char="•"/>
               <a:defRPr/>
             </a:lvl6pPr>
-            <a:lvl7pPr indent="-342900" lvl="6" marL="3200400" algn="l">
+            <a:lvl7pPr marL="3200400" lvl="6" indent="-342900" algn="l">
               <a:lnSpc>
                 <a:spcPct val="90000"/>
               </a:lnSpc>
@@ -1881,7 +1930,7 @@
               <a:buChar char="•"/>
               <a:defRPr/>
             </a:lvl7pPr>
-            <a:lvl8pPr indent="-342900" lvl="7" marL="3657600" algn="l">
+            <a:lvl8pPr marL="3657600" lvl="7" indent="-342900" algn="l">
               <a:lnSpc>
                 <a:spcPct val="90000"/>
               </a:lnSpc>
@@ -1898,7 +1947,7 @@
               <a:buChar char="•"/>
               <a:defRPr/>
             </a:lvl8pPr>
-            <a:lvl9pPr indent="-342900" lvl="8" marL="4114800" algn="l">
+            <a:lvl9pPr marL="4114800" lvl="8" indent="-342900" algn="l">
               <a:lnSpc>
                 <a:spcPct val="90000"/>
               </a:lnSpc>
@@ -1916,15 +1965,19 @@
               <a:defRPr/>
             </a:lvl9pPr>
           </a:lstStyle>
-          <a:p/>
+          <a:p>
+            <a:endParaRPr/>
+          </a:p>
         </p:txBody>
       </p:sp>
       <p:sp>
         <p:nvSpPr>
           <p:cNvPr id="71" name="Google Shape;71;p12"/>
-          <p:cNvSpPr txBox="1"/>
+          <p:cNvSpPr txBox="1">
+            <a:spLocks noGrp="1"/>
+          </p:cNvSpPr>
           <p:nvPr>
-            <p:ph idx="10" type="dt"/>
+            <p:ph type="dt" idx="10"/>
           </p:nvPr>
         </p:nvSpPr>
         <p:spPr>
@@ -1941,7 +1994,7 @@
           </a:ln>
         </p:spPr>
         <p:txBody>
-          <a:bodyPr anchorCtr="0" anchor="ctr" bIns="45700" lIns="91425" spcFirstLastPara="1" rIns="91425" wrap="square" tIns="45700">
+          <a:bodyPr spcFirstLastPara="1" wrap="square" lIns="91425" tIns="45700" rIns="91425" bIns="45700" anchor="ctr" anchorCtr="0">
             <a:noAutofit/>
           </a:bodyPr>
           <a:lstStyle>
@@ -2045,15 +2098,19 @@
               <a:defRPr/>
             </a:lvl9pPr>
           </a:lstStyle>
-          <a:p/>
+          <a:p>
+            <a:endParaRPr/>
+          </a:p>
         </p:txBody>
       </p:sp>
       <p:sp>
         <p:nvSpPr>
           <p:cNvPr id="72" name="Google Shape;72;p12"/>
-          <p:cNvSpPr txBox="1"/>
+          <p:cNvSpPr txBox="1">
+            <a:spLocks noGrp="1"/>
+          </p:cNvSpPr>
           <p:nvPr>
-            <p:ph idx="11" type="ftr"/>
+            <p:ph type="ftr" idx="11"/>
           </p:nvPr>
         </p:nvSpPr>
         <p:spPr>
@@ -2070,7 +2127,7 @@
           </a:ln>
         </p:spPr>
         <p:txBody>
-          <a:bodyPr anchorCtr="0" anchor="ctr" bIns="45700" lIns="91425" spcFirstLastPara="1" rIns="91425" wrap="square" tIns="45700">
+          <a:bodyPr spcFirstLastPara="1" wrap="square" lIns="91425" tIns="45700" rIns="91425" bIns="45700" anchor="ctr" anchorCtr="0">
             <a:noAutofit/>
           </a:bodyPr>
           <a:lstStyle>
@@ -2174,15 +2231,19 @@
               <a:defRPr/>
             </a:lvl9pPr>
           </a:lstStyle>
-          <a:p/>
+          <a:p>
+            <a:endParaRPr/>
+          </a:p>
         </p:txBody>
       </p:sp>
       <p:sp>
         <p:nvSpPr>
           <p:cNvPr id="73" name="Google Shape;73;p12"/>
-          <p:cNvSpPr txBox="1"/>
+          <p:cNvSpPr txBox="1">
+            <a:spLocks noGrp="1"/>
+          </p:cNvSpPr>
           <p:nvPr>
-            <p:ph idx="12" type="sldNum"/>
+            <p:ph type="sldNum" idx="12"/>
           </p:nvPr>
         </p:nvSpPr>
         <p:spPr>
@@ -2199,67 +2260,67 @@
           </a:ln>
         </p:spPr>
         <p:txBody>
-          <a:bodyPr anchorCtr="0" anchor="ctr" bIns="45700" lIns="91425" spcFirstLastPara="1" rIns="91425" wrap="square" tIns="45700">
+          <a:bodyPr spcFirstLastPara="1" wrap="square" lIns="91425" tIns="45700" rIns="91425" bIns="45700" anchor="ctr" anchorCtr="0">
             <a:noAutofit/>
           </a:bodyPr>
           <a:lstStyle>
-            <a:lvl1pPr indent="0" lvl="0" marL="0" algn="r">
+            <a:lvl1pPr marL="0" lvl="0" indent="0" algn="r">
               <a:spcBef>
                 <a:spcPts val="0"/>
               </a:spcBef>
               <a:buNone/>
               <a:defRPr/>
             </a:lvl1pPr>
-            <a:lvl2pPr indent="0" lvl="1" marL="0" algn="r">
+            <a:lvl2pPr marL="0" lvl="1" indent="0" algn="r">
               <a:spcBef>
                 <a:spcPts val="0"/>
               </a:spcBef>
               <a:buNone/>
               <a:defRPr/>
             </a:lvl2pPr>
-            <a:lvl3pPr indent="0" lvl="2" marL="0" algn="r">
+            <a:lvl3pPr marL="0" lvl="2" indent="0" algn="r">
               <a:spcBef>
                 <a:spcPts val="0"/>
               </a:spcBef>
               <a:buNone/>
               <a:defRPr/>
             </a:lvl3pPr>
-            <a:lvl4pPr indent="0" lvl="3" marL="0" algn="r">
+            <a:lvl4pPr marL="0" lvl="3" indent="0" algn="r">
               <a:spcBef>
                 <a:spcPts val="0"/>
               </a:spcBef>
               <a:buNone/>
               <a:defRPr/>
             </a:lvl4pPr>
-            <a:lvl5pPr indent="0" lvl="4" marL="0" algn="r">
+            <a:lvl5pPr marL="0" lvl="4" indent="0" algn="r">
               <a:spcBef>
                 <a:spcPts val="0"/>
               </a:spcBef>
               <a:buNone/>
               <a:defRPr/>
             </a:lvl5pPr>
-            <a:lvl6pPr indent="0" lvl="5" marL="0" algn="r">
+            <a:lvl6pPr marL="0" lvl="5" indent="0" algn="r">
               <a:spcBef>
                 <a:spcPts val="0"/>
               </a:spcBef>
               <a:buNone/>
               <a:defRPr/>
             </a:lvl6pPr>
-            <a:lvl7pPr indent="0" lvl="6" marL="0" algn="r">
+            <a:lvl7pPr marL="0" lvl="6" indent="0" algn="r">
               <a:spcBef>
                 <a:spcPts val="0"/>
               </a:spcBef>
               <a:buNone/>
               <a:defRPr/>
             </a:lvl7pPr>
-            <a:lvl8pPr indent="0" lvl="7" marL="0" algn="r">
+            <a:lvl8pPr marL="0" lvl="7" indent="0" algn="r">
               <a:spcBef>
                 <a:spcPts val="0"/>
               </a:spcBef>
               <a:buNone/>
               <a:defRPr/>
             </a:lvl8pPr>
-            <a:lvl9pPr indent="0" lvl="8" marL="0" algn="r">
+            <a:lvl9pPr marL="0" lvl="8" indent="0" algn="r">
               <a:spcBef>
                 <a:spcPts val="0"/>
               </a:spcBef>
@@ -2268,7 +2329,7 @@
             </a:lvl9pPr>
           </a:lstStyle>
           <a:p>
-            <a:pPr indent="0" lvl="0" marL="0" rtl="0" algn="r">
+            <a:pPr marL="0" lvl="0" indent="0" algn="r" rtl="0">
               <a:spcBef>
                 <a:spcPts val="0"/>
               </a:spcBef>
@@ -2294,11 +2355,11 @@
 </file>
 
 <file path=ppt/slideLayouts/slideLayout11.xml><?xml version="1.0" encoding="utf-8"?>
-<p:sldLayout xmlns:a="http://schemas.openxmlformats.org/drawingml/2006/main" xmlns:r="http://schemas.openxmlformats.org/officeDocument/2006/relationships" xmlns:mc="http://schemas.openxmlformats.org/markup-compatibility/2006" xmlns:mv="urn:schemas-microsoft-com:mac:vml" xmlns:p="http://schemas.openxmlformats.org/presentationml/2006/main" xmlns:c="http://schemas.openxmlformats.org/drawingml/2006/chart" xmlns:dgm="http://schemas.openxmlformats.org/drawingml/2006/diagram" xmlns:o="urn:schemas-microsoft-com:office:office" xmlns:v="urn:schemas-microsoft-com:vml" xmlns:pvml="urn:schemas-microsoft-com:office:powerpoint" xmlns:com="http://schemas.openxmlformats.org/drawingml/2006/compatibility" xmlns:p14="http://schemas.microsoft.com/office/powerpoint/2010/main" xmlns:p15="http://schemas.microsoft.com/office/powerpoint/2012/main" matchingName="Vertical Title and Text" type="vertTitleAndTx">
+<p:sldLayout xmlns:a="http://schemas.openxmlformats.org/drawingml/2006/main" xmlns:r="http://schemas.openxmlformats.org/officeDocument/2006/relationships" xmlns:p="http://schemas.openxmlformats.org/presentationml/2006/main" matchingName="Vertical Title and Text" type="vertTitleAndTx">
   <p:cSld name="VERTICAL_TITLE_AND_VERTICAL_TEXT">
     <p:spTree>
       <p:nvGrpSpPr>
-        <p:cNvPr id="74" name="Shape 74"/>
+        <p:cNvPr id="1" name="Shape 74"/>
         <p:cNvGrpSpPr/>
         <p:nvPr/>
       </p:nvGrpSpPr>
@@ -2313,7 +2374,9 @@
       <p:sp>
         <p:nvSpPr>
           <p:cNvPr id="75" name="Google Shape;75;p13"/>
-          <p:cNvSpPr txBox="1"/>
+          <p:cNvSpPr txBox="1">
+            <a:spLocks noGrp="1"/>
+          </p:cNvSpPr>
           <p:nvPr>
             <p:ph type="title"/>
           </p:nvPr>
@@ -2332,7 +2395,7 @@
           </a:ln>
         </p:spPr>
         <p:txBody>
-          <a:bodyPr anchorCtr="0" anchor="ctr" bIns="45700" lIns="91425" spcFirstLastPara="1" rIns="91425" wrap="square" tIns="45700">
+          <a:bodyPr spcFirstLastPara="1" wrap="square" lIns="91425" tIns="45700" rIns="91425" bIns="45700" anchor="ctr" anchorCtr="0">
             <a:normAutofit/>
           </a:bodyPr>
           <a:lstStyle>
@@ -2442,15 +2505,19 @@
               <a:defRPr/>
             </a:lvl9pPr>
           </a:lstStyle>
-          <a:p/>
+          <a:p>
+            <a:endParaRPr/>
+          </a:p>
         </p:txBody>
       </p:sp>
       <p:sp>
         <p:nvSpPr>
           <p:cNvPr id="76" name="Google Shape;76;p13"/>
-          <p:cNvSpPr txBox="1"/>
+          <p:cNvSpPr txBox="1">
+            <a:spLocks noGrp="1"/>
+          </p:cNvSpPr>
           <p:nvPr>
-            <p:ph idx="1" type="body"/>
+            <p:ph type="body" idx="1"/>
           </p:nvPr>
         </p:nvSpPr>
         <p:spPr>
@@ -2467,11 +2534,11 @@
           </a:ln>
         </p:spPr>
         <p:txBody>
-          <a:bodyPr anchorCtr="0" anchor="t" bIns="45700" lIns="91425" spcFirstLastPara="1" rIns="91425" wrap="square" tIns="45700">
+          <a:bodyPr spcFirstLastPara="1" wrap="square" lIns="91425" tIns="45700" rIns="91425" bIns="45700" anchor="t" anchorCtr="0">
             <a:normAutofit/>
           </a:bodyPr>
           <a:lstStyle>
-            <a:lvl1pPr indent="-342900" lvl="0" marL="457200" algn="l">
+            <a:lvl1pPr marL="457200" lvl="0" indent="-342900" algn="l">
               <a:lnSpc>
                 <a:spcPct val="90000"/>
               </a:lnSpc>
@@ -2488,7 +2555,7 @@
               <a:buChar char="•"/>
               <a:defRPr/>
             </a:lvl1pPr>
-            <a:lvl2pPr indent="-342900" lvl="1" marL="914400" algn="l">
+            <a:lvl2pPr marL="914400" lvl="1" indent="-342900" algn="l">
               <a:lnSpc>
                 <a:spcPct val="90000"/>
               </a:lnSpc>
@@ -2505,7 +2572,7 @@
               <a:buChar char="•"/>
               <a:defRPr/>
             </a:lvl2pPr>
-            <a:lvl3pPr indent="-342900" lvl="2" marL="1371600" algn="l">
+            <a:lvl3pPr marL="1371600" lvl="2" indent="-342900" algn="l">
               <a:lnSpc>
                 <a:spcPct val="90000"/>
               </a:lnSpc>
@@ -2522,7 +2589,7 @@
               <a:buChar char="•"/>
               <a:defRPr/>
             </a:lvl3pPr>
-            <a:lvl4pPr indent="-342900" lvl="3" marL="1828800" algn="l">
+            <a:lvl4pPr marL="1828800" lvl="3" indent="-342900" algn="l">
               <a:lnSpc>
                 <a:spcPct val="90000"/>
               </a:lnSpc>
@@ -2539,7 +2606,7 @@
               <a:buChar char="•"/>
               <a:defRPr/>
             </a:lvl4pPr>
-            <a:lvl5pPr indent="-342900" lvl="4" marL="2286000" algn="l">
+            <a:lvl5pPr marL="2286000" lvl="4" indent="-342900" algn="l">
               <a:lnSpc>
                 <a:spcPct val="90000"/>
               </a:lnSpc>
@@ -2556,7 +2623,7 @@
               <a:buChar char="•"/>
               <a:defRPr/>
             </a:lvl5pPr>
-            <a:lvl6pPr indent="-342900" lvl="5" marL="2743200" algn="l">
+            <a:lvl6pPr marL="2743200" lvl="5" indent="-342900" algn="l">
               <a:lnSpc>
                 <a:spcPct val="90000"/>
               </a:lnSpc>
@@ -2573,7 +2640,7 @@
               <a:buChar char="•"/>
               <a:defRPr/>
             </a:lvl6pPr>
-            <a:lvl7pPr indent="-342900" lvl="6" marL="3200400" algn="l">
+            <a:lvl7pPr marL="3200400" lvl="6" indent="-342900" algn="l">
               <a:lnSpc>
                 <a:spcPct val="90000"/>
               </a:lnSpc>
@@ -2590,7 +2657,7 @@
               <a:buChar char="•"/>
               <a:defRPr/>
             </a:lvl7pPr>
-            <a:lvl8pPr indent="-342900" lvl="7" marL="3657600" algn="l">
+            <a:lvl8pPr marL="3657600" lvl="7" indent="-342900" algn="l">
               <a:lnSpc>
                 <a:spcPct val="90000"/>
               </a:lnSpc>
@@ -2607,7 +2674,7 @@
               <a:buChar char="•"/>
               <a:defRPr/>
             </a:lvl8pPr>
-            <a:lvl9pPr indent="-342900" lvl="8" marL="4114800" algn="l">
+            <a:lvl9pPr marL="4114800" lvl="8" indent="-342900" algn="l">
               <a:lnSpc>
                 <a:spcPct val="90000"/>
               </a:lnSpc>
@@ -2625,15 +2692,19 @@
               <a:defRPr/>
             </a:lvl9pPr>
           </a:lstStyle>
-          <a:p/>
+          <a:p>
+            <a:endParaRPr/>
+          </a:p>
         </p:txBody>
       </p:sp>
       <p:sp>
         <p:nvSpPr>
           <p:cNvPr id="77" name="Google Shape;77;p13"/>
-          <p:cNvSpPr txBox="1"/>
+          <p:cNvSpPr txBox="1">
+            <a:spLocks noGrp="1"/>
+          </p:cNvSpPr>
           <p:nvPr>
-            <p:ph idx="10" type="dt"/>
+            <p:ph type="dt" idx="10"/>
           </p:nvPr>
         </p:nvSpPr>
         <p:spPr>
@@ -2650,7 +2721,7 @@
           </a:ln>
         </p:spPr>
         <p:txBody>
-          <a:bodyPr anchorCtr="0" anchor="ctr" bIns="45700" lIns="91425" spcFirstLastPara="1" rIns="91425" wrap="square" tIns="45700">
+          <a:bodyPr spcFirstLastPara="1" wrap="square" lIns="91425" tIns="45700" rIns="91425" bIns="45700" anchor="ctr" anchorCtr="0">
             <a:noAutofit/>
           </a:bodyPr>
           <a:lstStyle>
@@ -2754,15 +2825,19 @@
               <a:defRPr/>
             </a:lvl9pPr>
           </a:lstStyle>
-          <a:p/>
+          <a:p>
+            <a:endParaRPr/>
+          </a:p>
         </p:txBody>
       </p:sp>
       <p:sp>
         <p:nvSpPr>
           <p:cNvPr id="78" name="Google Shape;78;p13"/>
-          <p:cNvSpPr txBox="1"/>
+          <p:cNvSpPr txBox="1">
+            <a:spLocks noGrp="1"/>
+          </p:cNvSpPr>
           <p:nvPr>
-            <p:ph idx="11" type="ftr"/>
+            <p:ph type="ftr" idx="11"/>
           </p:nvPr>
         </p:nvSpPr>
         <p:spPr>
@@ -2779,7 +2854,7 @@
           </a:ln>
         </p:spPr>
         <p:txBody>
-          <a:bodyPr anchorCtr="0" anchor="ctr" bIns="45700" lIns="91425" spcFirstLastPara="1" rIns="91425" wrap="square" tIns="45700">
+          <a:bodyPr spcFirstLastPara="1" wrap="square" lIns="91425" tIns="45700" rIns="91425" bIns="45700" anchor="ctr" anchorCtr="0">
             <a:noAutofit/>
           </a:bodyPr>
           <a:lstStyle>
@@ -2883,15 +2958,19 @@
               <a:defRPr/>
             </a:lvl9pPr>
           </a:lstStyle>
-          <a:p/>
+          <a:p>
+            <a:endParaRPr/>
+          </a:p>
         </p:txBody>
       </p:sp>
       <p:sp>
         <p:nvSpPr>
           <p:cNvPr id="79" name="Google Shape;79;p13"/>
-          <p:cNvSpPr txBox="1"/>
+          <p:cNvSpPr txBox="1">
+            <a:spLocks noGrp="1"/>
+          </p:cNvSpPr>
           <p:nvPr>
-            <p:ph idx="12" type="sldNum"/>
+            <p:ph type="sldNum" idx="12"/>
           </p:nvPr>
         </p:nvSpPr>
         <p:spPr>
@@ -2908,67 +2987,67 @@
           </a:ln>
         </p:spPr>
         <p:txBody>
-          <a:bodyPr anchorCtr="0" anchor="ctr" bIns="45700" lIns="91425" spcFirstLastPara="1" rIns="91425" wrap="square" tIns="45700">
+          <a:bodyPr spcFirstLastPara="1" wrap="square" lIns="91425" tIns="45700" rIns="91425" bIns="45700" anchor="ctr" anchorCtr="0">
             <a:noAutofit/>
           </a:bodyPr>
           <a:lstStyle>
-            <a:lvl1pPr indent="0" lvl="0" marL="0" algn="r">
+            <a:lvl1pPr marL="0" lvl="0" indent="0" algn="r">
               <a:spcBef>
                 <a:spcPts val="0"/>
               </a:spcBef>
               <a:buNone/>
               <a:defRPr/>
             </a:lvl1pPr>
-            <a:lvl2pPr indent="0" lvl="1" marL="0" algn="r">
+            <a:lvl2pPr marL="0" lvl="1" indent="0" algn="r">
               <a:spcBef>
                 <a:spcPts val="0"/>
               </a:spcBef>
               <a:buNone/>
               <a:defRPr/>
             </a:lvl2pPr>
-            <a:lvl3pPr indent="0" lvl="2" marL="0" algn="r">
+            <a:lvl3pPr marL="0" lvl="2" indent="0" algn="r">
               <a:spcBef>
                 <a:spcPts val="0"/>
               </a:spcBef>
               <a:buNone/>
               <a:defRPr/>
             </a:lvl3pPr>
-            <a:lvl4pPr indent="0" lvl="3" marL="0" algn="r">
+            <a:lvl4pPr marL="0" lvl="3" indent="0" algn="r">
               <a:spcBef>
                 <a:spcPts val="0"/>
               </a:spcBef>
               <a:buNone/>
               <a:defRPr/>
             </a:lvl4pPr>
-            <a:lvl5pPr indent="0" lvl="4" marL="0" algn="r">
+            <a:lvl5pPr marL="0" lvl="4" indent="0" algn="r">
               <a:spcBef>
                 <a:spcPts val="0"/>
               </a:spcBef>
               <a:buNone/>
               <a:defRPr/>
             </a:lvl5pPr>
-            <a:lvl6pPr indent="0" lvl="5" marL="0" algn="r">
+            <a:lvl6pPr marL="0" lvl="5" indent="0" algn="r">
               <a:spcBef>
                 <a:spcPts val="0"/>
               </a:spcBef>
               <a:buNone/>
               <a:defRPr/>
             </a:lvl6pPr>
-            <a:lvl7pPr indent="0" lvl="6" marL="0" algn="r">
+            <a:lvl7pPr marL="0" lvl="6" indent="0" algn="r">
               <a:spcBef>
                 <a:spcPts val="0"/>
               </a:spcBef>
               <a:buNone/>
               <a:defRPr/>
             </a:lvl7pPr>
-            <a:lvl8pPr indent="0" lvl="7" marL="0" algn="r">
+            <a:lvl8pPr marL="0" lvl="7" indent="0" algn="r">
               <a:spcBef>
                 <a:spcPts val="0"/>
               </a:spcBef>
               <a:buNone/>
               <a:defRPr/>
             </a:lvl8pPr>
-            <a:lvl9pPr indent="0" lvl="8" marL="0" algn="r">
+            <a:lvl9pPr marL="0" lvl="8" indent="0" algn="r">
               <a:spcBef>
                 <a:spcPts val="0"/>
               </a:spcBef>
@@ -2977,7 +3056,7 @@
             </a:lvl9pPr>
           </a:lstStyle>
           <a:p>
-            <a:pPr indent="0" lvl="0" marL="0" rtl="0" algn="r">
+            <a:pPr marL="0" lvl="0" indent="0" algn="r" rtl="0">
               <a:spcBef>
                 <a:spcPts val="0"/>
               </a:spcBef>
@@ -3003,11 +3082,11 @@
 </file>
 
 <file path=ppt/slideLayouts/slideLayout2.xml><?xml version="1.0" encoding="utf-8"?>
-<p:sldLayout xmlns:a="http://schemas.openxmlformats.org/drawingml/2006/main" xmlns:r="http://schemas.openxmlformats.org/officeDocument/2006/relationships" xmlns:mc="http://schemas.openxmlformats.org/markup-compatibility/2006" xmlns:mv="urn:schemas-microsoft-com:mac:vml" xmlns:p="http://schemas.openxmlformats.org/presentationml/2006/main" xmlns:c="http://schemas.openxmlformats.org/drawingml/2006/chart" xmlns:dgm="http://schemas.openxmlformats.org/drawingml/2006/diagram" xmlns:o="urn:schemas-microsoft-com:office:office" xmlns:v="urn:schemas-microsoft-com:vml" xmlns:pvml="urn:schemas-microsoft-com:office:powerpoint" xmlns:com="http://schemas.openxmlformats.org/drawingml/2006/compatibility" xmlns:p14="http://schemas.microsoft.com/office/powerpoint/2010/main" xmlns:p15="http://schemas.microsoft.com/office/powerpoint/2012/main" matchingName="Title and Content" type="obj">
+<p:sldLayout xmlns:a="http://schemas.openxmlformats.org/drawingml/2006/main" xmlns:r="http://schemas.openxmlformats.org/officeDocument/2006/relationships" xmlns:p="http://schemas.openxmlformats.org/presentationml/2006/main" matchingName="Title and Content" type="obj">
   <p:cSld name="OBJECT">
     <p:spTree>
       <p:nvGrpSpPr>
-        <p:cNvPr id="17" name="Shape 17"/>
+        <p:cNvPr id="1" name="Shape 17"/>
         <p:cNvGrpSpPr/>
         <p:nvPr/>
       </p:nvGrpSpPr>
@@ -3022,7 +3101,9 @@
       <p:sp>
         <p:nvSpPr>
           <p:cNvPr id="18" name="Google Shape;18;p4"/>
-          <p:cNvSpPr txBox="1"/>
+          <p:cNvSpPr txBox="1">
+            <a:spLocks noGrp="1"/>
+          </p:cNvSpPr>
           <p:nvPr>
             <p:ph type="title"/>
           </p:nvPr>
@@ -3041,7 +3122,7 @@
           </a:ln>
         </p:spPr>
         <p:txBody>
-          <a:bodyPr anchorCtr="0" anchor="ctr" bIns="45700" lIns="91425" spcFirstLastPara="1" rIns="91425" wrap="square" tIns="45700">
+          <a:bodyPr spcFirstLastPara="1" wrap="square" lIns="91425" tIns="45700" rIns="91425" bIns="45700" anchor="ctr" anchorCtr="0">
             <a:normAutofit/>
           </a:bodyPr>
           <a:lstStyle>
@@ -3151,15 +3232,19 @@
               <a:defRPr/>
             </a:lvl9pPr>
           </a:lstStyle>
-          <a:p/>
+          <a:p>
+            <a:endParaRPr/>
+          </a:p>
         </p:txBody>
       </p:sp>
       <p:sp>
         <p:nvSpPr>
           <p:cNvPr id="19" name="Google Shape;19;p4"/>
-          <p:cNvSpPr txBox="1"/>
+          <p:cNvSpPr txBox="1">
+            <a:spLocks noGrp="1"/>
+          </p:cNvSpPr>
           <p:nvPr>
-            <p:ph idx="1" type="body"/>
+            <p:ph type="body" idx="1"/>
           </p:nvPr>
         </p:nvSpPr>
         <p:spPr>
@@ -3176,11 +3261,11 @@
           </a:ln>
         </p:spPr>
         <p:txBody>
-          <a:bodyPr anchorCtr="0" anchor="t" bIns="45700" lIns="91425" spcFirstLastPara="1" rIns="91425" wrap="square" tIns="45700">
+          <a:bodyPr spcFirstLastPara="1" wrap="square" lIns="91425" tIns="45700" rIns="91425" bIns="45700" anchor="t" anchorCtr="0">
             <a:normAutofit/>
           </a:bodyPr>
           <a:lstStyle>
-            <a:lvl1pPr indent="-342900" lvl="0" marL="457200" algn="l">
+            <a:lvl1pPr marL="457200" lvl="0" indent="-342900" algn="l">
               <a:lnSpc>
                 <a:spcPct val="90000"/>
               </a:lnSpc>
@@ -3197,7 +3282,7 @@
               <a:buChar char="•"/>
               <a:defRPr/>
             </a:lvl1pPr>
-            <a:lvl2pPr indent="-342900" lvl="1" marL="914400" algn="l">
+            <a:lvl2pPr marL="914400" lvl="1" indent="-342900" algn="l">
               <a:lnSpc>
                 <a:spcPct val="90000"/>
               </a:lnSpc>
@@ -3214,7 +3299,7 @@
               <a:buChar char="•"/>
               <a:defRPr/>
             </a:lvl2pPr>
-            <a:lvl3pPr indent="-342900" lvl="2" marL="1371600" algn="l">
+            <a:lvl3pPr marL="1371600" lvl="2" indent="-342900" algn="l">
               <a:lnSpc>
                 <a:spcPct val="90000"/>
               </a:lnSpc>
@@ -3231,7 +3316,7 @@
               <a:buChar char="•"/>
               <a:defRPr/>
             </a:lvl3pPr>
-            <a:lvl4pPr indent="-342900" lvl="3" marL="1828800" algn="l">
+            <a:lvl4pPr marL="1828800" lvl="3" indent="-342900" algn="l">
               <a:lnSpc>
                 <a:spcPct val="90000"/>
               </a:lnSpc>
@@ -3248,7 +3333,7 @@
               <a:buChar char="•"/>
               <a:defRPr/>
             </a:lvl4pPr>
-            <a:lvl5pPr indent="-342900" lvl="4" marL="2286000" algn="l">
+            <a:lvl5pPr marL="2286000" lvl="4" indent="-342900" algn="l">
               <a:lnSpc>
                 <a:spcPct val="90000"/>
               </a:lnSpc>
@@ -3265,7 +3350,7 @@
               <a:buChar char="•"/>
               <a:defRPr/>
             </a:lvl5pPr>
-            <a:lvl6pPr indent="-342900" lvl="5" marL="2743200" algn="l">
+            <a:lvl6pPr marL="2743200" lvl="5" indent="-342900" algn="l">
               <a:lnSpc>
                 <a:spcPct val="90000"/>
               </a:lnSpc>
@@ -3282,7 +3367,7 @@
               <a:buChar char="•"/>
               <a:defRPr/>
             </a:lvl6pPr>
-            <a:lvl7pPr indent="-342900" lvl="6" marL="3200400" algn="l">
+            <a:lvl7pPr marL="3200400" lvl="6" indent="-342900" algn="l">
               <a:lnSpc>
                 <a:spcPct val="90000"/>
               </a:lnSpc>
@@ -3299,7 +3384,7 @@
               <a:buChar char="•"/>
               <a:defRPr/>
             </a:lvl7pPr>
-            <a:lvl8pPr indent="-342900" lvl="7" marL="3657600" algn="l">
+            <a:lvl8pPr marL="3657600" lvl="7" indent="-342900" algn="l">
               <a:lnSpc>
                 <a:spcPct val="90000"/>
               </a:lnSpc>
@@ -3316,7 +3401,7 @@
               <a:buChar char="•"/>
               <a:defRPr/>
             </a:lvl8pPr>
-            <a:lvl9pPr indent="-342900" lvl="8" marL="4114800" algn="l">
+            <a:lvl9pPr marL="4114800" lvl="8" indent="-342900" algn="l">
               <a:lnSpc>
                 <a:spcPct val="90000"/>
               </a:lnSpc>
@@ -3334,15 +3419,19 @@
               <a:defRPr/>
             </a:lvl9pPr>
           </a:lstStyle>
-          <a:p/>
+          <a:p>
+            <a:endParaRPr/>
+          </a:p>
         </p:txBody>
       </p:sp>
       <p:sp>
         <p:nvSpPr>
           <p:cNvPr id="20" name="Google Shape;20;p4"/>
-          <p:cNvSpPr txBox="1"/>
+          <p:cNvSpPr txBox="1">
+            <a:spLocks noGrp="1"/>
+          </p:cNvSpPr>
           <p:nvPr>
-            <p:ph idx="10" type="dt"/>
+            <p:ph type="dt" idx="10"/>
           </p:nvPr>
         </p:nvSpPr>
         <p:spPr>
@@ -3359,7 +3448,7 @@
           </a:ln>
         </p:spPr>
         <p:txBody>
-          <a:bodyPr anchorCtr="0" anchor="ctr" bIns="45700" lIns="91425" spcFirstLastPara="1" rIns="91425" wrap="square" tIns="45700">
+          <a:bodyPr spcFirstLastPara="1" wrap="square" lIns="91425" tIns="45700" rIns="91425" bIns="45700" anchor="ctr" anchorCtr="0">
             <a:noAutofit/>
           </a:bodyPr>
           <a:lstStyle>
@@ -3463,15 +3552,19 @@
               <a:defRPr/>
             </a:lvl9pPr>
           </a:lstStyle>
-          <a:p/>
+          <a:p>
+            <a:endParaRPr/>
+          </a:p>
         </p:txBody>
       </p:sp>
       <p:sp>
         <p:nvSpPr>
           <p:cNvPr id="21" name="Google Shape;21;p4"/>
-          <p:cNvSpPr txBox="1"/>
+          <p:cNvSpPr txBox="1">
+            <a:spLocks noGrp="1"/>
+          </p:cNvSpPr>
           <p:nvPr>
-            <p:ph idx="11" type="ftr"/>
+            <p:ph type="ftr" idx="11"/>
           </p:nvPr>
         </p:nvSpPr>
         <p:spPr>
@@ -3488,7 +3581,7 @@
           </a:ln>
         </p:spPr>
         <p:txBody>
-          <a:bodyPr anchorCtr="0" anchor="ctr" bIns="45700" lIns="91425" spcFirstLastPara="1" rIns="91425" wrap="square" tIns="45700">
+          <a:bodyPr spcFirstLastPara="1" wrap="square" lIns="91425" tIns="45700" rIns="91425" bIns="45700" anchor="ctr" anchorCtr="0">
             <a:noAutofit/>
           </a:bodyPr>
           <a:lstStyle>
@@ -3592,15 +3685,19 @@
               <a:defRPr/>
             </a:lvl9pPr>
           </a:lstStyle>
-          <a:p/>
+          <a:p>
+            <a:endParaRPr/>
+          </a:p>
         </p:txBody>
       </p:sp>
       <p:sp>
         <p:nvSpPr>
           <p:cNvPr id="22" name="Google Shape;22;p4"/>
-          <p:cNvSpPr txBox="1"/>
+          <p:cNvSpPr txBox="1">
+            <a:spLocks noGrp="1"/>
+          </p:cNvSpPr>
           <p:nvPr>
-            <p:ph idx="12" type="sldNum"/>
+            <p:ph type="sldNum" idx="12"/>
           </p:nvPr>
         </p:nvSpPr>
         <p:spPr>
@@ -3617,67 +3714,67 @@
           </a:ln>
         </p:spPr>
         <p:txBody>
-          <a:bodyPr anchorCtr="0" anchor="ctr" bIns="45700" lIns="91425" spcFirstLastPara="1" rIns="91425" wrap="square" tIns="45700">
+          <a:bodyPr spcFirstLastPara="1" wrap="square" lIns="91425" tIns="45700" rIns="91425" bIns="45700" anchor="ctr" anchorCtr="0">
             <a:noAutofit/>
           </a:bodyPr>
           <a:lstStyle>
-            <a:lvl1pPr indent="0" lvl="0" marL="0" algn="r">
+            <a:lvl1pPr marL="0" lvl="0" indent="0" algn="r">
               <a:spcBef>
                 <a:spcPts val="0"/>
               </a:spcBef>
               <a:buNone/>
               <a:defRPr/>
             </a:lvl1pPr>
-            <a:lvl2pPr indent="0" lvl="1" marL="0" algn="r">
+            <a:lvl2pPr marL="0" lvl="1" indent="0" algn="r">
               <a:spcBef>
                 <a:spcPts val="0"/>
               </a:spcBef>
               <a:buNone/>
               <a:defRPr/>
             </a:lvl2pPr>
-            <a:lvl3pPr indent="0" lvl="2" marL="0" algn="r">
+            <a:lvl3pPr marL="0" lvl="2" indent="0" algn="r">
               <a:spcBef>
                 <a:spcPts val="0"/>
               </a:spcBef>
               <a:buNone/>
               <a:defRPr/>
             </a:lvl3pPr>
-            <a:lvl4pPr indent="0" lvl="3" marL="0" algn="r">
+            <a:lvl4pPr marL="0" lvl="3" indent="0" algn="r">
               <a:spcBef>
                 <a:spcPts val="0"/>
               </a:spcBef>
               <a:buNone/>
               <a:defRPr/>
             </a:lvl4pPr>
-            <a:lvl5pPr indent="0" lvl="4" marL="0" algn="r">
+            <a:lvl5pPr marL="0" lvl="4" indent="0" algn="r">
               <a:spcBef>
                 <a:spcPts val="0"/>
               </a:spcBef>
               <a:buNone/>
               <a:defRPr/>
             </a:lvl5pPr>
-            <a:lvl6pPr indent="0" lvl="5" marL="0" algn="r">
+            <a:lvl6pPr marL="0" lvl="5" indent="0" algn="r">
               <a:spcBef>
                 <a:spcPts val="0"/>
               </a:spcBef>
               <a:buNone/>
               <a:defRPr/>
             </a:lvl6pPr>
-            <a:lvl7pPr indent="0" lvl="6" marL="0" algn="r">
+            <a:lvl7pPr marL="0" lvl="6" indent="0" algn="r">
               <a:spcBef>
                 <a:spcPts val="0"/>
               </a:spcBef>
               <a:buNone/>
               <a:defRPr/>
             </a:lvl7pPr>
-            <a:lvl8pPr indent="0" lvl="7" marL="0" algn="r">
+            <a:lvl8pPr marL="0" lvl="7" indent="0" algn="r">
               <a:spcBef>
                 <a:spcPts val="0"/>
               </a:spcBef>
               <a:buNone/>
               <a:defRPr/>
             </a:lvl8pPr>
-            <a:lvl9pPr indent="0" lvl="8" marL="0" algn="r">
+            <a:lvl9pPr marL="0" lvl="8" indent="0" algn="r">
               <a:spcBef>
                 <a:spcPts val="0"/>
               </a:spcBef>
@@ -3686,7 +3783,7 @@
             </a:lvl9pPr>
           </a:lstStyle>
           <a:p>
-            <a:pPr indent="0" lvl="0" marL="0" rtl="0" algn="r">
+            <a:pPr marL="0" lvl="0" indent="0" algn="r" rtl="0">
               <a:spcBef>
                 <a:spcPts val="0"/>
               </a:spcBef>
@@ -3712,11 +3809,11 @@
 </file>
 
 <file path=ppt/slideLayouts/slideLayout3.xml><?xml version="1.0" encoding="utf-8"?>
-<p:sldLayout xmlns:a="http://schemas.openxmlformats.org/drawingml/2006/main" xmlns:r="http://schemas.openxmlformats.org/officeDocument/2006/relationships" xmlns:mc="http://schemas.openxmlformats.org/markup-compatibility/2006" xmlns:mv="urn:schemas-microsoft-com:mac:vml" xmlns:p="http://schemas.openxmlformats.org/presentationml/2006/main" xmlns:c="http://schemas.openxmlformats.org/drawingml/2006/chart" xmlns:dgm="http://schemas.openxmlformats.org/drawingml/2006/diagram" xmlns:o="urn:schemas-microsoft-com:office:office" xmlns:v="urn:schemas-microsoft-com:vml" xmlns:pvml="urn:schemas-microsoft-com:office:powerpoint" xmlns:com="http://schemas.openxmlformats.org/drawingml/2006/compatibility" xmlns:p14="http://schemas.microsoft.com/office/powerpoint/2010/main" xmlns:p15="http://schemas.microsoft.com/office/powerpoint/2012/main" matchingName="Section Header" type="secHead">
+<p:sldLayout xmlns:a="http://schemas.openxmlformats.org/drawingml/2006/main" xmlns:r="http://schemas.openxmlformats.org/officeDocument/2006/relationships" xmlns:p="http://schemas.openxmlformats.org/presentationml/2006/main" matchingName="Section Header" type="secHead">
   <p:cSld name="SECTION_HEADER">
     <p:spTree>
       <p:nvGrpSpPr>
-        <p:cNvPr id="23" name="Shape 23"/>
+        <p:cNvPr id="1" name="Shape 23"/>
         <p:cNvGrpSpPr/>
         <p:nvPr/>
       </p:nvGrpSpPr>
@@ -3731,7 +3828,9 @@
       <p:sp>
         <p:nvSpPr>
           <p:cNvPr id="24" name="Google Shape;24;p5"/>
-          <p:cNvSpPr txBox="1"/>
+          <p:cNvSpPr txBox="1">
+            <a:spLocks noGrp="1"/>
+          </p:cNvSpPr>
           <p:nvPr>
             <p:ph type="title"/>
           </p:nvPr>
@@ -3750,7 +3849,7 @@
           </a:ln>
         </p:spPr>
         <p:txBody>
-          <a:bodyPr anchorCtr="0" anchor="b" bIns="45700" lIns="91425" spcFirstLastPara="1" rIns="91425" wrap="square" tIns="45700">
+          <a:bodyPr spcFirstLastPara="1" wrap="square" lIns="91425" tIns="45700" rIns="91425" bIns="45700" anchor="b" anchorCtr="0">
             <a:normAutofit/>
           </a:bodyPr>
           <a:lstStyle>
@@ -3861,15 +3960,19 @@
               <a:defRPr/>
             </a:lvl9pPr>
           </a:lstStyle>
-          <a:p/>
+          <a:p>
+            <a:endParaRPr/>
+          </a:p>
         </p:txBody>
       </p:sp>
       <p:sp>
         <p:nvSpPr>
           <p:cNvPr id="25" name="Google Shape;25;p5"/>
-          <p:cNvSpPr txBox="1"/>
+          <p:cNvSpPr txBox="1">
+            <a:spLocks noGrp="1"/>
+          </p:cNvSpPr>
           <p:nvPr>
-            <p:ph idx="1" type="body"/>
+            <p:ph type="body" idx="1"/>
           </p:nvPr>
         </p:nvSpPr>
         <p:spPr>
@@ -3886,11 +3989,11 @@
           </a:ln>
         </p:spPr>
         <p:txBody>
-          <a:bodyPr anchorCtr="0" anchor="t" bIns="45700" lIns="91425" spcFirstLastPara="1" rIns="91425" wrap="square" tIns="45700">
+          <a:bodyPr spcFirstLastPara="1" wrap="square" lIns="91425" tIns="45700" rIns="91425" bIns="45700" anchor="t" anchorCtr="0">
             <a:normAutofit/>
           </a:bodyPr>
           <a:lstStyle>
-            <a:lvl1pPr indent="-228600" lvl="0" marL="457200" algn="l">
+            <a:lvl1pPr marL="457200" lvl="0" indent="-228600" algn="l">
               <a:lnSpc>
                 <a:spcPct val="90000"/>
               </a:lnSpc>
@@ -3911,7 +4014,7 @@
                 </a:solidFill>
               </a:defRPr>
             </a:lvl1pPr>
-            <a:lvl2pPr indent="-228600" lvl="1" marL="914400" algn="l">
+            <a:lvl2pPr marL="914400" lvl="1" indent="-228600" algn="l">
               <a:lnSpc>
                 <a:spcPct val="90000"/>
               </a:lnSpc>
@@ -3932,7 +4035,7 @@
                 </a:solidFill>
               </a:defRPr>
             </a:lvl2pPr>
-            <a:lvl3pPr indent="-228600" lvl="2" marL="1371600" algn="l">
+            <a:lvl3pPr marL="1371600" lvl="2" indent="-228600" algn="l">
               <a:lnSpc>
                 <a:spcPct val="90000"/>
               </a:lnSpc>
@@ -3953,7 +4056,7 @@
                 </a:solidFill>
               </a:defRPr>
             </a:lvl3pPr>
-            <a:lvl4pPr indent="-228600" lvl="3" marL="1828800" algn="l">
+            <a:lvl4pPr marL="1828800" lvl="3" indent="-228600" algn="l">
               <a:lnSpc>
                 <a:spcPct val="90000"/>
               </a:lnSpc>
@@ -3974,7 +4077,7 @@
                 </a:solidFill>
               </a:defRPr>
             </a:lvl4pPr>
-            <a:lvl5pPr indent="-228600" lvl="4" marL="2286000" algn="l">
+            <a:lvl5pPr marL="2286000" lvl="4" indent="-228600" algn="l">
               <a:lnSpc>
                 <a:spcPct val="90000"/>
               </a:lnSpc>
@@ -3995,7 +4098,7 @@
                 </a:solidFill>
               </a:defRPr>
             </a:lvl5pPr>
-            <a:lvl6pPr indent="-228600" lvl="5" marL="2743200" algn="l">
+            <a:lvl6pPr marL="2743200" lvl="5" indent="-228600" algn="l">
               <a:lnSpc>
                 <a:spcPct val="90000"/>
               </a:lnSpc>
@@ -4016,7 +4119,7 @@
                 </a:solidFill>
               </a:defRPr>
             </a:lvl6pPr>
-            <a:lvl7pPr indent="-228600" lvl="6" marL="3200400" algn="l">
+            <a:lvl7pPr marL="3200400" lvl="6" indent="-228600" algn="l">
               <a:lnSpc>
                 <a:spcPct val="90000"/>
               </a:lnSpc>
@@ -4037,7 +4140,7 @@
                 </a:solidFill>
               </a:defRPr>
             </a:lvl7pPr>
-            <a:lvl8pPr indent="-228600" lvl="7" marL="3657600" algn="l">
+            <a:lvl8pPr marL="3657600" lvl="7" indent="-228600" algn="l">
               <a:lnSpc>
                 <a:spcPct val="90000"/>
               </a:lnSpc>
@@ -4058,7 +4161,7 @@
                 </a:solidFill>
               </a:defRPr>
             </a:lvl8pPr>
-            <a:lvl9pPr indent="-228600" lvl="8" marL="4114800" algn="l">
+            <a:lvl9pPr marL="4114800" lvl="8" indent="-228600" algn="l">
               <a:lnSpc>
                 <a:spcPct val="90000"/>
               </a:lnSpc>
@@ -4080,15 +4183,19 @@
               </a:defRPr>
             </a:lvl9pPr>
           </a:lstStyle>
-          <a:p/>
+          <a:p>
+            <a:endParaRPr/>
+          </a:p>
         </p:txBody>
       </p:sp>
       <p:sp>
         <p:nvSpPr>
           <p:cNvPr id="26" name="Google Shape;26;p5"/>
-          <p:cNvSpPr txBox="1"/>
+          <p:cNvSpPr txBox="1">
+            <a:spLocks noGrp="1"/>
+          </p:cNvSpPr>
           <p:nvPr>
-            <p:ph idx="10" type="dt"/>
+            <p:ph type="dt" idx="10"/>
           </p:nvPr>
         </p:nvSpPr>
         <p:spPr>
@@ -4105,7 +4212,7 @@
           </a:ln>
         </p:spPr>
         <p:txBody>
-          <a:bodyPr anchorCtr="0" anchor="ctr" bIns="45700" lIns="91425" spcFirstLastPara="1" rIns="91425" wrap="square" tIns="45700">
+          <a:bodyPr spcFirstLastPara="1" wrap="square" lIns="91425" tIns="45700" rIns="91425" bIns="45700" anchor="ctr" anchorCtr="0">
             <a:noAutofit/>
           </a:bodyPr>
           <a:lstStyle>
@@ -4209,15 +4316,19 @@
               <a:defRPr/>
             </a:lvl9pPr>
           </a:lstStyle>
-          <a:p/>
+          <a:p>
+            <a:endParaRPr/>
+          </a:p>
         </p:txBody>
       </p:sp>
       <p:sp>
         <p:nvSpPr>
           <p:cNvPr id="27" name="Google Shape;27;p5"/>
-          <p:cNvSpPr txBox="1"/>
+          <p:cNvSpPr txBox="1">
+            <a:spLocks noGrp="1"/>
+          </p:cNvSpPr>
           <p:nvPr>
-            <p:ph idx="11" type="ftr"/>
+            <p:ph type="ftr" idx="11"/>
           </p:nvPr>
         </p:nvSpPr>
         <p:spPr>
@@ -4234,7 +4345,7 @@
           </a:ln>
         </p:spPr>
         <p:txBody>
-          <a:bodyPr anchorCtr="0" anchor="ctr" bIns="45700" lIns="91425" spcFirstLastPara="1" rIns="91425" wrap="square" tIns="45700">
+          <a:bodyPr spcFirstLastPara="1" wrap="square" lIns="91425" tIns="45700" rIns="91425" bIns="45700" anchor="ctr" anchorCtr="0">
             <a:noAutofit/>
           </a:bodyPr>
           <a:lstStyle>
@@ -4338,15 +4449,19 @@
               <a:defRPr/>
             </a:lvl9pPr>
           </a:lstStyle>
-          <a:p/>
+          <a:p>
+            <a:endParaRPr/>
+          </a:p>
         </p:txBody>
       </p:sp>
       <p:sp>
         <p:nvSpPr>
           <p:cNvPr id="28" name="Google Shape;28;p5"/>
-          <p:cNvSpPr txBox="1"/>
+          <p:cNvSpPr txBox="1">
+            <a:spLocks noGrp="1"/>
+          </p:cNvSpPr>
           <p:nvPr>
-            <p:ph idx="12" type="sldNum"/>
+            <p:ph type="sldNum" idx="12"/>
           </p:nvPr>
         </p:nvSpPr>
         <p:spPr>
@@ -4363,67 +4478,67 @@
           </a:ln>
         </p:spPr>
         <p:txBody>
-          <a:bodyPr anchorCtr="0" anchor="ctr" bIns="45700" lIns="91425" spcFirstLastPara="1" rIns="91425" wrap="square" tIns="45700">
+          <a:bodyPr spcFirstLastPara="1" wrap="square" lIns="91425" tIns="45700" rIns="91425" bIns="45700" anchor="ctr" anchorCtr="0">
             <a:noAutofit/>
           </a:bodyPr>
           <a:lstStyle>
-            <a:lvl1pPr indent="0" lvl="0" marL="0" algn="r">
+            <a:lvl1pPr marL="0" lvl="0" indent="0" algn="r">
               <a:spcBef>
                 <a:spcPts val="0"/>
               </a:spcBef>
               <a:buNone/>
               <a:defRPr/>
             </a:lvl1pPr>
-            <a:lvl2pPr indent="0" lvl="1" marL="0" algn="r">
+            <a:lvl2pPr marL="0" lvl="1" indent="0" algn="r">
               <a:spcBef>
                 <a:spcPts val="0"/>
               </a:spcBef>
               <a:buNone/>
               <a:defRPr/>
             </a:lvl2pPr>
-            <a:lvl3pPr indent="0" lvl="2" marL="0" algn="r">
+            <a:lvl3pPr marL="0" lvl="2" indent="0" algn="r">
               <a:spcBef>
                 <a:spcPts val="0"/>
               </a:spcBef>
               <a:buNone/>
               <a:defRPr/>
             </a:lvl3pPr>
-            <a:lvl4pPr indent="0" lvl="3" marL="0" algn="r">
+            <a:lvl4pPr marL="0" lvl="3" indent="0" algn="r">
               <a:spcBef>
                 <a:spcPts val="0"/>
               </a:spcBef>
               <a:buNone/>
               <a:defRPr/>
             </a:lvl4pPr>
-            <a:lvl5pPr indent="0" lvl="4" marL="0" algn="r">
+            <a:lvl5pPr marL="0" lvl="4" indent="0" algn="r">
               <a:spcBef>
                 <a:spcPts val="0"/>
               </a:spcBef>
               <a:buNone/>
               <a:defRPr/>
             </a:lvl5pPr>
-            <a:lvl6pPr indent="0" lvl="5" marL="0" algn="r">
+            <a:lvl6pPr marL="0" lvl="5" indent="0" algn="r">
               <a:spcBef>
                 <a:spcPts val="0"/>
               </a:spcBef>
               <a:buNone/>
               <a:defRPr/>
             </a:lvl6pPr>
-            <a:lvl7pPr indent="0" lvl="6" marL="0" algn="r">
+            <a:lvl7pPr marL="0" lvl="6" indent="0" algn="r">
               <a:spcBef>
                 <a:spcPts val="0"/>
               </a:spcBef>
               <a:buNone/>
               <a:defRPr/>
             </a:lvl7pPr>
-            <a:lvl8pPr indent="0" lvl="7" marL="0" algn="r">
+            <a:lvl8pPr marL="0" lvl="7" indent="0" algn="r">
               <a:spcBef>
                 <a:spcPts val="0"/>
               </a:spcBef>
               <a:buNone/>
               <a:defRPr/>
             </a:lvl8pPr>
-            <a:lvl9pPr indent="0" lvl="8" marL="0" algn="r">
+            <a:lvl9pPr marL="0" lvl="8" indent="0" algn="r">
               <a:spcBef>
                 <a:spcPts val="0"/>
               </a:spcBef>
@@ -4432,7 +4547,7 @@
             </a:lvl9pPr>
           </a:lstStyle>
           <a:p>
-            <a:pPr indent="0" lvl="0" marL="0" rtl="0" algn="r">
+            <a:pPr marL="0" lvl="0" indent="0" algn="r" rtl="0">
               <a:spcBef>
                 <a:spcPts val="0"/>
               </a:spcBef>
@@ -4458,11 +4573,11 @@
 </file>
 
 <file path=ppt/slideLayouts/slideLayout4.xml><?xml version="1.0" encoding="utf-8"?>
-<p:sldLayout xmlns:a="http://schemas.openxmlformats.org/drawingml/2006/main" xmlns:r="http://schemas.openxmlformats.org/officeDocument/2006/relationships" xmlns:mc="http://schemas.openxmlformats.org/markup-compatibility/2006" xmlns:mv="urn:schemas-microsoft-com:mac:vml" xmlns:p="http://schemas.openxmlformats.org/presentationml/2006/main" xmlns:c="http://schemas.openxmlformats.org/drawingml/2006/chart" xmlns:dgm="http://schemas.openxmlformats.org/drawingml/2006/diagram" xmlns:o="urn:schemas-microsoft-com:office:office" xmlns:v="urn:schemas-microsoft-com:vml" xmlns:pvml="urn:schemas-microsoft-com:office:powerpoint" xmlns:com="http://schemas.openxmlformats.org/drawingml/2006/compatibility" xmlns:p14="http://schemas.microsoft.com/office/powerpoint/2010/main" xmlns:p15="http://schemas.microsoft.com/office/powerpoint/2012/main" matchingName="Two Content" type="twoObj">
+<p:sldLayout xmlns:a="http://schemas.openxmlformats.org/drawingml/2006/main" xmlns:r="http://schemas.openxmlformats.org/officeDocument/2006/relationships" xmlns:p="http://schemas.openxmlformats.org/presentationml/2006/main" matchingName="Two Content" type="twoObj">
   <p:cSld name="TWO_OBJECTS">
     <p:spTree>
       <p:nvGrpSpPr>
-        <p:cNvPr id="29" name="Shape 29"/>
+        <p:cNvPr id="1" name="Shape 29"/>
         <p:cNvGrpSpPr/>
         <p:nvPr/>
       </p:nvGrpSpPr>
@@ -4477,7 +4592,9 @@
       <p:sp>
         <p:nvSpPr>
           <p:cNvPr id="30" name="Google Shape;30;p6"/>
-          <p:cNvSpPr txBox="1"/>
+          <p:cNvSpPr txBox="1">
+            <a:spLocks noGrp="1"/>
+          </p:cNvSpPr>
           <p:nvPr>
             <p:ph type="title"/>
           </p:nvPr>
@@ -4496,7 +4613,7 @@
           </a:ln>
         </p:spPr>
         <p:txBody>
-          <a:bodyPr anchorCtr="0" anchor="ctr" bIns="45700" lIns="91425" spcFirstLastPara="1" rIns="91425" wrap="square" tIns="45700">
+          <a:bodyPr spcFirstLastPara="1" wrap="square" lIns="91425" tIns="45700" rIns="91425" bIns="45700" anchor="ctr" anchorCtr="0">
             <a:normAutofit/>
           </a:bodyPr>
           <a:lstStyle>
@@ -4606,15 +4723,19 @@
               <a:defRPr/>
             </a:lvl9pPr>
           </a:lstStyle>
-          <a:p/>
+          <a:p>
+            <a:endParaRPr/>
+          </a:p>
         </p:txBody>
       </p:sp>
       <p:sp>
         <p:nvSpPr>
           <p:cNvPr id="31" name="Google Shape;31;p6"/>
-          <p:cNvSpPr txBox="1"/>
+          <p:cNvSpPr txBox="1">
+            <a:spLocks noGrp="1"/>
+          </p:cNvSpPr>
           <p:nvPr>
-            <p:ph idx="1" type="body"/>
+            <p:ph type="body" idx="1"/>
           </p:nvPr>
         </p:nvSpPr>
         <p:spPr>
@@ -4631,11 +4752,11 @@
           </a:ln>
         </p:spPr>
         <p:txBody>
-          <a:bodyPr anchorCtr="0" anchor="t" bIns="45700" lIns="91425" spcFirstLastPara="1" rIns="91425" wrap="square" tIns="45700">
+          <a:bodyPr spcFirstLastPara="1" wrap="square" lIns="91425" tIns="45700" rIns="91425" bIns="45700" anchor="t" anchorCtr="0">
             <a:normAutofit/>
           </a:bodyPr>
           <a:lstStyle>
-            <a:lvl1pPr indent="-342900" lvl="0" marL="457200" algn="l">
+            <a:lvl1pPr marL="457200" lvl="0" indent="-342900" algn="l">
               <a:lnSpc>
                 <a:spcPct val="90000"/>
               </a:lnSpc>
@@ -4652,7 +4773,7 @@
               <a:buChar char="•"/>
               <a:defRPr/>
             </a:lvl1pPr>
-            <a:lvl2pPr indent="-342900" lvl="1" marL="914400" algn="l">
+            <a:lvl2pPr marL="914400" lvl="1" indent="-342900" algn="l">
               <a:lnSpc>
                 <a:spcPct val="90000"/>
               </a:lnSpc>
@@ -4669,7 +4790,7 @@
               <a:buChar char="•"/>
               <a:defRPr/>
             </a:lvl2pPr>
-            <a:lvl3pPr indent="-342900" lvl="2" marL="1371600" algn="l">
+            <a:lvl3pPr marL="1371600" lvl="2" indent="-342900" algn="l">
               <a:lnSpc>
                 <a:spcPct val="90000"/>
               </a:lnSpc>
@@ -4686,7 +4807,7 @@
               <a:buChar char="•"/>
               <a:defRPr/>
             </a:lvl3pPr>
-            <a:lvl4pPr indent="-342900" lvl="3" marL="1828800" algn="l">
+            <a:lvl4pPr marL="1828800" lvl="3" indent="-342900" algn="l">
               <a:lnSpc>
                 <a:spcPct val="90000"/>
               </a:lnSpc>
@@ -4703,7 +4824,7 @@
               <a:buChar char="•"/>
               <a:defRPr/>
             </a:lvl4pPr>
-            <a:lvl5pPr indent="-342900" lvl="4" marL="2286000" algn="l">
+            <a:lvl5pPr marL="2286000" lvl="4" indent="-342900" algn="l">
               <a:lnSpc>
                 <a:spcPct val="90000"/>
               </a:lnSpc>
@@ -4720,7 +4841,7 @@
               <a:buChar char="•"/>
               <a:defRPr/>
             </a:lvl5pPr>
-            <a:lvl6pPr indent="-342900" lvl="5" marL="2743200" algn="l">
+            <a:lvl6pPr marL="2743200" lvl="5" indent="-342900" algn="l">
               <a:lnSpc>
                 <a:spcPct val="90000"/>
               </a:lnSpc>
@@ -4737,7 +4858,7 @@
               <a:buChar char="•"/>
               <a:defRPr/>
             </a:lvl6pPr>
-            <a:lvl7pPr indent="-342900" lvl="6" marL="3200400" algn="l">
+            <a:lvl7pPr marL="3200400" lvl="6" indent="-342900" algn="l">
               <a:lnSpc>
                 <a:spcPct val="90000"/>
               </a:lnSpc>
@@ -4754,7 +4875,7 @@
               <a:buChar char="•"/>
               <a:defRPr/>
             </a:lvl7pPr>
-            <a:lvl8pPr indent="-342900" lvl="7" marL="3657600" algn="l">
+            <a:lvl8pPr marL="3657600" lvl="7" indent="-342900" algn="l">
               <a:lnSpc>
                 <a:spcPct val="90000"/>
               </a:lnSpc>
@@ -4771,7 +4892,7 @@
               <a:buChar char="•"/>
               <a:defRPr/>
             </a:lvl8pPr>
-            <a:lvl9pPr indent="-342900" lvl="8" marL="4114800" algn="l">
+            <a:lvl9pPr marL="4114800" lvl="8" indent="-342900" algn="l">
               <a:lnSpc>
                 <a:spcPct val="90000"/>
               </a:lnSpc>
@@ -4789,15 +4910,19 @@
               <a:defRPr/>
             </a:lvl9pPr>
           </a:lstStyle>
-          <a:p/>
+          <a:p>
+            <a:endParaRPr/>
+          </a:p>
         </p:txBody>
       </p:sp>
       <p:sp>
         <p:nvSpPr>
           <p:cNvPr id="32" name="Google Shape;32;p6"/>
-          <p:cNvSpPr txBox="1"/>
+          <p:cNvSpPr txBox="1">
+            <a:spLocks noGrp="1"/>
+          </p:cNvSpPr>
           <p:nvPr>
-            <p:ph idx="2" type="body"/>
+            <p:ph type="body" idx="2"/>
           </p:nvPr>
         </p:nvSpPr>
         <p:spPr>
@@ -4814,11 +4939,11 @@
           </a:ln>
         </p:spPr>
         <p:txBody>
-          <a:bodyPr anchorCtr="0" anchor="t" bIns="45700" lIns="91425" spcFirstLastPara="1" rIns="91425" wrap="square" tIns="45700">
+          <a:bodyPr spcFirstLastPara="1" wrap="square" lIns="91425" tIns="45700" rIns="91425" bIns="45700" anchor="t" anchorCtr="0">
             <a:normAutofit/>
           </a:bodyPr>
           <a:lstStyle>
-            <a:lvl1pPr indent="-342900" lvl="0" marL="457200" algn="l">
+            <a:lvl1pPr marL="457200" lvl="0" indent="-342900" algn="l">
               <a:lnSpc>
                 <a:spcPct val="90000"/>
               </a:lnSpc>
@@ -4835,7 +4960,7 @@
               <a:buChar char="•"/>
               <a:defRPr/>
             </a:lvl1pPr>
-            <a:lvl2pPr indent="-342900" lvl="1" marL="914400" algn="l">
+            <a:lvl2pPr marL="914400" lvl="1" indent="-342900" algn="l">
               <a:lnSpc>
                 <a:spcPct val="90000"/>
               </a:lnSpc>
@@ -4852,7 +4977,7 @@
               <a:buChar char="•"/>
               <a:defRPr/>
             </a:lvl2pPr>
-            <a:lvl3pPr indent="-342900" lvl="2" marL="1371600" algn="l">
+            <a:lvl3pPr marL="1371600" lvl="2" indent="-342900" algn="l">
               <a:lnSpc>
                 <a:spcPct val="90000"/>
               </a:lnSpc>
@@ -4869,7 +4994,7 @@
               <a:buChar char="•"/>
               <a:defRPr/>
             </a:lvl3pPr>
-            <a:lvl4pPr indent="-342900" lvl="3" marL="1828800" algn="l">
+            <a:lvl4pPr marL="1828800" lvl="3" indent="-342900" algn="l">
               <a:lnSpc>
                 <a:spcPct val="90000"/>
               </a:lnSpc>
@@ -4886,7 +5011,7 @@
               <a:buChar char="•"/>
               <a:defRPr/>
             </a:lvl4pPr>
-            <a:lvl5pPr indent="-342900" lvl="4" marL="2286000" algn="l">
+            <a:lvl5pPr marL="2286000" lvl="4" indent="-342900" algn="l">
               <a:lnSpc>
                 <a:spcPct val="90000"/>
               </a:lnSpc>
@@ -4903,7 +5028,7 @@
               <a:buChar char="•"/>
               <a:defRPr/>
             </a:lvl5pPr>
-            <a:lvl6pPr indent="-342900" lvl="5" marL="2743200" algn="l">
+            <a:lvl6pPr marL="2743200" lvl="5" indent="-342900" algn="l">
               <a:lnSpc>
                 <a:spcPct val="90000"/>
               </a:lnSpc>
@@ -4920,7 +5045,7 @@
               <a:buChar char="•"/>
               <a:defRPr/>
             </a:lvl6pPr>
-            <a:lvl7pPr indent="-342900" lvl="6" marL="3200400" algn="l">
+            <a:lvl7pPr marL="3200400" lvl="6" indent="-342900" algn="l">
               <a:lnSpc>
                 <a:spcPct val="90000"/>
               </a:lnSpc>
@@ -4937,7 +5062,7 @@
               <a:buChar char="•"/>
               <a:defRPr/>
             </a:lvl7pPr>
-            <a:lvl8pPr indent="-342900" lvl="7" marL="3657600" algn="l">
+            <a:lvl8pPr marL="3657600" lvl="7" indent="-342900" algn="l">
               <a:lnSpc>
                 <a:spcPct val="90000"/>
               </a:lnSpc>
@@ -4954,7 +5079,7 @@
               <a:buChar char="•"/>
               <a:defRPr/>
             </a:lvl8pPr>
-            <a:lvl9pPr indent="-342900" lvl="8" marL="4114800" algn="l">
+            <a:lvl9pPr marL="4114800" lvl="8" indent="-342900" algn="l">
               <a:lnSpc>
                 <a:spcPct val="90000"/>
               </a:lnSpc>
@@ -4972,15 +5097,19 @@
               <a:defRPr/>
             </a:lvl9pPr>
           </a:lstStyle>
-          <a:p/>
+          <a:p>
+            <a:endParaRPr/>
+          </a:p>
         </p:txBody>
       </p:sp>
       <p:sp>
         <p:nvSpPr>
           <p:cNvPr id="33" name="Google Shape;33;p6"/>
-          <p:cNvSpPr txBox="1"/>
+          <p:cNvSpPr txBox="1">
+            <a:spLocks noGrp="1"/>
+          </p:cNvSpPr>
           <p:nvPr>
-            <p:ph idx="10" type="dt"/>
+            <p:ph type="dt" idx="10"/>
           </p:nvPr>
         </p:nvSpPr>
         <p:spPr>
@@ -4997,7 +5126,7 @@
           </a:ln>
         </p:spPr>
         <p:txBody>
-          <a:bodyPr anchorCtr="0" anchor="ctr" bIns="45700" lIns="91425" spcFirstLastPara="1" rIns="91425" wrap="square" tIns="45700">
+          <a:bodyPr spcFirstLastPara="1" wrap="square" lIns="91425" tIns="45700" rIns="91425" bIns="45700" anchor="ctr" anchorCtr="0">
             <a:noAutofit/>
           </a:bodyPr>
           <a:lstStyle>
@@ -5101,15 +5230,19 @@
               <a:defRPr/>
             </a:lvl9pPr>
           </a:lstStyle>
-          <a:p/>
+          <a:p>
+            <a:endParaRPr/>
+          </a:p>
         </p:txBody>
       </p:sp>
       <p:sp>
         <p:nvSpPr>
           <p:cNvPr id="34" name="Google Shape;34;p6"/>
-          <p:cNvSpPr txBox="1"/>
+          <p:cNvSpPr txBox="1">
+            <a:spLocks noGrp="1"/>
+          </p:cNvSpPr>
           <p:nvPr>
-            <p:ph idx="11" type="ftr"/>
+            <p:ph type="ftr" idx="11"/>
           </p:nvPr>
         </p:nvSpPr>
         <p:spPr>
@@ -5126,7 +5259,7 @@
           </a:ln>
         </p:spPr>
         <p:txBody>
-          <a:bodyPr anchorCtr="0" anchor="ctr" bIns="45700" lIns="91425" spcFirstLastPara="1" rIns="91425" wrap="square" tIns="45700">
+          <a:bodyPr spcFirstLastPara="1" wrap="square" lIns="91425" tIns="45700" rIns="91425" bIns="45700" anchor="ctr" anchorCtr="0">
             <a:noAutofit/>
           </a:bodyPr>
           <a:lstStyle>
@@ -5230,15 +5363,19 @@
               <a:defRPr/>
             </a:lvl9pPr>
           </a:lstStyle>
-          <a:p/>
+          <a:p>
+            <a:endParaRPr/>
+          </a:p>
         </p:txBody>
       </p:sp>
       <p:sp>
         <p:nvSpPr>
           <p:cNvPr id="35" name="Google Shape;35;p6"/>
-          <p:cNvSpPr txBox="1"/>
+          <p:cNvSpPr txBox="1">
+            <a:spLocks noGrp="1"/>
+          </p:cNvSpPr>
           <p:nvPr>
-            <p:ph idx="12" type="sldNum"/>
+            <p:ph type="sldNum" idx="12"/>
           </p:nvPr>
         </p:nvSpPr>
         <p:spPr>
@@ -5255,67 +5392,67 @@
           </a:ln>
         </p:spPr>
         <p:txBody>
-          <a:bodyPr anchorCtr="0" anchor="ctr" bIns="45700" lIns="91425" spcFirstLastPara="1" rIns="91425" wrap="square" tIns="45700">
+          <a:bodyPr spcFirstLastPara="1" wrap="square" lIns="91425" tIns="45700" rIns="91425" bIns="45700" anchor="ctr" anchorCtr="0">
             <a:noAutofit/>
           </a:bodyPr>
           <a:lstStyle>
-            <a:lvl1pPr indent="0" lvl="0" marL="0" algn="r">
+            <a:lvl1pPr marL="0" lvl="0" indent="0" algn="r">
               <a:spcBef>
                 <a:spcPts val="0"/>
               </a:spcBef>
               <a:buNone/>
               <a:defRPr/>
             </a:lvl1pPr>
-            <a:lvl2pPr indent="0" lvl="1" marL="0" algn="r">
+            <a:lvl2pPr marL="0" lvl="1" indent="0" algn="r">
               <a:spcBef>
                 <a:spcPts val="0"/>
               </a:spcBef>
               <a:buNone/>
               <a:defRPr/>
             </a:lvl2pPr>
-            <a:lvl3pPr indent="0" lvl="2" marL="0" algn="r">
+            <a:lvl3pPr marL="0" lvl="2" indent="0" algn="r">
               <a:spcBef>
                 <a:spcPts val="0"/>
               </a:spcBef>
               <a:buNone/>
               <a:defRPr/>
             </a:lvl3pPr>
-            <a:lvl4pPr indent="0" lvl="3" marL="0" algn="r">
+            <a:lvl4pPr marL="0" lvl="3" indent="0" algn="r">
               <a:spcBef>
                 <a:spcPts val="0"/>
               </a:spcBef>
               <a:buNone/>
               <a:defRPr/>
             </a:lvl4pPr>
-            <a:lvl5pPr indent="0" lvl="4" marL="0" algn="r">
+            <a:lvl5pPr marL="0" lvl="4" indent="0" algn="r">
               <a:spcBef>
                 <a:spcPts val="0"/>
               </a:spcBef>
               <a:buNone/>
               <a:defRPr/>
             </a:lvl5pPr>
-            <a:lvl6pPr indent="0" lvl="5" marL="0" algn="r">
+            <a:lvl6pPr marL="0" lvl="5" indent="0" algn="r">
               <a:spcBef>
                 <a:spcPts val="0"/>
               </a:spcBef>
               <a:buNone/>
               <a:defRPr/>
             </a:lvl6pPr>
-            <a:lvl7pPr indent="0" lvl="6" marL="0" algn="r">
+            <a:lvl7pPr marL="0" lvl="6" indent="0" algn="r">
               <a:spcBef>
                 <a:spcPts val="0"/>
               </a:spcBef>
               <a:buNone/>
               <a:defRPr/>
             </a:lvl7pPr>
-            <a:lvl8pPr indent="0" lvl="7" marL="0" algn="r">
+            <a:lvl8pPr marL="0" lvl="7" indent="0" algn="r">
               <a:spcBef>
                 <a:spcPts val="0"/>
               </a:spcBef>
               <a:buNone/>
               <a:defRPr/>
             </a:lvl8pPr>
-            <a:lvl9pPr indent="0" lvl="8" marL="0" algn="r">
+            <a:lvl9pPr marL="0" lvl="8" indent="0" algn="r">
               <a:spcBef>
                 <a:spcPts val="0"/>
               </a:spcBef>
@@ -5324,7 +5461,7 @@
             </a:lvl9pPr>
           </a:lstStyle>
           <a:p>
-            <a:pPr indent="0" lvl="0" marL="0" rtl="0" algn="r">
+            <a:pPr marL="0" lvl="0" indent="0" algn="r" rtl="0">
               <a:spcBef>
                 <a:spcPts val="0"/>
               </a:spcBef>
@@ -5350,11 +5487,11 @@
 </file>
 
 <file path=ppt/slideLayouts/slideLayout5.xml><?xml version="1.0" encoding="utf-8"?>
-<p:sldLayout xmlns:a="http://schemas.openxmlformats.org/drawingml/2006/main" xmlns:r="http://schemas.openxmlformats.org/officeDocument/2006/relationships" xmlns:mc="http://schemas.openxmlformats.org/markup-compatibility/2006" xmlns:mv="urn:schemas-microsoft-com:mac:vml" xmlns:p="http://schemas.openxmlformats.org/presentationml/2006/main" xmlns:c="http://schemas.openxmlformats.org/drawingml/2006/chart" xmlns:dgm="http://schemas.openxmlformats.org/drawingml/2006/diagram" xmlns:o="urn:schemas-microsoft-com:office:office" xmlns:v="urn:schemas-microsoft-com:vml" xmlns:pvml="urn:schemas-microsoft-com:office:powerpoint" xmlns:com="http://schemas.openxmlformats.org/drawingml/2006/compatibility" xmlns:p14="http://schemas.microsoft.com/office/powerpoint/2010/main" xmlns:p15="http://schemas.microsoft.com/office/powerpoint/2012/main" matchingName="Comparison" type="twoTxTwoObj">
+<p:sldLayout xmlns:a="http://schemas.openxmlformats.org/drawingml/2006/main" xmlns:r="http://schemas.openxmlformats.org/officeDocument/2006/relationships" xmlns:p="http://schemas.openxmlformats.org/presentationml/2006/main" matchingName="Comparison" type="twoTxTwoObj">
   <p:cSld name="TWO_OBJECTS_WITH_TEXT">
     <p:spTree>
       <p:nvGrpSpPr>
-        <p:cNvPr id="36" name="Shape 36"/>
+        <p:cNvPr id="1" name="Shape 36"/>
         <p:cNvGrpSpPr/>
         <p:nvPr/>
       </p:nvGrpSpPr>
@@ -5369,7 +5506,9 @@
       <p:sp>
         <p:nvSpPr>
           <p:cNvPr id="37" name="Google Shape;37;p7"/>
-          <p:cNvSpPr txBox="1"/>
+          <p:cNvSpPr txBox="1">
+            <a:spLocks noGrp="1"/>
+          </p:cNvSpPr>
           <p:nvPr>
             <p:ph type="title"/>
           </p:nvPr>
@@ -5388,7 +5527,7 @@
           </a:ln>
         </p:spPr>
         <p:txBody>
-          <a:bodyPr anchorCtr="0" anchor="ctr" bIns="45700" lIns="91425" spcFirstLastPara="1" rIns="91425" wrap="square" tIns="45700">
+          <a:bodyPr spcFirstLastPara="1" wrap="square" lIns="91425" tIns="45700" rIns="91425" bIns="45700" anchor="ctr" anchorCtr="0">
             <a:normAutofit/>
           </a:bodyPr>
           <a:lstStyle>
@@ -5498,15 +5637,19 @@
               <a:defRPr/>
             </a:lvl9pPr>
           </a:lstStyle>
-          <a:p/>
+          <a:p>
+            <a:endParaRPr/>
+          </a:p>
         </p:txBody>
       </p:sp>
       <p:sp>
         <p:nvSpPr>
           <p:cNvPr id="38" name="Google Shape;38;p7"/>
-          <p:cNvSpPr txBox="1"/>
+          <p:cNvSpPr txBox="1">
+            <a:spLocks noGrp="1"/>
+          </p:cNvSpPr>
           <p:nvPr>
-            <p:ph idx="1" type="body"/>
+            <p:ph type="body" idx="1"/>
           </p:nvPr>
         </p:nvSpPr>
         <p:spPr>
@@ -5523,11 +5666,11 @@
           </a:ln>
         </p:spPr>
         <p:txBody>
-          <a:bodyPr anchorCtr="0" anchor="b" bIns="45700" lIns="91425" spcFirstLastPara="1" rIns="91425" wrap="square" tIns="45700">
+          <a:bodyPr spcFirstLastPara="1" wrap="square" lIns="91425" tIns="45700" rIns="91425" bIns="45700" anchor="b" anchorCtr="0">
             <a:normAutofit/>
           </a:bodyPr>
           <a:lstStyle>
-            <a:lvl1pPr indent="-228600" lvl="0" marL="457200" algn="l">
+            <a:lvl1pPr marL="457200" lvl="0" indent="-228600" algn="l">
               <a:lnSpc>
                 <a:spcPct val="90000"/>
               </a:lnSpc>
@@ -5542,9 +5685,9 @@
               </a:buClr>
               <a:buSzPts val="8640"/>
               <a:buNone/>
-              <a:defRPr b="1" sz="8640"/>
+              <a:defRPr sz="8640" b="1"/>
             </a:lvl1pPr>
-            <a:lvl2pPr indent="-228600" lvl="1" marL="914400" algn="l">
+            <a:lvl2pPr marL="914400" lvl="1" indent="-228600" algn="l">
               <a:lnSpc>
                 <a:spcPct val="90000"/>
               </a:lnSpc>
@@ -5559,9 +5702,9 @@
               </a:buClr>
               <a:buSzPts val="7200"/>
               <a:buNone/>
-              <a:defRPr b="1" sz="7200"/>
+              <a:defRPr sz="7200" b="1"/>
             </a:lvl2pPr>
-            <a:lvl3pPr indent="-228600" lvl="2" marL="1371600" algn="l">
+            <a:lvl3pPr marL="1371600" lvl="2" indent="-228600" algn="l">
               <a:lnSpc>
                 <a:spcPct val="90000"/>
               </a:lnSpc>
@@ -5576,9 +5719,9 @@
               </a:buClr>
               <a:buSzPts val="6480"/>
               <a:buNone/>
-              <a:defRPr b="1" sz="6480"/>
+              <a:defRPr sz="6480" b="1"/>
             </a:lvl3pPr>
-            <a:lvl4pPr indent="-228600" lvl="3" marL="1828800" algn="l">
+            <a:lvl4pPr marL="1828800" lvl="3" indent="-228600" algn="l">
               <a:lnSpc>
                 <a:spcPct val="90000"/>
               </a:lnSpc>
@@ -5593,9 +5736,9 @@
               </a:buClr>
               <a:buSzPts val="5760"/>
               <a:buNone/>
-              <a:defRPr b="1" sz="5760"/>
+              <a:defRPr sz="5760" b="1"/>
             </a:lvl4pPr>
-            <a:lvl5pPr indent="-228600" lvl="4" marL="2286000" algn="l">
+            <a:lvl5pPr marL="2286000" lvl="4" indent="-228600" algn="l">
               <a:lnSpc>
                 <a:spcPct val="90000"/>
               </a:lnSpc>
@@ -5610,9 +5753,9 @@
               </a:buClr>
               <a:buSzPts val="5760"/>
               <a:buNone/>
-              <a:defRPr b="1" sz="5760"/>
+              <a:defRPr sz="5760" b="1"/>
             </a:lvl5pPr>
-            <a:lvl6pPr indent="-228600" lvl="5" marL="2743200" algn="l">
+            <a:lvl6pPr marL="2743200" lvl="5" indent="-228600" algn="l">
               <a:lnSpc>
                 <a:spcPct val="90000"/>
               </a:lnSpc>
@@ -5627,9 +5770,9 @@
               </a:buClr>
               <a:buSzPts val="5760"/>
               <a:buNone/>
-              <a:defRPr b="1" sz="5760"/>
+              <a:defRPr sz="5760" b="1"/>
             </a:lvl6pPr>
-            <a:lvl7pPr indent="-228600" lvl="6" marL="3200400" algn="l">
+            <a:lvl7pPr marL="3200400" lvl="6" indent="-228600" algn="l">
               <a:lnSpc>
                 <a:spcPct val="90000"/>
               </a:lnSpc>
@@ -5644,9 +5787,9 @@
               </a:buClr>
               <a:buSzPts val="5760"/>
               <a:buNone/>
-              <a:defRPr b="1" sz="5760"/>
+              <a:defRPr sz="5760" b="1"/>
             </a:lvl7pPr>
-            <a:lvl8pPr indent="-228600" lvl="7" marL="3657600" algn="l">
+            <a:lvl8pPr marL="3657600" lvl="7" indent="-228600" algn="l">
               <a:lnSpc>
                 <a:spcPct val="90000"/>
               </a:lnSpc>
@@ -5661,9 +5804,9 @@
               </a:buClr>
               <a:buSzPts val="5760"/>
               <a:buNone/>
-              <a:defRPr b="1" sz="5760"/>
+              <a:defRPr sz="5760" b="1"/>
             </a:lvl8pPr>
-            <a:lvl9pPr indent="-228600" lvl="8" marL="4114800" algn="l">
+            <a:lvl9pPr marL="4114800" lvl="8" indent="-228600" algn="l">
               <a:lnSpc>
                 <a:spcPct val="90000"/>
               </a:lnSpc>
@@ -5678,18 +5821,22 @@
               </a:buClr>
               <a:buSzPts val="5760"/>
               <a:buNone/>
-              <a:defRPr b="1" sz="5760"/>
+              <a:defRPr sz="5760" b="1"/>
             </a:lvl9pPr>
           </a:lstStyle>
-          <a:p/>
+          <a:p>
+            <a:endParaRPr/>
+          </a:p>
         </p:txBody>
       </p:sp>
       <p:sp>
         <p:nvSpPr>
           <p:cNvPr id="39" name="Google Shape;39;p7"/>
-          <p:cNvSpPr txBox="1"/>
+          <p:cNvSpPr txBox="1">
+            <a:spLocks noGrp="1"/>
+          </p:cNvSpPr>
           <p:nvPr>
-            <p:ph idx="2" type="body"/>
+            <p:ph type="body" idx="2"/>
           </p:nvPr>
         </p:nvSpPr>
         <p:spPr>
@@ -5706,11 +5853,11 @@
           </a:ln>
         </p:spPr>
         <p:txBody>
-          <a:bodyPr anchorCtr="0" anchor="t" bIns="45700" lIns="91425" spcFirstLastPara="1" rIns="91425" wrap="square" tIns="45700">
+          <a:bodyPr spcFirstLastPara="1" wrap="square" lIns="91425" tIns="45700" rIns="91425" bIns="45700" anchor="t" anchorCtr="0">
             <a:normAutofit/>
           </a:bodyPr>
           <a:lstStyle>
-            <a:lvl1pPr indent="-342900" lvl="0" marL="457200" algn="l">
+            <a:lvl1pPr marL="457200" lvl="0" indent="-342900" algn="l">
               <a:lnSpc>
                 <a:spcPct val="90000"/>
               </a:lnSpc>
@@ -5727,7 +5874,7 @@
               <a:buChar char="•"/>
               <a:defRPr/>
             </a:lvl1pPr>
-            <a:lvl2pPr indent="-342900" lvl="1" marL="914400" algn="l">
+            <a:lvl2pPr marL="914400" lvl="1" indent="-342900" algn="l">
               <a:lnSpc>
                 <a:spcPct val="90000"/>
               </a:lnSpc>
@@ -5744,7 +5891,7 @@
               <a:buChar char="•"/>
               <a:defRPr/>
             </a:lvl2pPr>
-            <a:lvl3pPr indent="-342900" lvl="2" marL="1371600" algn="l">
+            <a:lvl3pPr marL="1371600" lvl="2" indent="-342900" algn="l">
               <a:lnSpc>
                 <a:spcPct val="90000"/>
               </a:lnSpc>
@@ -5761,7 +5908,7 @@
               <a:buChar char="•"/>
               <a:defRPr/>
             </a:lvl3pPr>
-            <a:lvl4pPr indent="-342900" lvl="3" marL="1828800" algn="l">
+            <a:lvl4pPr marL="1828800" lvl="3" indent="-342900" algn="l">
               <a:lnSpc>
                 <a:spcPct val="90000"/>
               </a:lnSpc>
@@ -5778,7 +5925,7 @@
               <a:buChar char="•"/>
               <a:defRPr/>
             </a:lvl4pPr>
-            <a:lvl5pPr indent="-342900" lvl="4" marL="2286000" algn="l">
+            <a:lvl5pPr marL="2286000" lvl="4" indent="-342900" algn="l">
               <a:lnSpc>
                 <a:spcPct val="90000"/>
               </a:lnSpc>
@@ -5795,7 +5942,7 @@
               <a:buChar char="•"/>
               <a:defRPr/>
             </a:lvl5pPr>
-            <a:lvl6pPr indent="-342900" lvl="5" marL="2743200" algn="l">
+            <a:lvl6pPr marL="2743200" lvl="5" indent="-342900" algn="l">
               <a:lnSpc>
                 <a:spcPct val="90000"/>
               </a:lnSpc>
@@ -5812,7 +5959,7 @@
               <a:buChar char="•"/>
               <a:defRPr/>
             </a:lvl6pPr>
-            <a:lvl7pPr indent="-342900" lvl="6" marL="3200400" algn="l">
+            <a:lvl7pPr marL="3200400" lvl="6" indent="-342900" algn="l">
               <a:lnSpc>
                 <a:spcPct val="90000"/>
               </a:lnSpc>
@@ -5829,7 +5976,7 @@
               <a:buChar char="•"/>
               <a:defRPr/>
             </a:lvl7pPr>
-            <a:lvl8pPr indent="-342900" lvl="7" marL="3657600" algn="l">
+            <a:lvl8pPr marL="3657600" lvl="7" indent="-342900" algn="l">
               <a:lnSpc>
                 <a:spcPct val="90000"/>
               </a:lnSpc>
@@ -5846,7 +5993,7 @@
               <a:buChar char="•"/>
               <a:defRPr/>
             </a:lvl8pPr>
-            <a:lvl9pPr indent="-342900" lvl="8" marL="4114800" algn="l">
+            <a:lvl9pPr marL="4114800" lvl="8" indent="-342900" algn="l">
               <a:lnSpc>
                 <a:spcPct val="90000"/>
               </a:lnSpc>
@@ -5864,15 +6011,19 @@
               <a:defRPr/>
             </a:lvl9pPr>
           </a:lstStyle>
-          <a:p/>
+          <a:p>
+            <a:endParaRPr/>
+          </a:p>
         </p:txBody>
       </p:sp>
       <p:sp>
         <p:nvSpPr>
           <p:cNvPr id="40" name="Google Shape;40;p7"/>
-          <p:cNvSpPr txBox="1"/>
+          <p:cNvSpPr txBox="1">
+            <a:spLocks noGrp="1"/>
+          </p:cNvSpPr>
           <p:nvPr>
-            <p:ph idx="3" type="body"/>
+            <p:ph type="body" idx="3"/>
           </p:nvPr>
         </p:nvSpPr>
         <p:spPr>
@@ -5889,11 +6040,11 @@
           </a:ln>
         </p:spPr>
         <p:txBody>
-          <a:bodyPr anchorCtr="0" anchor="b" bIns="45700" lIns="91425" spcFirstLastPara="1" rIns="91425" wrap="square" tIns="45700">
+          <a:bodyPr spcFirstLastPara="1" wrap="square" lIns="91425" tIns="45700" rIns="91425" bIns="45700" anchor="b" anchorCtr="0">
             <a:normAutofit/>
           </a:bodyPr>
           <a:lstStyle>
-            <a:lvl1pPr indent="-228600" lvl="0" marL="457200" algn="l">
+            <a:lvl1pPr marL="457200" lvl="0" indent="-228600" algn="l">
               <a:lnSpc>
                 <a:spcPct val="90000"/>
               </a:lnSpc>
@@ -5908,9 +6059,9 @@
               </a:buClr>
               <a:buSzPts val="8640"/>
               <a:buNone/>
-              <a:defRPr b="1" sz="8640"/>
+              <a:defRPr sz="8640" b="1"/>
             </a:lvl1pPr>
-            <a:lvl2pPr indent="-228600" lvl="1" marL="914400" algn="l">
+            <a:lvl2pPr marL="914400" lvl="1" indent="-228600" algn="l">
               <a:lnSpc>
                 <a:spcPct val="90000"/>
               </a:lnSpc>
@@ -5925,9 +6076,9 @@
               </a:buClr>
               <a:buSzPts val="7200"/>
               <a:buNone/>
-              <a:defRPr b="1" sz="7200"/>
+              <a:defRPr sz="7200" b="1"/>
             </a:lvl2pPr>
-            <a:lvl3pPr indent="-228600" lvl="2" marL="1371600" algn="l">
+            <a:lvl3pPr marL="1371600" lvl="2" indent="-228600" algn="l">
               <a:lnSpc>
                 <a:spcPct val="90000"/>
               </a:lnSpc>
@@ -5942,9 +6093,9 @@
               </a:buClr>
               <a:buSzPts val="6480"/>
               <a:buNone/>
-              <a:defRPr b="1" sz="6480"/>
+              <a:defRPr sz="6480" b="1"/>
             </a:lvl3pPr>
-            <a:lvl4pPr indent="-228600" lvl="3" marL="1828800" algn="l">
+            <a:lvl4pPr marL="1828800" lvl="3" indent="-228600" algn="l">
               <a:lnSpc>
                 <a:spcPct val="90000"/>
               </a:lnSpc>
@@ -5959,9 +6110,9 @@
               </a:buClr>
               <a:buSzPts val="5760"/>
               <a:buNone/>
-              <a:defRPr b="1" sz="5760"/>
+              <a:defRPr sz="5760" b="1"/>
             </a:lvl4pPr>
-            <a:lvl5pPr indent="-228600" lvl="4" marL="2286000" algn="l">
+            <a:lvl5pPr marL="2286000" lvl="4" indent="-228600" algn="l">
               <a:lnSpc>
                 <a:spcPct val="90000"/>
               </a:lnSpc>
@@ -5976,9 +6127,9 @@
               </a:buClr>
               <a:buSzPts val="5760"/>
               <a:buNone/>
-              <a:defRPr b="1" sz="5760"/>
+              <a:defRPr sz="5760" b="1"/>
             </a:lvl5pPr>
-            <a:lvl6pPr indent="-228600" lvl="5" marL="2743200" algn="l">
+            <a:lvl6pPr marL="2743200" lvl="5" indent="-228600" algn="l">
               <a:lnSpc>
                 <a:spcPct val="90000"/>
               </a:lnSpc>
@@ -5993,9 +6144,9 @@
               </a:buClr>
               <a:buSzPts val="5760"/>
               <a:buNone/>
-              <a:defRPr b="1" sz="5760"/>
+              <a:defRPr sz="5760" b="1"/>
             </a:lvl6pPr>
-            <a:lvl7pPr indent="-228600" lvl="6" marL="3200400" algn="l">
+            <a:lvl7pPr marL="3200400" lvl="6" indent="-228600" algn="l">
               <a:lnSpc>
                 <a:spcPct val="90000"/>
               </a:lnSpc>
@@ -6010,9 +6161,9 @@
               </a:buClr>
               <a:buSzPts val="5760"/>
               <a:buNone/>
-              <a:defRPr b="1" sz="5760"/>
+              <a:defRPr sz="5760" b="1"/>
             </a:lvl7pPr>
-            <a:lvl8pPr indent="-228600" lvl="7" marL="3657600" algn="l">
+            <a:lvl8pPr marL="3657600" lvl="7" indent="-228600" algn="l">
               <a:lnSpc>
                 <a:spcPct val="90000"/>
               </a:lnSpc>
@@ -6027,9 +6178,9 @@
               </a:buClr>
               <a:buSzPts val="5760"/>
               <a:buNone/>
-              <a:defRPr b="1" sz="5760"/>
+              <a:defRPr sz="5760" b="1"/>
             </a:lvl8pPr>
-            <a:lvl9pPr indent="-228600" lvl="8" marL="4114800" algn="l">
+            <a:lvl9pPr marL="4114800" lvl="8" indent="-228600" algn="l">
               <a:lnSpc>
                 <a:spcPct val="90000"/>
               </a:lnSpc>
@@ -6044,18 +6195,22 @@
               </a:buClr>
               <a:buSzPts val="5760"/>
               <a:buNone/>
-              <a:defRPr b="1" sz="5760"/>
+              <a:defRPr sz="5760" b="1"/>
             </a:lvl9pPr>
           </a:lstStyle>
-          <a:p/>
+          <a:p>
+            <a:endParaRPr/>
+          </a:p>
         </p:txBody>
       </p:sp>
       <p:sp>
         <p:nvSpPr>
           <p:cNvPr id="41" name="Google Shape;41;p7"/>
-          <p:cNvSpPr txBox="1"/>
+          <p:cNvSpPr txBox="1">
+            <a:spLocks noGrp="1"/>
+          </p:cNvSpPr>
           <p:nvPr>
-            <p:ph idx="4" type="body"/>
+            <p:ph type="body" idx="4"/>
           </p:nvPr>
         </p:nvSpPr>
         <p:spPr>
@@ -6072,11 +6227,11 @@
           </a:ln>
         </p:spPr>
         <p:txBody>
-          <a:bodyPr anchorCtr="0" anchor="t" bIns="45700" lIns="91425" spcFirstLastPara="1" rIns="91425" wrap="square" tIns="45700">
+          <a:bodyPr spcFirstLastPara="1" wrap="square" lIns="91425" tIns="45700" rIns="91425" bIns="45700" anchor="t" anchorCtr="0">
             <a:normAutofit/>
           </a:bodyPr>
           <a:lstStyle>
-            <a:lvl1pPr indent="-342900" lvl="0" marL="457200" algn="l">
+            <a:lvl1pPr marL="457200" lvl="0" indent="-342900" algn="l">
               <a:lnSpc>
                 <a:spcPct val="90000"/>
               </a:lnSpc>
@@ -6093,7 +6248,7 @@
               <a:buChar char="•"/>
               <a:defRPr/>
             </a:lvl1pPr>
-            <a:lvl2pPr indent="-342900" lvl="1" marL="914400" algn="l">
+            <a:lvl2pPr marL="914400" lvl="1" indent="-342900" algn="l">
               <a:lnSpc>
                 <a:spcPct val="90000"/>
               </a:lnSpc>
@@ -6110,7 +6265,7 @@
               <a:buChar char="•"/>
               <a:defRPr/>
             </a:lvl2pPr>
-            <a:lvl3pPr indent="-342900" lvl="2" marL="1371600" algn="l">
+            <a:lvl3pPr marL="1371600" lvl="2" indent="-342900" algn="l">
               <a:lnSpc>
                 <a:spcPct val="90000"/>
               </a:lnSpc>
@@ -6127,7 +6282,7 @@
               <a:buChar char="•"/>
               <a:defRPr/>
             </a:lvl3pPr>
-            <a:lvl4pPr indent="-342900" lvl="3" marL="1828800" algn="l">
+            <a:lvl4pPr marL="1828800" lvl="3" indent="-342900" algn="l">
               <a:lnSpc>
                 <a:spcPct val="90000"/>
               </a:lnSpc>
@@ -6144,7 +6299,7 @@
               <a:buChar char="•"/>
               <a:defRPr/>
             </a:lvl4pPr>
-            <a:lvl5pPr indent="-342900" lvl="4" marL="2286000" algn="l">
+            <a:lvl5pPr marL="2286000" lvl="4" indent="-342900" algn="l">
               <a:lnSpc>
                 <a:spcPct val="90000"/>
               </a:lnSpc>
@@ -6161,7 +6316,7 @@
               <a:buChar char="•"/>
               <a:defRPr/>
             </a:lvl5pPr>
-            <a:lvl6pPr indent="-342900" lvl="5" marL="2743200" algn="l">
+            <a:lvl6pPr marL="2743200" lvl="5" indent="-342900" algn="l">
               <a:lnSpc>
                 <a:spcPct val="90000"/>
               </a:lnSpc>
@@ -6178,7 +6333,7 @@
               <a:buChar char="•"/>
               <a:defRPr/>
             </a:lvl6pPr>
-            <a:lvl7pPr indent="-342900" lvl="6" marL="3200400" algn="l">
+            <a:lvl7pPr marL="3200400" lvl="6" indent="-342900" algn="l">
               <a:lnSpc>
                 <a:spcPct val="90000"/>
               </a:lnSpc>
@@ -6195,7 +6350,7 @@
               <a:buChar char="•"/>
               <a:defRPr/>
             </a:lvl7pPr>
-            <a:lvl8pPr indent="-342900" lvl="7" marL="3657600" algn="l">
+            <a:lvl8pPr marL="3657600" lvl="7" indent="-342900" algn="l">
               <a:lnSpc>
                 <a:spcPct val="90000"/>
               </a:lnSpc>
@@ -6212,7 +6367,7 @@
               <a:buChar char="•"/>
               <a:defRPr/>
             </a:lvl8pPr>
-            <a:lvl9pPr indent="-342900" lvl="8" marL="4114800" algn="l">
+            <a:lvl9pPr marL="4114800" lvl="8" indent="-342900" algn="l">
               <a:lnSpc>
                 <a:spcPct val="90000"/>
               </a:lnSpc>
@@ -6230,15 +6385,19 @@
               <a:defRPr/>
             </a:lvl9pPr>
           </a:lstStyle>
-          <a:p/>
+          <a:p>
+            <a:endParaRPr/>
+          </a:p>
         </p:txBody>
       </p:sp>
       <p:sp>
         <p:nvSpPr>
           <p:cNvPr id="42" name="Google Shape;42;p7"/>
-          <p:cNvSpPr txBox="1"/>
+          <p:cNvSpPr txBox="1">
+            <a:spLocks noGrp="1"/>
+          </p:cNvSpPr>
           <p:nvPr>
-            <p:ph idx="10" type="dt"/>
+            <p:ph type="dt" idx="10"/>
           </p:nvPr>
         </p:nvSpPr>
         <p:spPr>
@@ -6255,7 +6414,7 @@
           </a:ln>
         </p:spPr>
         <p:txBody>
-          <a:bodyPr anchorCtr="0" anchor="ctr" bIns="45700" lIns="91425" spcFirstLastPara="1" rIns="91425" wrap="square" tIns="45700">
+          <a:bodyPr spcFirstLastPara="1" wrap="square" lIns="91425" tIns="45700" rIns="91425" bIns="45700" anchor="ctr" anchorCtr="0">
             <a:noAutofit/>
           </a:bodyPr>
           <a:lstStyle>
@@ -6359,15 +6518,19 @@
               <a:defRPr/>
             </a:lvl9pPr>
           </a:lstStyle>
-          <a:p/>
+          <a:p>
+            <a:endParaRPr/>
+          </a:p>
         </p:txBody>
       </p:sp>
       <p:sp>
         <p:nvSpPr>
           <p:cNvPr id="43" name="Google Shape;43;p7"/>
-          <p:cNvSpPr txBox="1"/>
+          <p:cNvSpPr txBox="1">
+            <a:spLocks noGrp="1"/>
+          </p:cNvSpPr>
           <p:nvPr>
-            <p:ph idx="11" type="ftr"/>
+            <p:ph type="ftr" idx="11"/>
           </p:nvPr>
         </p:nvSpPr>
         <p:spPr>
@@ -6384,7 +6547,7 @@
           </a:ln>
         </p:spPr>
         <p:txBody>
-          <a:bodyPr anchorCtr="0" anchor="ctr" bIns="45700" lIns="91425" spcFirstLastPara="1" rIns="91425" wrap="square" tIns="45700">
+          <a:bodyPr spcFirstLastPara="1" wrap="square" lIns="91425" tIns="45700" rIns="91425" bIns="45700" anchor="ctr" anchorCtr="0">
             <a:noAutofit/>
           </a:bodyPr>
           <a:lstStyle>
@@ -6488,15 +6651,19 @@
               <a:defRPr/>
             </a:lvl9pPr>
           </a:lstStyle>
-          <a:p/>
+          <a:p>
+            <a:endParaRPr/>
+          </a:p>
         </p:txBody>
       </p:sp>
       <p:sp>
         <p:nvSpPr>
           <p:cNvPr id="44" name="Google Shape;44;p7"/>
-          <p:cNvSpPr txBox="1"/>
+          <p:cNvSpPr txBox="1">
+            <a:spLocks noGrp="1"/>
+          </p:cNvSpPr>
           <p:nvPr>
-            <p:ph idx="12" type="sldNum"/>
+            <p:ph type="sldNum" idx="12"/>
           </p:nvPr>
         </p:nvSpPr>
         <p:spPr>
@@ -6513,67 +6680,67 @@
           </a:ln>
         </p:spPr>
         <p:txBody>
-          <a:bodyPr anchorCtr="0" anchor="ctr" bIns="45700" lIns="91425" spcFirstLastPara="1" rIns="91425" wrap="square" tIns="45700">
+          <a:bodyPr spcFirstLastPara="1" wrap="square" lIns="91425" tIns="45700" rIns="91425" bIns="45700" anchor="ctr" anchorCtr="0">
             <a:noAutofit/>
           </a:bodyPr>
           <a:lstStyle>
-            <a:lvl1pPr indent="0" lvl="0" marL="0" algn="r">
+            <a:lvl1pPr marL="0" lvl="0" indent="0" algn="r">
               <a:spcBef>
                 <a:spcPts val="0"/>
               </a:spcBef>
               <a:buNone/>
               <a:defRPr/>
             </a:lvl1pPr>
-            <a:lvl2pPr indent="0" lvl="1" marL="0" algn="r">
+            <a:lvl2pPr marL="0" lvl="1" indent="0" algn="r">
               <a:spcBef>
                 <a:spcPts val="0"/>
               </a:spcBef>
               <a:buNone/>
               <a:defRPr/>
             </a:lvl2pPr>
-            <a:lvl3pPr indent="0" lvl="2" marL="0" algn="r">
+            <a:lvl3pPr marL="0" lvl="2" indent="0" algn="r">
               <a:spcBef>
                 <a:spcPts val="0"/>
               </a:spcBef>
               <a:buNone/>
               <a:defRPr/>
             </a:lvl3pPr>
-            <a:lvl4pPr indent="0" lvl="3" marL="0" algn="r">
+            <a:lvl4pPr marL="0" lvl="3" indent="0" algn="r">
               <a:spcBef>
                 <a:spcPts val="0"/>
               </a:spcBef>
               <a:buNone/>
               <a:defRPr/>
             </a:lvl4pPr>
-            <a:lvl5pPr indent="0" lvl="4" marL="0" algn="r">
+            <a:lvl5pPr marL="0" lvl="4" indent="0" algn="r">
               <a:spcBef>
                 <a:spcPts val="0"/>
               </a:spcBef>
               <a:buNone/>
               <a:defRPr/>
             </a:lvl5pPr>
-            <a:lvl6pPr indent="0" lvl="5" marL="0" algn="r">
+            <a:lvl6pPr marL="0" lvl="5" indent="0" algn="r">
               <a:spcBef>
                 <a:spcPts val="0"/>
               </a:spcBef>
               <a:buNone/>
               <a:defRPr/>
             </a:lvl6pPr>
-            <a:lvl7pPr indent="0" lvl="6" marL="0" algn="r">
+            <a:lvl7pPr marL="0" lvl="6" indent="0" algn="r">
               <a:spcBef>
                 <a:spcPts val="0"/>
               </a:spcBef>
               <a:buNone/>
               <a:defRPr/>
             </a:lvl7pPr>
-            <a:lvl8pPr indent="0" lvl="7" marL="0" algn="r">
+            <a:lvl8pPr marL="0" lvl="7" indent="0" algn="r">
               <a:spcBef>
                 <a:spcPts val="0"/>
               </a:spcBef>
               <a:buNone/>
               <a:defRPr/>
             </a:lvl8pPr>
-            <a:lvl9pPr indent="0" lvl="8" marL="0" algn="r">
+            <a:lvl9pPr marL="0" lvl="8" indent="0" algn="r">
               <a:spcBef>
                 <a:spcPts val="0"/>
               </a:spcBef>
@@ -6582,7 +6749,7 @@
             </a:lvl9pPr>
           </a:lstStyle>
           <a:p>
-            <a:pPr indent="0" lvl="0" marL="0" rtl="0" algn="r">
+            <a:pPr marL="0" lvl="0" indent="0" algn="r" rtl="0">
               <a:spcBef>
                 <a:spcPts val="0"/>
               </a:spcBef>
@@ -6608,11 +6775,11 @@
 </file>
 
 <file path=ppt/slideLayouts/slideLayout6.xml><?xml version="1.0" encoding="utf-8"?>
-<p:sldLayout xmlns:a="http://schemas.openxmlformats.org/drawingml/2006/main" xmlns:r="http://schemas.openxmlformats.org/officeDocument/2006/relationships" xmlns:mc="http://schemas.openxmlformats.org/markup-compatibility/2006" xmlns:mv="urn:schemas-microsoft-com:mac:vml" xmlns:p="http://schemas.openxmlformats.org/presentationml/2006/main" xmlns:c="http://schemas.openxmlformats.org/drawingml/2006/chart" xmlns:dgm="http://schemas.openxmlformats.org/drawingml/2006/diagram" xmlns:o="urn:schemas-microsoft-com:office:office" xmlns:v="urn:schemas-microsoft-com:vml" xmlns:pvml="urn:schemas-microsoft-com:office:powerpoint" xmlns:com="http://schemas.openxmlformats.org/drawingml/2006/compatibility" xmlns:p14="http://schemas.microsoft.com/office/powerpoint/2010/main" xmlns:p15="http://schemas.microsoft.com/office/powerpoint/2012/main" matchingName="Title Only" type="titleOnly">
+<p:sldLayout xmlns:a="http://schemas.openxmlformats.org/drawingml/2006/main" xmlns:r="http://schemas.openxmlformats.org/officeDocument/2006/relationships" xmlns:p="http://schemas.openxmlformats.org/presentationml/2006/main" matchingName="Title Only" type="titleOnly">
   <p:cSld name="TITLE_ONLY">
     <p:spTree>
       <p:nvGrpSpPr>
-        <p:cNvPr id="45" name="Shape 45"/>
+        <p:cNvPr id="1" name="Shape 45"/>
         <p:cNvGrpSpPr/>
         <p:nvPr/>
       </p:nvGrpSpPr>
@@ -6627,7 +6794,9 @@
       <p:sp>
         <p:nvSpPr>
           <p:cNvPr id="46" name="Google Shape;46;p8"/>
-          <p:cNvSpPr txBox="1"/>
+          <p:cNvSpPr txBox="1">
+            <a:spLocks noGrp="1"/>
+          </p:cNvSpPr>
           <p:nvPr>
             <p:ph type="title"/>
           </p:nvPr>
@@ -6646,7 +6815,7 @@
           </a:ln>
         </p:spPr>
         <p:txBody>
-          <a:bodyPr anchorCtr="0" anchor="ctr" bIns="45700" lIns="91425" spcFirstLastPara="1" rIns="91425" wrap="square" tIns="45700">
+          <a:bodyPr spcFirstLastPara="1" wrap="square" lIns="91425" tIns="45700" rIns="91425" bIns="45700" anchor="ctr" anchorCtr="0">
             <a:normAutofit/>
           </a:bodyPr>
           <a:lstStyle>
@@ -6756,15 +6925,19 @@
               <a:defRPr/>
             </a:lvl9pPr>
           </a:lstStyle>
-          <a:p/>
+          <a:p>
+            <a:endParaRPr/>
+          </a:p>
         </p:txBody>
       </p:sp>
       <p:sp>
         <p:nvSpPr>
           <p:cNvPr id="47" name="Google Shape;47;p8"/>
-          <p:cNvSpPr txBox="1"/>
+          <p:cNvSpPr txBox="1">
+            <a:spLocks noGrp="1"/>
+          </p:cNvSpPr>
           <p:nvPr>
-            <p:ph idx="10" type="dt"/>
+            <p:ph type="dt" idx="10"/>
           </p:nvPr>
         </p:nvSpPr>
         <p:spPr>
@@ -6781,7 +6954,7 @@
           </a:ln>
         </p:spPr>
         <p:txBody>
-          <a:bodyPr anchorCtr="0" anchor="ctr" bIns="45700" lIns="91425" spcFirstLastPara="1" rIns="91425" wrap="square" tIns="45700">
+          <a:bodyPr spcFirstLastPara="1" wrap="square" lIns="91425" tIns="45700" rIns="91425" bIns="45700" anchor="ctr" anchorCtr="0">
             <a:noAutofit/>
           </a:bodyPr>
           <a:lstStyle>
@@ -6885,15 +7058,19 @@
               <a:defRPr/>
             </a:lvl9pPr>
           </a:lstStyle>
-          <a:p/>
+          <a:p>
+            <a:endParaRPr/>
+          </a:p>
         </p:txBody>
       </p:sp>
       <p:sp>
         <p:nvSpPr>
           <p:cNvPr id="48" name="Google Shape;48;p8"/>
-          <p:cNvSpPr txBox="1"/>
+          <p:cNvSpPr txBox="1">
+            <a:spLocks noGrp="1"/>
+          </p:cNvSpPr>
           <p:nvPr>
-            <p:ph idx="11" type="ftr"/>
+            <p:ph type="ftr" idx="11"/>
           </p:nvPr>
         </p:nvSpPr>
         <p:spPr>
@@ -6910,7 +7087,7 @@
           </a:ln>
         </p:spPr>
         <p:txBody>
-          <a:bodyPr anchorCtr="0" anchor="ctr" bIns="45700" lIns="91425" spcFirstLastPara="1" rIns="91425" wrap="square" tIns="45700">
+          <a:bodyPr spcFirstLastPara="1" wrap="square" lIns="91425" tIns="45700" rIns="91425" bIns="45700" anchor="ctr" anchorCtr="0">
             <a:noAutofit/>
           </a:bodyPr>
           <a:lstStyle>
@@ -7014,15 +7191,19 @@
               <a:defRPr/>
             </a:lvl9pPr>
           </a:lstStyle>
-          <a:p/>
+          <a:p>
+            <a:endParaRPr/>
+          </a:p>
         </p:txBody>
       </p:sp>
       <p:sp>
         <p:nvSpPr>
           <p:cNvPr id="49" name="Google Shape;49;p8"/>
-          <p:cNvSpPr txBox="1"/>
+          <p:cNvSpPr txBox="1">
+            <a:spLocks noGrp="1"/>
+          </p:cNvSpPr>
           <p:nvPr>
-            <p:ph idx="12" type="sldNum"/>
+            <p:ph type="sldNum" idx="12"/>
           </p:nvPr>
         </p:nvSpPr>
         <p:spPr>
@@ -7039,67 +7220,67 @@
           </a:ln>
         </p:spPr>
         <p:txBody>
-          <a:bodyPr anchorCtr="0" anchor="ctr" bIns="45700" lIns="91425" spcFirstLastPara="1" rIns="91425" wrap="square" tIns="45700">
+          <a:bodyPr spcFirstLastPara="1" wrap="square" lIns="91425" tIns="45700" rIns="91425" bIns="45700" anchor="ctr" anchorCtr="0">
             <a:noAutofit/>
           </a:bodyPr>
           <a:lstStyle>
-            <a:lvl1pPr indent="0" lvl="0" marL="0" algn="r">
+            <a:lvl1pPr marL="0" lvl="0" indent="0" algn="r">
               <a:spcBef>
                 <a:spcPts val="0"/>
               </a:spcBef>
               <a:buNone/>
               <a:defRPr/>
             </a:lvl1pPr>
-            <a:lvl2pPr indent="0" lvl="1" marL="0" algn="r">
+            <a:lvl2pPr marL="0" lvl="1" indent="0" algn="r">
               <a:spcBef>
                 <a:spcPts val="0"/>
               </a:spcBef>
               <a:buNone/>
               <a:defRPr/>
             </a:lvl2pPr>
-            <a:lvl3pPr indent="0" lvl="2" marL="0" algn="r">
+            <a:lvl3pPr marL="0" lvl="2" indent="0" algn="r">
               <a:spcBef>
                 <a:spcPts val="0"/>
               </a:spcBef>
               <a:buNone/>
               <a:defRPr/>
             </a:lvl3pPr>
-            <a:lvl4pPr indent="0" lvl="3" marL="0" algn="r">
+            <a:lvl4pPr marL="0" lvl="3" indent="0" algn="r">
               <a:spcBef>
                 <a:spcPts val="0"/>
               </a:spcBef>
               <a:buNone/>
               <a:defRPr/>
             </a:lvl4pPr>
-            <a:lvl5pPr indent="0" lvl="4" marL="0" algn="r">
+            <a:lvl5pPr marL="0" lvl="4" indent="0" algn="r">
               <a:spcBef>
                 <a:spcPts val="0"/>
               </a:spcBef>
               <a:buNone/>
               <a:defRPr/>
             </a:lvl5pPr>
-            <a:lvl6pPr indent="0" lvl="5" marL="0" algn="r">
+            <a:lvl6pPr marL="0" lvl="5" indent="0" algn="r">
               <a:spcBef>
                 <a:spcPts val="0"/>
               </a:spcBef>
               <a:buNone/>
               <a:defRPr/>
             </a:lvl6pPr>
-            <a:lvl7pPr indent="0" lvl="6" marL="0" algn="r">
+            <a:lvl7pPr marL="0" lvl="6" indent="0" algn="r">
               <a:spcBef>
                 <a:spcPts val="0"/>
               </a:spcBef>
               <a:buNone/>
               <a:defRPr/>
             </a:lvl7pPr>
-            <a:lvl8pPr indent="0" lvl="7" marL="0" algn="r">
+            <a:lvl8pPr marL="0" lvl="7" indent="0" algn="r">
               <a:spcBef>
                 <a:spcPts val="0"/>
               </a:spcBef>
               <a:buNone/>
               <a:defRPr/>
             </a:lvl8pPr>
-            <a:lvl9pPr indent="0" lvl="8" marL="0" algn="r">
+            <a:lvl9pPr marL="0" lvl="8" indent="0" algn="r">
               <a:spcBef>
                 <a:spcPts val="0"/>
               </a:spcBef>
@@ -7108,7 +7289,7 @@
             </a:lvl9pPr>
           </a:lstStyle>
           <a:p>
-            <a:pPr indent="0" lvl="0" marL="0" rtl="0" algn="r">
+            <a:pPr marL="0" lvl="0" indent="0" algn="r" rtl="0">
               <a:spcBef>
                 <a:spcPts val="0"/>
               </a:spcBef>
@@ -7134,11 +7315,11 @@
 </file>
 
 <file path=ppt/slideLayouts/slideLayout7.xml><?xml version="1.0" encoding="utf-8"?>
-<p:sldLayout xmlns:a="http://schemas.openxmlformats.org/drawingml/2006/main" xmlns:r="http://schemas.openxmlformats.org/officeDocument/2006/relationships" xmlns:mc="http://schemas.openxmlformats.org/markup-compatibility/2006" xmlns:mv="urn:schemas-microsoft-com:mac:vml" xmlns:p="http://schemas.openxmlformats.org/presentationml/2006/main" xmlns:c="http://schemas.openxmlformats.org/drawingml/2006/chart" xmlns:dgm="http://schemas.openxmlformats.org/drawingml/2006/diagram" xmlns:o="urn:schemas-microsoft-com:office:office" xmlns:v="urn:schemas-microsoft-com:vml" xmlns:pvml="urn:schemas-microsoft-com:office:powerpoint" xmlns:com="http://schemas.openxmlformats.org/drawingml/2006/compatibility" xmlns:p14="http://schemas.microsoft.com/office/powerpoint/2010/main" xmlns:p15="http://schemas.microsoft.com/office/powerpoint/2012/main" matchingName="Blank" type="blank">
+<p:sldLayout xmlns:a="http://schemas.openxmlformats.org/drawingml/2006/main" xmlns:r="http://schemas.openxmlformats.org/officeDocument/2006/relationships" xmlns:p="http://schemas.openxmlformats.org/presentationml/2006/main" matchingName="Blank" type="blank">
   <p:cSld name="BLANK">
     <p:spTree>
       <p:nvGrpSpPr>
-        <p:cNvPr id="50" name="Shape 50"/>
+        <p:cNvPr id="1" name="Shape 50"/>
         <p:cNvGrpSpPr/>
         <p:nvPr/>
       </p:nvGrpSpPr>
@@ -7153,9 +7334,11 @@
       <p:sp>
         <p:nvSpPr>
           <p:cNvPr id="51" name="Google Shape;51;p9"/>
-          <p:cNvSpPr txBox="1"/>
+          <p:cNvSpPr txBox="1">
+            <a:spLocks noGrp="1"/>
+          </p:cNvSpPr>
           <p:nvPr>
-            <p:ph idx="10" type="dt"/>
+            <p:ph type="dt" idx="10"/>
           </p:nvPr>
         </p:nvSpPr>
         <p:spPr>
@@ -7172,7 +7355,7 @@
           </a:ln>
         </p:spPr>
         <p:txBody>
-          <a:bodyPr anchorCtr="0" anchor="ctr" bIns="45700" lIns="91425" spcFirstLastPara="1" rIns="91425" wrap="square" tIns="45700">
+          <a:bodyPr spcFirstLastPara="1" wrap="square" lIns="91425" tIns="45700" rIns="91425" bIns="45700" anchor="ctr" anchorCtr="0">
             <a:noAutofit/>
           </a:bodyPr>
           <a:lstStyle>
@@ -7276,15 +7459,19 @@
               <a:defRPr/>
             </a:lvl9pPr>
           </a:lstStyle>
-          <a:p/>
+          <a:p>
+            <a:endParaRPr/>
+          </a:p>
         </p:txBody>
       </p:sp>
       <p:sp>
         <p:nvSpPr>
           <p:cNvPr id="52" name="Google Shape;52;p9"/>
-          <p:cNvSpPr txBox="1"/>
+          <p:cNvSpPr txBox="1">
+            <a:spLocks noGrp="1"/>
+          </p:cNvSpPr>
           <p:nvPr>
-            <p:ph idx="11" type="ftr"/>
+            <p:ph type="ftr" idx="11"/>
           </p:nvPr>
         </p:nvSpPr>
         <p:spPr>
@@ -7301,7 +7488,7 @@
           </a:ln>
         </p:spPr>
         <p:txBody>
-          <a:bodyPr anchorCtr="0" anchor="ctr" bIns="45700" lIns="91425" spcFirstLastPara="1" rIns="91425" wrap="square" tIns="45700">
+          <a:bodyPr spcFirstLastPara="1" wrap="square" lIns="91425" tIns="45700" rIns="91425" bIns="45700" anchor="ctr" anchorCtr="0">
             <a:noAutofit/>
           </a:bodyPr>
           <a:lstStyle>
@@ -7405,15 +7592,19 @@
               <a:defRPr/>
             </a:lvl9pPr>
           </a:lstStyle>
-          <a:p/>
+          <a:p>
+            <a:endParaRPr/>
+          </a:p>
         </p:txBody>
       </p:sp>
       <p:sp>
         <p:nvSpPr>
           <p:cNvPr id="53" name="Google Shape;53;p9"/>
-          <p:cNvSpPr txBox="1"/>
+          <p:cNvSpPr txBox="1">
+            <a:spLocks noGrp="1"/>
+          </p:cNvSpPr>
           <p:nvPr>
-            <p:ph idx="12" type="sldNum"/>
+            <p:ph type="sldNum" idx="12"/>
           </p:nvPr>
         </p:nvSpPr>
         <p:spPr>
@@ -7430,67 +7621,67 @@
           </a:ln>
         </p:spPr>
         <p:txBody>
-          <a:bodyPr anchorCtr="0" anchor="ctr" bIns="45700" lIns="91425" spcFirstLastPara="1" rIns="91425" wrap="square" tIns="45700">
+          <a:bodyPr spcFirstLastPara="1" wrap="square" lIns="91425" tIns="45700" rIns="91425" bIns="45700" anchor="ctr" anchorCtr="0">
             <a:noAutofit/>
           </a:bodyPr>
           <a:lstStyle>
-            <a:lvl1pPr indent="0" lvl="0" marL="0" algn="r">
+            <a:lvl1pPr marL="0" lvl="0" indent="0" algn="r">
               <a:spcBef>
                 <a:spcPts val="0"/>
               </a:spcBef>
               <a:buNone/>
               <a:defRPr/>
             </a:lvl1pPr>
-            <a:lvl2pPr indent="0" lvl="1" marL="0" algn="r">
+            <a:lvl2pPr marL="0" lvl="1" indent="0" algn="r">
               <a:spcBef>
                 <a:spcPts val="0"/>
               </a:spcBef>
               <a:buNone/>
               <a:defRPr/>
             </a:lvl2pPr>
-            <a:lvl3pPr indent="0" lvl="2" marL="0" algn="r">
+            <a:lvl3pPr marL="0" lvl="2" indent="0" algn="r">
               <a:spcBef>
                 <a:spcPts val="0"/>
               </a:spcBef>
               <a:buNone/>
               <a:defRPr/>
             </a:lvl3pPr>
-            <a:lvl4pPr indent="0" lvl="3" marL="0" algn="r">
+            <a:lvl4pPr marL="0" lvl="3" indent="0" algn="r">
               <a:spcBef>
                 <a:spcPts val="0"/>
               </a:spcBef>
               <a:buNone/>
               <a:defRPr/>
             </a:lvl4pPr>
-            <a:lvl5pPr indent="0" lvl="4" marL="0" algn="r">
+            <a:lvl5pPr marL="0" lvl="4" indent="0" algn="r">
               <a:spcBef>
                 <a:spcPts val="0"/>
               </a:spcBef>
               <a:buNone/>
               <a:defRPr/>
             </a:lvl5pPr>
-            <a:lvl6pPr indent="0" lvl="5" marL="0" algn="r">
+            <a:lvl6pPr marL="0" lvl="5" indent="0" algn="r">
               <a:spcBef>
                 <a:spcPts val="0"/>
               </a:spcBef>
               <a:buNone/>
               <a:defRPr/>
             </a:lvl6pPr>
-            <a:lvl7pPr indent="0" lvl="6" marL="0" algn="r">
+            <a:lvl7pPr marL="0" lvl="6" indent="0" algn="r">
               <a:spcBef>
                 <a:spcPts val="0"/>
               </a:spcBef>
               <a:buNone/>
               <a:defRPr/>
             </a:lvl7pPr>
-            <a:lvl8pPr indent="0" lvl="7" marL="0" algn="r">
+            <a:lvl8pPr marL="0" lvl="7" indent="0" algn="r">
               <a:spcBef>
                 <a:spcPts val="0"/>
               </a:spcBef>
               <a:buNone/>
               <a:defRPr/>
             </a:lvl8pPr>
-            <a:lvl9pPr indent="0" lvl="8" marL="0" algn="r">
+            <a:lvl9pPr marL="0" lvl="8" indent="0" algn="r">
               <a:spcBef>
                 <a:spcPts val="0"/>
               </a:spcBef>
@@ -7499,7 +7690,7 @@
             </a:lvl9pPr>
           </a:lstStyle>
           <a:p>
-            <a:pPr indent="0" lvl="0" marL="0" rtl="0" algn="r">
+            <a:pPr marL="0" lvl="0" indent="0" algn="r" rtl="0">
               <a:spcBef>
                 <a:spcPts val="0"/>
               </a:spcBef>
@@ -7525,11 +7716,11 @@
 </file>
 
 <file path=ppt/slideLayouts/slideLayout8.xml><?xml version="1.0" encoding="utf-8"?>
-<p:sldLayout xmlns:a="http://schemas.openxmlformats.org/drawingml/2006/main" xmlns:r="http://schemas.openxmlformats.org/officeDocument/2006/relationships" xmlns:mc="http://schemas.openxmlformats.org/markup-compatibility/2006" xmlns:mv="urn:schemas-microsoft-com:mac:vml" xmlns:p="http://schemas.openxmlformats.org/presentationml/2006/main" xmlns:c="http://schemas.openxmlformats.org/drawingml/2006/chart" xmlns:dgm="http://schemas.openxmlformats.org/drawingml/2006/diagram" xmlns:o="urn:schemas-microsoft-com:office:office" xmlns:v="urn:schemas-microsoft-com:vml" xmlns:pvml="urn:schemas-microsoft-com:office:powerpoint" xmlns:com="http://schemas.openxmlformats.org/drawingml/2006/compatibility" xmlns:p14="http://schemas.microsoft.com/office/powerpoint/2010/main" xmlns:p15="http://schemas.microsoft.com/office/powerpoint/2012/main" matchingName="Content with Caption" type="objTx">
+<p:sldLayout xmlns:a="http://schemas.openxmlformats.org/drawingml/2006/main" xmlns:r="http://schemas.openxmlformats.org/officeDocument/2006/relationships" xmlns:p="http://schemas.openxmlformats.org/presentationml/2006/main" matchingName="Content with Caption" type="objTx">
   <p:cSld name="OBJECT_WITH_CAPTION_TEXT">
     <p:spTree>
       <p:nvGrpSpPr>
-        <p:cNvPr id="54" name="Shape 54"/>
+        <p:cNvPr id="1" name="Shape 54"/>
         <p:cNvGrpSpPr/>
         <p:nvPr/>
       </p:nvGrpSpPr>
@@ -7544,7 +7735,9 @@
       <p:sp>
         <p:nvSpPr>
           <p:cNvPr id="55" name="Google Shape;55;p10"/>
-          <p:cNvSpPr txBox="1"/>
+          <p:cNvSpPr txBox="1">
+            <a:spLocks noGrp="1"/>
+          </p:cNvSpPr>
           <p:nvPr>
             <p:ph type="title"/>
           </p:nvPr>
@@ -7563,7 +7756,7 @@
           </a:ln>
         </p:spPr>
         <p:txBody>
-          <a:bodyPr anchorCtr="0" anchor="b" bIns="45700" lIns="91425" spcFirstLastPara="1" rIns="91425" wrap="square" tIns="45700">
+          <a:bodyPr spcFirstLastPara="1" wrap="square" lIns="91425" tIns="45700" rIns="91425" bIns="45700" anchor="b" anchorCtr="0">
             <a:normAutofit/>
           </a:bodyPr>
           <a:lstStyle>
@@ -7674,15 +7867,19 @@
               <a:defRPr/>
             </a:lvl9pPr>
           </a:lstStyle>
-          <a:p/>
+          <a:p>
+            <a:endParaRPr/>
+          </a:p>
         </p:txBody>
       </p:sp>
       <p:sp>
         <p:nvSpPr>
           <p:cNvPr id="56" name="Google Shape;56;p10"/>
-          <p:cNvSpPr txBox="1"/>
+          <p:cNvSpPr txBox="1">
+            <a:spLocks noGrp="1"/>
+          </p:cNvSpPr>
           <p:nvPr>
-            <p:ph idx="1" type="body"/>
+            <p:ph type="body" idx="1"/>
           </p:nvPr>
         </p:nvSpPr>
         <p:spPr>
@@ -7699,11 +7896,11 @@
           </a:ln>
         </p:spPr>
         <p:txBody>
-          <a:bodyPr anchorCtr="0" anchor="t" bIns="45700" lIns="91425" spcFirstLastPara="1" rIns="91425" wrap="square" tIns="45700">
+          <a:bodyPr spcFirstLastPara="1" wrap="square" lIns="91425" tIns="45700" rIns="91425" bIns="45700" anchor="t" anchorCtr="0">
             <a:normAutofit/>
           </a:bodyPr>
           <a:lstStyle>
-            <a:lvl1pPr indent="-960120" lvl="0" marL="457200" algn="l">
+            <a:lvl1pPr marL="457200" lvl="0" indent="-960120" algn="l">
               <a:lnSpc>
                 <a:spcPct val="90000"/>
               </a:lnSpc>
@@ -7720,7 +7917,7 @@
               <a:buChar char="•"/>
               <a:defRPr sz="11520"/>
             </a:lvl1pPr>
-            <a:lvl2pPr indent="-868680" lvl="1" marL="914400" algn="l">
+            <a:lvl2pPr marL="914400" lvl="1" indent="-868680" algn="l">
               <a:lnSpc>
                 <a:spcPct val="90000"/>
               </a:lnSpc>
@@ -7737,7 +7934,7 @@
               <a:buChar char="•"/>
               <a:defRPr sz="10080"/>
             </a:lvl2pPr>
-            <a:lvl3pPr indent="-777240" lvl="2" marL="1371600" algn="l">
+            <a:lvl3pPr marL="1371600" lvl="2" indent="-777240" algn="l">
               <a:lnSpc>
                 <a:spcPct val="90000"/>
               </a:lnSpc>
@@ -7754,7 +7951,7 @@
               <a:buChar char="•"/>
               <a:defRPr sz="8640"/>
             </a:lvl3pPr>
-            <a:lvl4pPr indent="-685800" lvl="3" marL="1828800" algn="l">
+            <a:lvl4pPr marL="1828800" lvl="3" indent="-685800" algn="l">
               <a:lnSpc>
                 <a:spcPct val="90000"/>
               </a:lnSpc>
@@ -7771,7 +7968,7 @@
               <a:buChar char="•"/>
               <a:defRPr sz="7200"/>
             </a:lvl4pPr>
-            <a:lvl5pPr indent="-685800" lvl="4" marL="2286000" algn="l">
+            <a:lvl5pPr marL="2286000" lvl="4" indent="-685800" algn="l">
               <a:lnSpc>
                 <a:spcPct val="90000"/>
               </a:lnSpc>
@@ -7788,7 +7985,7 @@
               <a:buChar char="•"/>
               <a:defRPr sz="7200"/>
             </a:lvl5pPr>
-            <a:lvl6pPr indent="-685800" lvl="5" marL="2743200" algn="l">
+            <a:lvl6pPr marL="2743200" lvl="5" indent="-685800" algn="l">
               <a:lnSpc>
                 <a:spcPct val="90000"/>
               </a:lnSpc>
@@ -7805,7 +8002,7 @@
               <a:buChar char="•"/>
               <a:defRPr sz="7200"/>
             </a:lvl6pPr>
-            <a:lvl7pPr indent="-685800" lvl="6" marL="3200400" algn="l">
+            <a:lvl7pPr marL="3200400" lvl="6" indent="-685800" algn="l">
               <a:lnSpc>
                 <a:spcPct val="90000"/>
               </a:lnSpc>
@@ -7822,7 +8019,7 @@
               <a:buChar char="•"/>
               <a:defRPr sz="7200"/>
             </a:lvl7pPr>
-            <a:lvl8pPr indent="-685800" lvl="7" marL="3657600" algn="l">
+            <a:lvl8pPr marL="3657600" lvl="7" indent="-685800" algn="l">
               <a:lnSpc>
                 <a:spcPct val="90000"/>
               </a:lnSpc>
@@ -7839,7 +8036,7 @@
               <a:buChar char="•"/>
               <a:defRPr sz="7200"/>
             </a:lvl8pPr>
-            <a:lvl9pPr indent="-685800" lvl="8" marL="4114800" algn="l">
+            <a:lvl9pPr marL="4114800" lvl="8" indent="-685800" algn="l">
               <a:lnSpc>
                 <a:spcPct val="90000"/>
               </a:lnSpc>
@@ -7857,15 +8054,19 @@
               <a:defRPr sz="7200"/>
             </a:lvl9pPr>
           </a:lstStyle>
-          <a:p/>
+          <a:p>
+            <a:endParaRPr/>
+          </a:p>
         </p:txBody>
       </p:sp>
       <p:sp>
         <p:nvSpPr>
           <p:cNvPr id="57" name="Google Shape;57;p10"/>
-          <p:cNvSpPr txBox="1"/>
+          <p:cNvSpPr txBox="1">
+            <a:spLocks noGrp="1"/>
+          </p:cNvSpPr>
           <p:nvPr>
-            <p:ph idx="2" type="body"/>
+            <p:ph type="body" idx="2"/>
           </p:nvPr>
         </p:nvSpPr>
         <p:spPr>
@@ -7882,11 +8083,11 @@
           </a:ln>
         </p:spPr>
         <p:txBody>
-          <a:bodyPr anchorCtr="0" anchor="t" bIns="45700" lIns="91425" spcFirstLastPara="1" rIns="91425" wrap="square" tIns="45700">
+          <a:bodyPr spcFirstLastPara="1" wrap="square" lIns="91425" tIns="45700" rIns="91425" bIns="45700" anchor="t" anchorCtr="0">
             <a:normAutofit/>
           </a:bodyPr>
           <a:lstStyle>
-            <a:lvl1pPr indent="-228600" lvl="0" marL="457200" algn="l">
+            <a:lvl1pPr marL="457200" lvl="0" indent="-228600" algn="l">
               <a:lnSpc>
                 <a:spcPct val="90000"/>
               </a:lnSpc>
@@ -7903,7 +8104,7 @@
               <a:buNone/>
               <a:defRPr sz="5760"/>
             </a:lvl1pPr>
-            <a:lvl2pPr indent="-228600" lvl="1" marL="914400" algn="l">
+            <a:lvl2pPr marL="914400" lvl="1" indent="-228600" algn="l">
               <a:lnSpc>
                 <a:spcPct val="90000"/>
               </a:lnSpc>
@@ -7920,7 +8121,7 @@
               <a:buNone/>
               <a:defRPr sz="5040"/>
             </a:lvl2pPr>
-            <a:lvl3pPr indent="-228600" lvl="2" marL="1371600" algn="l">
+            <a:lvl3pPr marL="1371600" lvl="2" indent="-228600" algn="l">
               <a:lnSpc>
                 <a:spcPct val="90000"/>
               </a:lnSpc>
@@ -7937,7 +8138,7 @@
               <a:buNone/>
               <a:defRPr sz="4320"/>
             </a:lvl3pPr>
-            <a:lvl4pPr indent="-228600" lvl="3" marL="1828800" algn="l">
+            <a:lvl4pPr marL="1828800" lvl="3" indent="-228600" algn="l">
               <a:lnSpc>
                 <a:spcPct val="90000"/>
               </a:lnSpc>
@@ -7954,7 +8155,7 @@
               <a:buNone/>
               <a:defRPr sz="3600"/>
             </a:lvl4pPr>
-            <a:lvl5pPr indent="-228600" lvl="4" marL="2286000" algn="l">
+            <a:lvl5pPr marL="2286000" lvl="4" indent="-228600" algn="l">
               <a:lnSpc>
                 <a:spcPct val="90000"/>
               </a:lnSpc>
@@ -7971,7 +8172,7 @@
               <a:buNone/>
               <a:defRPr sz="3600"/>
             </a:lvl5pPr>
-            <a:lvl6pPr indent="-228600" lvl="5" marL="2743200" algn="l">
+            <a:lvl6pPr marL="2743200" lvl="5" indent="-228600" algn="l">
               <a:lnSpc>
                 <a:spcPct val="90000"/>
               </a:lnSpc>
@@ -7988,7 +8189,7 @@
               <a:buNone/>
               <a:defRPr sz="3600"/>
             </a:lvl6pPr>
-            <a:lvl7pPr indent="-228600" lvl="6" marL="3200400" algn="l">
+            <a:lvl7pPr marL="3200400" lvl="6" indent="-228600" algn="l">
               <a:lnSpc>
                 <a:spcPct val="90000"/>
               </a:lnSpc>
@@ -8005,7 +8206,7 @@
               <a:buNone/>
               <a:defRPr sz="3600"/>
             </a:lvl7pPr>
-            <a:lvl8pPr indent="-228600" lvl="7" marL="3657600" algn="l">
+            <a:lvl8pPr marL="3657600" lvl="7" indent="-228600" algn="l">
               <a:lnSpc>
                 <a:spcPct val="90000"/>
               </a:lnSpc>
@@ -8022,7 +8223,7 @@
               <a:buNone/>
               <a:defRPr sz="3600"/>
             </a:lvl8pPr>
-            <a:lvl9pPr indent="-228600" lvl="8" marL="4114800" algn="l">
+            <a:lvl9pPr marL="4114800" lvl="8" indent="-228600" algn="l">
               <a:lnSpc>
                 <a:spcPct val="90000"/>
               </a:lnSpc>
@@ -8040,15 +8241,19 @@
               <a:defRPr sz="3600"/>
             </a:lvl9pPr>
           </a:lstStyle>
-          <a:p/>
+          <a:p>
+            <a:endParaRPr/>
+          </a:p>
         </p:txBody>
       </p:sp>
       <p:sp>
         <p:nvSpPr>
           <p:cNvPr id="58" name="Google Shape;58;p10"/>
-          <p:cNvSpPr txBox="1"/>
+          <p:cNvSpPr txBox="1">
+            <a:spLocks noGrp="1"/>
+          </p:cNvSpPr>
           <p:nvPr>
-            <p:ph idx="10" type="dt"/>
+            <p:ph type="dt" idx="10"/>
           </p:nvPr>
         </p:nvSpPr>
         <p:spPr>
@@ -8065,7 +8270,7 @@
           </a:ln>
         </p:spPr>
         <p:txBody>
-          <a:bodyPr anchorCtr="0" anchor="ctr" bIns="45700" lIns="91425" spcFirstLastPara="1" rIns="91425" wrap="square" tIns="45700">
+          <a:bodyPr spcFirstLastPara="1" wrap="square" lIns="91425" tIns="45700" rIns="91425" bIns="45700" anchor="ctr" anchorCtr="0">
             <a:noAutofit/>
           </a:bodyPr>
           <a:lstStyle>
@@ -8169,15 +8374,19 @@
               <a:defRPr/>
             </a:lvl9pPr>
           </a:lstStyle>
-          <a:p/>
+          <a:p>
+            <a:endParaRPr/>
+          </a:p>
         </p:txBody>
       </p:sp>
       <p:sp>
         <p:nvSpPr>
           <p:cNvPr id="59" name="Google Shape;59;p10"/>
-          <p:cNvSpPr txBox="1"/>
+          <p:cNvSpPr txBox="1">
+            <a:spLocks noGrp="1"/>
+          </p:cNvSpPr>
           <p:nvPr>
-            <p:ph idx="11" type="ftr"/>
+            <p:ph type="ftr" idx="11"/>
           </p:nvPr>
         </p:nvSpPr>
         <p:spPr>
@@ -8194,7 +8403,7 @@
           </a:ln>
         </p:spPr>
         <p:txBody>
-          <a:bodyPr anchorCtr="0" anchor="ctr" bIns="45700" lIns="91425" spcFirstLastPara="1" rIns="91425" wrap="square" tIns="45700">
+          <a:bodyPr spcFirstLastPara="1" wrap="square" lIns="91425" tIns="45700" rIns="91425" bIns="45700" anchor="ctr" anchorCtr="0">
             <a:noAutofit/>
           </a:bodyPr>
           <a:lstStyle>
@@ -8298,15 +8507,19 @@
               <a:defRPr/>
             </a:lvl9pPr>
           </a:lstStyle>
-          <a:p/>
+          <a:p>
+            <a:endParaRPr/>
+          </a:p>
         </p:txBody>
       </p:sp>
       <p:sp>
         <p:nvSpPr>
           <p:cNvPr id="60" name="Google Shape;60;p10"/>
-          <p:cNvSpPr txBox="1"/>
+          <p:cNvSpPr txBox="1">
+            <a:spLocks noGrp="1"/>
+          </p:cNvSpPr>
           <p:nvPr>
-            <p:ph idx="12" type="sldNum"/>
+            <p:ph type="sldNum" idx="12"/>
           </p:nvPr>
         </p:nvSpPr>
         <p:spPr>
@@ -8323,67 +8536,67 @@
           </a:ln>
         </p:spPr>
         <p:txBody>
-          <a:bodyPr anchorCtr="0" anchor="ctr" bIns="45700" lIns="91425" spcFirstLastPara="1" rIns="91425" wrap="square" tIns="45700">
+          <a:bodyPr spcFirstLastPara="1" wrap="square" lIns="91425" tIns="45700" rIns="91425" bIns="45700" anchor="ctr" anchorCtr="0">
             <a:noAutofit/>
           </a:bodyPr>
           <a:lstStyle>
-            <a:lvl1pPr indent="0" lvl="0" marL="0" algn="r">
+            <a:lvl1pPr marL="0" lvl="0" indent="0" algn="r">
               <a:spcBef>
                 <a:spcPts val="0"/>
               </a:spcBef>
               <a:buNone/>
               <a:defRPr/>
             </a:lvl1pPr>
-            <a:lvl2pPr indent="0" lvl="1" marL="0" algn="r">
+            <a:lvl2pPr marL="0" lvl="1" indent="0" algn="r">
               <a:spcBef>
                 <a:spcPts val="0"/>
               </a:spcBef>
               <a:buNone/>
               <a:defRPr/>
             </a:lvl2pPr>
-            <a:lvl3pPr indent="0" lvl="2" marL="0" algn="r">
+            <a:lvl3pPr marL="0" lvl="2" indent="0" algn="r">
               <a:spcBef>
                 <a:spcPts val="0"/>
               </a:spcBef>
               <a:buNone/>
               <a:defRPr/>
             </a:lvl3pPr>
-            <a:lvl4pPr indent="0" lvl="3" marL="0" algn="r">
+            <a:lvl4pPr marL="0" lvl="3" indent="0" algn="r">
               <a:spcBef>
                 <a:spcPts val="0"/>
               </a:spcBef>
               <a:buNone/>
               <a:defRPr/>
             </a:lvl4pPr>
-            <a:lvl5pPr indent="0" lvl="4" marL="0" algn="r">
+            <a:lvl5pPr marL="0" lvl="4" indent="0" algn="r">
               <a:spcBef>
                 <a:spcPts val="0"/>
               </a:spcBef>
               <a:buNone/>
               <a:defRPr/>
             </a:lvl5pPr>
-            <a:lvl6pPr indent="0" lvl="5" marL="0" algn="r">
+            <a:lvl6pPr marL="0" lvl="5" indent="0" algn="r">
               <a:spcBef>
                 <a:spcPts val="0"/>
               </a:spcBef>
               <a:buNone/>
               <a:defRPr/>
             </a:lvl6pPr>
-            <a:lvl7pPr indent="0" lvl="6" marL="0" algn="r">
+            <a:lvl7pPr marL="0" lvl="6" indent="0" algn="r">
               <a:spcBef>
                 <a:spcPts val="0"/>
               </a:spcBef>
               <a:buNone/>
               <a:defRPr/>
             </a:lvl7pPr>
-            <a:lvl8pPr indent="0" lvl="7" marL="0" algn="r">
+            <a:lvl8pPr marL="0" lvl="7" indent="0" algn="r">
               <a:spcBef>
                 <a:spcPts val="0"/>
               </a:spcBef>
               <a:buNone/>
               <a:defRPr/>
             </a:lvl8pPr>
-            <a:lvl9pPr indent="0" lvl="8" marL="0" algn="r">
+            <a:lvl9pPr marL="0" lvl="8" indent="0" algn="r">
               <a:spcBef>
                 <a:spcPts val="0"/>
               </a:spcBef>
@@ -8392,7 +8605,7 @@
             </a:lvl9pPr>
           </a:lstStyle>
           <a:p>
-            <a:pPr indent="0" lvl="0" marL="0" rtl="0" algn="r">
+            <a:pPr marL="0" lvl="0" indent="0" algn="r" rtl="0">
               <a:spcBef>
                 <a:spcPts val="0"/>
               </a:spcBef>
@@ -8418,11 +8631,11 @@
 </file>
 
 <file path=ppt/slideLayouts/slideLayout9.xml><?xml version="1.0" encoding="utf-8"?>
-<p:sldLayout xmlns:a="http://schemas.openxmlformats.org/drawingml/2006/main" xmlns:r="http://schemas.openxmlformats.org/officeDocument/2006/relationships" xmlns:mc="http://schemas.openxmlformats.org/markup-compatibility/2006" xmlns:mv="urn:schemas-microsoft-com:mac:vml" xmlns:p="http://schemas.openxmlformats.org/presentationml/2006/main" xmlns:c="http://schemas.openxmlformats.org/drawingml/2006/chart" xmlns:dgm="http://schemas.openxmlformats.org/drawingml/2006/diagram" xmlns:o="urn:schemas-microsoft-com:office:office" xmlns:v="urn:schemas-microsoft-com:vml" xmlns:pvml="urn:schemas-microsoft-com:office:powerpoint" xmlns:com="http://schemas.openxmlformats.org/drawingml/2006/compatibility" xmlns:p14="http://schemas.microsoft.com/office/powerpoint/2010/main" xmlns:p15="http://schemas.microsoft.com/office/powerpoint/2012/main" matchingName="Picture with Caption" type="picTx">
+<p:sldLayout xmlns:a="http://schemas.openxmlformats.org/drawingml/2006/main" xmlns:r="http://schemas.openxmlformats.org/officeDocument/2006/relationships" xmlns:p="http://schemas.openxmlformats.org/presentationml/2006/main" matchingName="Picture with Caption" type="picTx">
   <p:cSld name="PICTURE_WITH_CAPTION_TEXT">
     <p:spTree>
       <p:nvGrpSpPr>
-        <p:cNvPr id="61" name="Shape 61"/>
+        <p:cNvPr id="1" name="Shape 61"/>
         <p:cNvGrpSpPr/>
         <p:nvPr/>
       </p:nvGrpSpPr>
@@ -8437,7 +8650,9 @@
       <p:sp>
         <p:nvSpPr>
           <p:cNvPr id="62" name="Google Shape;62;p11"/>
-          <p:cNvSpPr txBox="1"/>
+          <p:cNvSpPr txBox="1">
+            <a:spLocks noGrp="1"/>
+          </p:cNvSpPr>
           <p:nvPr>
             <p:ph type="title"/>
           </p:nvPr>
@@ -8456,7 +8671,7 @@
           </a:ln>
         </p:spPr>
         <p:txBody>
-          <a:bodyPr anchorCtr="0" anchor="b" bIns="45700" lIns="91425" spcFirstLastPara="1" rIns="91425" wrap="square" tIns="45700">
+          <a:bodyPr spcFirstLastPara="1" wrap="square" lIns="91425" tIns="45700" rIns="91425" bIns="45700" anchor="b" anchorCtr="0">
             <a:normAutofit/>
           </a:bodyPr>
           <a:lstStyle>
@@ -8567,15 +8782,19 @@
               <a:defRPr/>
             </a:lvl9pPr>
           </a:lstStyle>
-          <a:p/>
+          <a:p>
+            <a:endParaRPr/>
+          </a:p>
         </p:txBody>
       </p:sp>
       <p:sp>
         <p:nvSpPr>
           <p:cNvPr id="63" name="Google Shape;63;p11"/>
-          <p:cNvSpPr/>
+          <p:cNvSpPr>
+            <a:spLocks noGrp="1"/>
+          </p:cNvSpPr>
           <p:nvPr>
-            <p:ph idx="2" type="pic"/>
+            <p:ph type="pic" idx="2"/>
           </p:nvPr>
         </p:nvSpPr>
         <p:spPr>
@@ -8592,11 +8811,11 @@
           </a:ln>
         </p:spPr>
         <p:txBody>
-          <a:bodyPr anchorCtr="0" anchor="t" bIns="45700" lIns="91425" spcFirstLastPara="1" rIns="91425" wrap="square" tIns="45700">
+          <a:bodyPr spcFirstLastPara="1" wrap="square" lIns="91425" tIns="45700" rIns="91425" bIns="45700" anchor="t" anchorCtr="0">
             <a:normAutofit/>
           </a:bodyPr>
           <a:lstStyle>
-            <a:lvl1pPr lvl="0" marR="0" rtl="0" algn="l">
+            <a:lvl1pPr marR="0" lvl="0" algn="l" rtl="0">
               <a:lnSpc>
                 <a:spcPct val="90000"/>
               </a:lnSpc>
@@ -8612,7 +8831,7 @@
               <a:buSzPts val="11520"/>
               <a:buFont typeface="Arial"/>
               <a:buNone/>
-              <a:defRPr b="0" i="0" sz="11520" u="none" cap="none" strike="noStrike">
+              <a:defRPr sz="11520" b="0" i="0" u="none" strike="noStrike" cap="none">
                 <a:solidFill>
                   <a:schemeClr val="dk1"/>
                 </a:solidFill>
@@ -8622,7 +8841,7 @@
                 <a:sym typeface="Calibri"/>
               </a:defRPr>
             </a:lvl1pPr>
-            <a:lvl2pPr lvl="1" marR="0" rtl="0" algn="l">
+            <a:lvl2pPr marR="0" lvl="1" algn="l" rtl="0">
               <a:lnSpc>
                 <a:spcPct val="90000"/>
               </a:lnSpc>
@@ -8638,7 +8857,7 @@
               <a:buSzPts val="10080"/>
               <a:buFont typeface="Arial"/>
               <a:buNone/>
-              <a:defRPr b="0" i="0" sz="10080" u="none" cap="none" strike="noStrike">
+              <a:defRPr sz="10080" b="0" i="0" u="none" strike="noStrike" cap="none">
                 <a:solidFill>
                   <a:schemeClr val="dk1"/>
                 </a:solidFill>
@@ -8648,7 +8867,7 @@
                 <a:sym typeface="Calibri"/>
               </a:defRPr>
             </a:lvl2pPr>
-            <a:lvl3pPr lvl="2" marR="0" rtl="0" algn="l">
+            <a:lvl3pPr marR="0" lvl="2" algn="l" rtl="0">
               <a:lnSpc>
                 <a:spcPct val="90000"/>
               </a:lnSpc>
@@ -8664,7 +8883,7 @@
               <a:buSzPts val="8640"/>
               <a:buFont typeface="Arial"/>
               <a:buNone/>
-              <a:defRPr b="0" i="0" sz="8640" u="none" cap="none" strike="noStrike">
+              <a:defRPr sz="8640" b="0" i="0" u="none" strike="noStrike" cap="none">
                 <a:solidFill>
                   <a:schemeClr val="dk1"/>
                 </a:solidFill>
@@ -8674,7 +8893,7 @@
                 <a:sym typeface="Calibri"/>
               </a:defRPr>
             </a:lvl3pPr>
-            <a:lvl4pPr lvl="3" marR="0" rtl="0" algn="l">
+            <a:lvl4pPr marR="0" lvl="3" algn="l" rtl="0">
               <a:lnSpc>
                 <a:spcPct val="90000"/>
               </a:lnSpc>
@@ -8690,7 +8909,7 @@
               <a:buSzPts val="7200"/>
               <a:buFont typeface="Arial"/>
               <a:buNone/>
-              <a:defRPr b="0" i="0" sz="7200" u="none" cap="none" strike="noStrike">
+              <a:defRPr sz="7200" b="0" i="0" u="none" strike="noStrike" cap="none">
                 <a:solidFill>
                   <a:schemeClr val="dk1"/>
                 </a:solidFill>
@@ -8700,7 +8919,7 @@
                 <a:sym typeface="Calibri"/>
               </a:defRPr>
             </a:lvl4pPr>
-            <a:lvl5pPr lvl="4" marR="0" rtl="0" algn="l">
+            <a:lvl5pPr marR="0" lvl="4" algn="l" rtl="0">
               <a:lnSpc>
                 <a:spcPct val="90000"/>
               </a:lnSpc>
@@ -8716,7 +8935,7 @@
               <a:buSzPts val="7200"/>
               <a:buFont typeface="Arial"/>
               <a:buNone/>
-              <a:defRPr b="0" i="0" sz="7200" u="none" cap="none" strike="noStrike">
+              <a:defRPr sz="7200" b="0" i="0" u="none" strike="noStrike" cap="none">
                 <a:solidFill>
                   <a:schemeClr val="dk1"/>
                 </a:solidFill>
@@ -8726,7 +8945,7 @@
                 <a:sym typeface="Calibri"/>
               </a:defRPr>
             </a:lvl5pPr>
-            <a:lvl6pPr lvl="5" marR="0" rtl="0" algn="l">
+            <a:lvl6pPr marR="0" lvl="5" algn="l" rtl="0">
               <a:lnSpc>
                 <a:spcPct val="90000"/>
               </a:lnSpc>
@@ -8742,7 +8961,7 @@
               <a:buSzPts val="7200"/>
               <a:buFont typeface="Arial"/>
               <a:buNone/>
-              <a:defRPr b="0" i="0" sz="7200" u="none" cap="none" strike="noStrike">
+              <a:defRPr sz="7200" b="0" i="0" u="none" strike="noStrike" cap="none">
                 <a:solidFill>
                   <a:schemeClr val="dk1"/>
                 </a:solidFill>
@@ -8752,7 +8971,7 @@
                 <a:sym typeface="Calibri"/>
               </a:defRPr>
             </a:lvl6pPr>
-            <a:lvl7pPr lvl="6" marR="0" rtl="0" algn="l">
+            <a:lvl7pPr marR="0" lvl="6" algn="l" rtl="0">
               <a:lnSpc>
                 <a:spcPct val="90000"/>
               </a:lnSpc>
@@ -8768,7 +8987,7 @@
               <a:buSzPts val="7200"/>
               <a:buFont typeface="Arial"/>
               <a:buNone/>
-              <a:defRPr b="0" i="0" sz="7200" u="none" cap="none" strike="noStrike">
+              <a:defRPr sz="7200" b="0" i="0" u="none" strike="noStrike" cap="none">
                 <a:solidFill>
                   <a:schemeClr val="dk1"/>
                 </a:solidFill>
@@ -8778,7 +8997,7 @@
                 <a:sym typeface="Calibri"/>
               </a:defRPr>
             </a:lvl7pPr>
-            <a:lvl8pPr lvl="7" marR="0" rtl="0" algn="l">
+            <a:lvl8pPr marR="0" lvl="7" algn="l" rtl="0">
               <a:lnSpc>
                 <a:spcPct val="90000"/>
               </a:lnSpc>
@@ -8794,7 +9013,7 @@
               <a:buSzPts val="7200"/>
               <a:buFont typeface="Arial"/>
               <a:buNone/>
-              <a:defRPr b="0" i="0" sz="7200" u="none" cap="none" strike="noStrike">
+              <a:defRPr sz="7200" b="0" i="0" u="none" strike="noStrike" cap="none">
                 <a:solidFill>
                   <a:schemeClr val="dk1"/>
                 </a:solidFill>
@@ -8804,7 +9023,7 @@
                 <a:sym typeface="Calibri"/>
               </a:defRPr>
             </a:lvl8pPr>
-            <a:lvl9pPr lvl="8" marR="0" rtl="0" algn="l">
+            <a:lvl9pPr marR="0" lvl="8" algn="l" rtl="0">
               <a:lnSpc>
                 <a:spcPct val="90000"/>
               </a:lnSpc>
@@ -8820,7 +9039,7 @@
               <a:buSzPts val="7200"/>
               <a:buFont typeface="Arial"/>
               <a:buNone/>
-              <a:defRPr b="0" i="0" sz="7200" u="none" cap="none" strike="noStrike">
+              <a:defRPr sz="7200" b="0" i="0" u="none" strike="noStrike" cap="none">
                 <a:solidFill>
                   <a:schemeClr val="dk1"/>
                 </a:solidFill>
@@ -8831,15 +9050,19 @@
               </a:defRPr>
             </a:lvl9pPr>
           </a:lstStyle>
-          <a:p/>
+          <a:p>
+            <a:endParaRPr/>
+          </a:p>
         </p:txBody>
       </p:sp>
       <p:sp>
         <p:nvSpPr>
           <p:cNvPr id="64" name="Google Shape;64;p11"/>
-          <p:cNvSpPr txBox="1"/>
+          <p:cNvSpPr txBox="1">
+            <a:spLocks noGrp="1"/>
+          </p:cNvSpPr>
           <p:nvPr>
-            <p:ph idx="1" type="body"/>
+            <p:ph type="body" idx="1"/>
           </p:nvPr>
         </p:nvSpPr>
         <p:spPr>
@@ -8856,11 +9079,11 @@
           </a:ln>
         </p:spPr>
         <p:txBody>
-          <a:bodyPr anchorCtr="0" anchor="t" bIns="45700" lIns="91425" spcFirstLastPara="1" rIns="91425" wrap="square" tIns="45700">
+          <a:bodyPr spcFirstLastPara="1" wrap="square" lIns="91425" tIns="45700" rIns="91425" bIns="45700" anchor="t" anchorCtr="0">
             <a:normAutofit/>
           </a:bodyPr>
           <a:lstStyle>
-            <a:lvl1pPr indent="-228600" lvl="0" marL="457200" algn="l">
+            <a:lvl1pPr marL="457200" lvl="0" indent="-228600" algn="l">
               <a:lnSpc>
                 <a:spcPct val="90000"/>
               </a:lnSpc>
@@ -8877,7 +9100,7 @@
               <a:buNone/>
               <a:defRPr sz="5760"/>
             </a:lvl1pPr>
-            <a:lvl2pPr indent="-228600" lvl="1" marL="914400" algn="l">
+            <a:lvl2pPr marL="914400" lvl="1" indent="-228600" algn="l">
               <a:lnSpc>
                 <a:spcPct val="90000"/>
               </a:lnSpc>
@@ -8894,7 +9117,7 @@
               <a:buNone/>
               <a:defRPr sz="5040"/>
             </a:lvl2pPr>
-            <a:lvl3pPr indent="-228600" lvl="2" marL="1371600" algn="l">
+            <a:lvl3pPr marL="1371600" lvl="2" indent="-228600" algn="l">
               <a:lnSpc>
                 <a:spcPct val="90000"/>
               </a:lnSpc>
@@ -8911,7 +9134,7 @@
               <a:buNone/>
               <a:defRPr sz="4320"/>
             </a:lvl3pPr>
-            <a:lvl4pPr indent="-228600" lvl="3" marL="1828800" algn="l">
+            <a:lvl4pPr marL="1828800" lvl="3" indent="-228600" algn="l">
               <a:lnSpc>
                 <a:spcPct val="90000"/>
               </a:lnSpc>
@@ -8928,7 +9151,7 @@
               <a:buNone/>
               <a:defRPr sz="3600"/>
             </a:lvl4pPr>
-            <a:lvl5pPr indent="-228600" lvl="4" marL="2286000" algn="l">
+            <a:lvl5pPr marL="2286000" lvl="4" indent="-228600" algn="l">
               <a:lnSpc>
                 <a:spcPct val="90000"/>
               </a:lnSpc>
@@ -8945,7 +9168,7 @@
               <a:buNone/>
               <a:defRPr sz="3600"/>
             </a:lvl5pPr>
-            <a:lvl6pPr indent="-228600" lvl="5" marL="2743200" algn="l">
+            <a:lvl6pPr marL="2743200" lvl="5" indent="-228600" algn="l">
               <a:lnSpc>
                 <a:spcPct val="90000"/>
               </a:lnSpc>
@@ -8962,7 +9185,7 @@
               <a:buNone/>
               <a:defRPr sz="3600"/>
             </a:lvl6pPr>
-            <a:lvl7pPr indent="-228600" lvl="6" marL="3200400" algn="l">
+            <a:lvl7pPr marL="3200400" lvl="6" indent="-228600" algn="l">
               <a:lnSpc>
                 <a:spcPct val="90000"/>
               </a:lnSpc>
@@ -8979,7 +9202,7 @@
               <a:buNone/>
               <a:defRPr sz="3600"/>
             </a:lvl7pPr>
-            <a:lvl8pPr indent="-228600" lvl="7" marL="3657600" algn="l">
+            <a:lvl8pPr marL="3657600" lvl="7" indent="-228600" algn="l">
               <a:lnSpc>
                 <a:spcPct val="90000"/>
               </a:lnSpc>
@@ -8996,7 +9219,7 @@
               <a:buNone/>
               <a:defRPr sz="3600"/>
             </a:lvl8pPr>
-            <a:lvl9pPr indent="-228600" lvl="8" marL="4114800" algn="l">
+            <a:lvl9pPr marL="4114800" lvl="8" indent="-228600" algn="l">
               <a:lnSpc>
                 <a:spcPct val="90000"/>
               </a:lnSpc>
@@ -9014,15 +9237,19 @@
               <a:defRPr sz="3600"/>
             </a:lvl9pPr>
           </a:lstStyle>
-          <a:p/>
+          <a:p>
+            <a:endParaRPr/>
+          </a:p>
         </p:txBody>
       </p:sp>
       <p:sp>
         <p:nvSpPr>
           <p:cNvPr id="65" name="Google Shape;65;p11"/>
-          <p:cNvSpPr txBox="1"/>
+          <p:cNvSpPr txBox="1">
+            <a:spLocks noGrp="1"/>
+          </p:cNvSpPr>
           <p:nvPr>
-            <p:ph idx="10" type="dt"/>
+            <p:ph type="dt" idx="10"/>
           </p:nvPr>
         </p:nvSpPr>
         <p:spPr>
@@ -9039,7 +9266,7 @@
           </a:ln>
         </p:spPr>
         <p:txBody>
-          <a:bodyPr anchorCtr="0" anchor="ctr" bIns="45700" lIns="91425" spcFirstLastPara="1" rIns="91425" wrap="square" tIns="45700">
+          <a:bodyPr spcFirstLastPara="1" wrap="square" lIns="91425" tIns="45700" rIns="91425" bIns="45700" anchor="ctr" anchorCtr="0">
             <a:noAutofit/>
           </a:bodyPr>
           <a:lstStyle>
@@ -9143,15 +9370,19 @@
               <a:defRPr/>
             </a:lvl9pPr>
           </a:lstStyle>
-          <a:p/>
+          <a:p>
+            <a:endParaRPr/>
+          </a:p>
         </p:txBody>
       </p:sp>
       <p:sp>
         <p:nvSpPr>
           <p:cNvPr id="66" name="Google Shape;66;p11"/>
-          <p:cNvSpPr txBox="1"/>
+          <p:cNvSpPr txBox="1">
+            <a:spLocks noGrp="1"/>
+          </p:cNvSpPr>
           <p:nvPr>
-            <p:ph idx="11" type="ftr"/>
+            <p:ph type="ftr" idx="11"/>
           </p:nvPr>
         </p:nvSpPr>
         <p:spPr>
@@ -9168,7 +9399,7 @@
           </a:ln>
         </p:spPr>
         <p:txBody>
-          <a:bodyPr anchorCtr="0" anchor="ctr" bIns="45700" lIns="91425" spcFirstLastPara="1" rIns="91425" wrap="square" tIns="45700">
+          <a:bodyPr spcFirstLastPara="1" wrap="square" lIns="91425" tIns="45700" rIns="91425" bIns="45700" anchor="ctr" anchorCtr="0">
             <a:noAutofit/>
           </a:bodyPr>
           <a:lstStyle>
@@ -9272,15 +9503,19 @@
               <a:defRPr/>
             </a:lvl9pPr>
           </a:lstStyle>
-          <a:p/>
+          <a:p>
+            <a:endParaRPr/>
+          </a:p>
         </p:txBody>
       </p:sp>
       <p:sp>
         <p:nvSpPr>
           <p:cNvPr id="67" name="Google Shape;67;p11"/>
-          <p:cNvSpPr txBox="1"/>
+          <p:cNvSpPr txBox="1">
+            <a:spLocks noGrp="1"/>
+          </p:cNvSpPr>
           <p:nvPr>
-            <p:ph idx="12" type="sldNum"/>
+            <p:ph type="sldNum" idx="12"/>
           </p:nvPr>
         </p:nvSpPr>
         <p:spPr>
@@ -9297,67 +9532,67 @@
           </a:ln>
         </p:spPr>
         <p:txBody>
-          <a:bodyPr anchorCtr="0" anchor="ctr" bIns="45700" lIns="91425" spcFirstLastPara="1" rIns="91425" wrap="square" tIns="45700">
+          <a:bodyPr spcFirstLastPara="1" wrap="square" lIns="91425" tIns="45700" rIns="91425" bIns="45700" anchor="ctr" anchorCtr="0">
             <a:noAutofit/>
           </a:bodyPr>
           <a:lstStyle>
-            <a:lvl1pPr indent="0" lvl="0" marL="0" algn="r">
+            <a:lvl1pPr marL="0" lvl="0" indent="0" algn="r">
               <a:spcBef>
                 <a:spcPts val="0"/>
               </a:spcBef>
               <a:buNone/>
               <a:defRPr/>
             </a:lvl1pPr>
-            <a:lvl2pPr indent="0" lvl="1" marL="0" algn="r">
+            <a:lvl2pPr marL="0" lvl="1" indent="0" algn="r">
               <a:spcBef>
                 <a:spcPts val="0"/>
               </a:spcBef>
               <a:buNone/>
               <a:defRPr/>
             </a:lvl2pPr>
-            <a:lvl3pPr indent="0" lvl="2" marL="0" algn="r">
+            <a:lvl3pPr marL="0" lvl="2" indent="0" algn="r">
               <a:spcBef>
                 <a:spcPts val="0"/>
               </a:spcBef>
               <a:buNone/>
               <a:defRPr/>
             </a:lvl3pPr>
-            <a:lvl4pPr indent="0" lvl="3" marL="0" algn="r">
+            <a:lvl4pPr marL="0" lvl="3" indent="0" algn="r">
               <a:spcBef>
                 <a:spcPts val="0"/>
               </a:spcBef>
               <a:buNone/>
               <a:defRPr/>
             </a:lvl4pPr>
-            <a:lvl5pPr indent="0" lvl="4" marL="0" algn="r">
+            <a:lvl5pPr marL="0" lvl="4" indent="0" algn="r">
               <a:spcBef>
                 <a:spcPts val="0"/>
               </a:spcBef>
               <a:buNone/>
               <a:defRPr/>
             </a:lvl5pPr>
-            <a:lvl6pPr indent="0" lvl="5" marL="0" algn="r">
+            <a:lvl6pPr marL="0" lvl="5" indent="0" algn="r">
               <a:spcBef>
                 <a:spcPts val="0"/>
               </a:spcBef>
               <a:buNone/>
               <a:defRPr/>
             </a:lvl6pPr>
-            <a:lvl7pPr indent="0" lvl="6" marL="0" algn="r">
+            <a:lvl7pPr marL="0" lvl="6" indent="0" algn="r">
               <a:spcBef>
                 <a:spcPts val="0"/>
               </a:spcBef>
               <a:buNone/>
               <a:defRPr/>
             </a:lvl7pPr>
-            <a:lvl8pPr indent="0" lvl="7" marL="0" algn="r">
+            <a:lvl8pPr marL="0" lvl="7" indent="0" algn="r">
               <a:spcBef>
                 <a:spcPts val="0"/>
               </a:spcBef>
               <a:buNone/>
               <a:defRPr/>
             </a:lvl8pPr>
-            <a:lvl9pPr indent="0" lvl="8" marL="0" algn="r">
+            <a:lvl9pPr marL="0" lvl="8" indent="0" algn="r">
               <a:spcBef>
                 <a:spcPts val="0"/>
               </a:spcBef>
@@ -9366,7 +9601,7 @@
             </a:lvl9pPr>
           </a:lstStyle>
           <a:p>
-            <a:pPr indent="0" lvl="0" marL="0" rtl="0" algn="r">
+            <a:pPr marL="0" lvl="0" indent="0" algn="r" rtl="0">
               <a:spcBef>
                 <a:spcPts val="0"/>
               </a:spcBef>
@@ -9392,18 +9627,19 @@
 </file>
 
 <file path=ppt/slideMasters/slideMaster1.xml><?xml version="1.0" encoding="utf-8"?>
-<p:sldMaster xmlns:a="http://schemas.openxmlformats.org/drawingml/2006/main" xmlns:r="http://schemas.openxmlformats.org/officeDocument/2006/relationships" xmlns:mc="http://schemas.openxmlformats.org/markup-compatibility/2006" xmlns:mv="urn:schemas-microsoft-com:mac:vml" xmlns:p="http://schemas.openxmlformats.org/presentationml/2006/main" xmlns:c="http://schemas.openxmlformats.org/drawingml/2006/chart" xmlns:dgm="http://schemas.openxmlformats.org/drawingml/2006/diagram" xmlns:o="urn:schemas-microsoft-com:office:office" xmlns:v="urn:schemas-microsoft-com:vml" xmlns:pvml="urn:schemas-microsoft-com:office:powerpoint" xmlns:com="http://schemas.openxmlformats.org/drawingml/2006/compatibility" xmlns:p14="http://schemas.microsoft.com/office/powerpoint/2010/main" xmlns:p15="http://schemas.microsoft.com/office/powerpoint/2012/main">
+<p:sldMaster xmlns:a="http://schemas.openxmlformats.org/drawingml/2006/main" xmlns:r="http://schemas.openxmlformats.org/officeDocument/2006/relationships" xmlns:p="http://schemas.openxmlformats.org/presentationml/2006/main">
   <p:cSld>
     <p:bg>
       <p:bgPr>
         <a:solidFill>
           <a:schemeClr val="lt1"/>
         </a:solidFill>
+        <a:effectLst/>
       </p:bgPr>
     </p:bg>
     <p:spTree>
       <p:nvGrpSpPr>
-        <p:cNvPr id="5" name="Shape 5"/>
+        <p:cNvPr id="1" name="Shape 5"/>
         <p:cNvGrpSpPr/>
         <p:nvPr/>
       </p:nvGrpSpPr>
@@ -9418,7 +9654,9 @@
       <p:sp>
         <p:nvSpPr>
           <p:cNvPr id="6" name="Google Shape;6;p2"/>
-          <p:cNvSpPr txBox="1"/>
+          <p:cNvSpPr txBox="1">
+            <a:spLocks noGrp="1"/>
+          </p:cNvSpPr>
           <p:nvPr>
             <p:ph type="title"/>
           </p:nvPr>
@@ -9437,11 +9675,11 @@
           </a:ln>
         </p:spPr>
         <p:txBody>
-          <a:bodyPr anchorCtr="0" anchor="ctr" bIns="45700" lIns="91425" spcFirstLastPara="1" rIns="91425" wrap="square" tIns="45700">
+          <a:bodyPr spcFirstLastPara="1" wrap="square" lIns="91425" tIns="45700" rIns="91425" bIns="45700" anchor="ctr" anchorCtr="0">
             <a:normAutofit/>
           </a:bodyPr>
           <a:lstStyle>
-            <a:lvl1pPr lvl="0" marR="0" rtl="0" algn="l">
+            <a:lvl1pPr marR="0" lvl="0" algn="l" rtl="0">
               <a:lnSpc>
                 <a:spcPct val="90000"/>
               </a:lnSpc>
@@ -9457,7 +9695,7 @@
               <a:buSzPts val="15840"/>
               <a:buFont typeface="Calibri"/>
               <a:buNone/>
-              <a:defRPr b="0" i="0" sz="15839" u="none" cap="none" strike="noStrike">
+              <a:defRPr sz="15839" b="0" i="0" u="none" strike="noStrike" cap="none">
                 <a:solidFill>
                   <a:schemeClr val="dk1"/>
                 </a:solidFill>
@@ -9556,15 +9794,19 @@
               <a:defRPr sz="1800"/>
             </a:lvl9pPr>
           </a:lstStyle>
-          <a:p/>
+          <a:p>
+            <a:endParaRPr/>
+          </a:p>
         </p:txBody>
       </p:sp>
       <p:sp>
         <p:nvSpPr>
           <p:cNvPr id="7" name="Google Shape;7;p2"/>
-          <p:cNvSpPr txBox="1"/>
+          <p:cNvSpPr txBox="1">
+            <a:spLocks noGrp="1"/>
+          </p:cNvSpPr>
           <p:nvPr>
-            <p:ph idx="1" type="body"/>
+            <p:ph type="body" idx="1"/>
           </p:nvPr>
         </p:nvSpPr>
         <p:spPr>
@@ -9581,11 +9823,11 @@
           </a:ln>
         </p:spPr>
         <p:txBody>
-          <a:bodyPr anchorCtr="0" anchor="t" bIns="45700" lIns="91425" spcFirstLastPara="1" rIns="91425" wrap="square" tIns="45700">
+          <a:bodyPr spcFirstLastPara="1" wrap="square" lIns="91425" tIns="45700" rIns="91425" bIns="45700" anchor="t" anchorCtr="0">
             <a:normAutofit/>
           </a:bodyPr>
           <a:lstStyle>
-            <a:lvl1pPr indent="-868680" lvl="0" marL="457200" marR="0" rtl="0" algn="l">
+            <a:lvl1pPr marL="457200" marR="0" lvl="0" indent="-868680" algn="l" rtl="0">
               <a:lnSpc>
                 <a:spcPct val="90000"/>
               </a:lnSpc>
@@ -9601,7 +9843,7 @@
               <a:buSzPts val="10080"/>
               <a:buFont typeface="Arial"/>
               <a:buChar char="•"/>
-              <a:defRPr b="0" i="0" sz="10080" u="none" cap="none" strike="noStrike">
+              <a:defRPr sz="10080" b="0" i="0" u="none" strike="noStrike" cap="none">
                 <a:solidFill>
                   <a:schemeClr val="dk1"/>
                 </a:solidFill>
@@ -9611,7 +9853,7 @@
                 <a:sym typeface="Calibri"/>
               </a:defRPr>
             </a:lvl1pPr>
-            <a:lvl2pPr indent="-777240" lvl="1" marL="914400" marR="0" rtl="0" algn="l">
+            <a:lvl2pPr marL="914400" marR="0" lvl="1" indent="-777240" algn="l" rtl="0">
               <a:lnSpc>
                 <a:spcPct val="90000"/>
               </a:lnSpc>
@@ -9627,7 +9869,7 @@
               <a:buSzPts val="8640"/>
               <a:buFont typeface="Arial"/>
               <a:buChar char="•"/>
-              <a:defRPr b="0" i="0" sz="8640" u="none" cap="none" strike="noStrike">
+              <a:defRPr sz="8640" b="0" i="0" u="none" strike="noStrike" cap="none">
                 <a:solidFill>
                   <a:schemeClr val="dk1"/>
                 </a:solidFill>
@@ -9637,7 +9879,7 @@
                 <a:sym typeface="Calibri"/>
               </a:defRPr>
             </a:lvl2pPr>
-            <a:lvl3pPr indent="-685800" lvl="2" marL="1371600" marR="0" rtl="0" algn="l">
+            <a:lvl3pPr marL="1371600" marR="0" lvl="2" indent="-685800" algn="l" rtl="0">
               <a:lnSpc>
                 <a:spcPct val="90000"/>
               </a:lnSpc>
@@ -9653,7 +9895,7 @@
               <a:buSzPts val="7200"/>
               <a:buFont typeface="Arial"/>
               <a:buChar char="•"/>
-              <a:defRPr b="0" i="0" sz="7200" u="none" cap="none" strike="noStrike">
+              <a:defRPr sz="7200" b="0" i="0" u="none" strike="noStrike" cap="none">
                 <a:solidFill>
                   <a:schemeClr val="dk1"/>
                 </a:solidFill>
@@ -9663,7 +9905,7 @@
                 <a:sym typeface="Calibri"/>
               </a:defRPr>
             </a:lvl3pPr>
-            <a:lvl4pPr indent="-640080" lvl="3" marL="1828800" marR="0" rtl="0" algn="l">
+            <a:lvl4pPr marL="1828800" marR="0" lvl="3" indent="-640080" algn="l" rtl="0">
               <a:lnSpc>
                 <a:spcPct val="90000"/>
               </a:lnSpc>
@@ -9679,7 +9921,7 @@
               <a:buSzPts val="6480"/>
               <a:buFont typeface="Arial"/>
               <a:buChar char="•"/>
-              <a:defRPr b="0" i="0" sz="6480" u="none" cap="none" strike="noStrike">
+              <a:defRPr sz="6480" b="0" i="0" u="none" strike="noStrike" cap="none">
                 <a:solidFill>
                   <a:schemeClr val="dk1"/>
                 </a:solidFill>
@@ -9689,7 +9931,7 @@
                 <a:sym typeface="Calibri"/>
               </a:defRPr>
             </a:lvl4pPr>
-            <a:lvl5pPr indent="-640079" lvl="4" marL="2286000" marR="0" rtl="0" algn="l">
+            <a:lvl5pPr marL="2286000" marR="0" lvl="4" indent="-640079" algn="l" rtl="0">
               <a:lnSpc>
                 <a:spcPct val="90000"/>
               </a:lnSpc>
@@ -9705,7 +9947,7 @@
               <a:buSzPts val="6480"/>
               <a:buFont typeface="Arial"/>
               <a:buChar char="•"/>
-              <a:defRPr b="0" i="0" sz="6480" u="none" cap="none" strike="noStrike">
+              <a:defRPr sz="6480" b="0" i="0" u="none" strike="noStrike" cap="none">
                 <a:solidFill>
                   <a:schemeClr val="dk1"/>
                 </a:solidFill>
@@ -9715,7 +9957,7 @@
                 <a:sym typeface="Calibri"/>
               </a:defRPr>
             </a:lvl5pPr>
-            <a:lvl6pPr indent="-640079" lvl="5" marL="2743200" marR="0" rtl="0" algn="l">
+            <a:lvl6pPr marL="2743200" marR="0" lvl="5" indent="-640079" algn="l" rtl="0">
               <a:lnSpc>
                 <a:spcPct val="90000"/>
               </a:lnSpc>
@@ -9731,7 +9973,7 @@
               <a:buSzPts val="6480"/>
               <a:buFont typeface="Arial"/>
               <a:buChar char="•"/>
-              <a:defRPr b="0" i="0" sz="6480" u="none" cap="none" strike="noStrike">
+              <a:defRPr sz="6480" b="0" i="0" u="none" strike="noStrike" cap="none">
                 <a:solidFill>
                   <a:schemeClr val="dk1"/>
                 </a:solidFill>
@@ -9741,7 +9983,7 @@
                 <a:sym typeface="Calibri"/>
               </a:defRPr>
             </a:lvl6pPr>
-            <a:lvl7pPr indent="-640079" lvl="6" marL="3200400" marR="0" rtl="0" algn="l">
+            <a:lvl7pPr marL="3200400" marR="0" lvl="6" indent="-640079" algn="l" rtl="0">
               <a:lnSpc>
                 <a:spcPct val="90000"/>
               </a:lnSpc>
@@ -9757,7 +9999,7 @@
               <a:buSzPts val="6480"/>
               <a:buFont typeface="Arial"/>
               <a:buChar char="•"/>
-              <a:defRPr b="0" i="0" sz="6480" u="none" cap="none" strike="noStrike">
+              <a:defRPr sz="6480" b="0" i="0" u="none" strike="noStrike" cap="none">
                 <a:solidFill>
                   <a:schemeClr val="dk1"/>
                 </a:solidFill>
@@ -9767,7 +10009,7 @@
                 <a:sym typeface="Calibri"/>
               </a:defRPr>
             </a:lvl7pPr>
-            <a:lvl8pPr indent="-640079" lvl="7" marL="3657600" marR="0" rtl="0" algn="l">
+            <a:lvl8pPr marL="3657600" marR="0" lvl="7" indent="-640079" algn="l" rtl="0">
               <a:lnSpc>
                 <a:spcPct val="90000"/>
               </a:lnSpc>
@@ -9783,7 +10025,7 @@
               <a:buSzPts val="6480"/>
               <a:buFont typeface="Arial"/>
               <a:buChar char="•"/>
-              <a:defRPr b="0" i="0" sz="6480" u="none" cap="none" strike="noStrike">
+              <a:defRPr sz="6480" b="0" i="0" u="none" strike="noStrike" cap="none">
                 <a:solidFill>
                   <a:schemeClr val="dk1"/>
                 </a:solidFill>
@@ -9793,7 +10035,7 @@
                 <a:sym typeface="Calibri"/>
               </a:defRPr>
             </a:lvl8pPr>
-            <a:lvl9pPr indent="-640079" lvl="8" marL="4114800" marR="0" rtl="0" algn="l">
+            <a:lvl9pPr marL="4114800" marR="0" lvl="8" indent="-640079" algn="l" rtl="0">
               <a:lnSpc>
                 <a:spcPct val="90000"/>
               </a:lnSpc>
@@ -9809,7 +10051,7 @@
               <a:buSzPts val="6480"/>
               <a:buFont typeface="Arial"/>
               <a:buChar char="•"/>
-              <a:defRPr b="0" i="0" sz="6480" u="none" cap="none" strike="noStrike">
+              <a:defRPr sz="6480" b="0" i="0" u="none" strike="noStrike" cap="none">
                 <a:solidFill>
                   <a:schemeClr val="dk1"/>
                 </a:solidFill>
@@ -9820,15 +10062,19 @@
               </a:defRPr>
             </a:lvl9pPr>
           </a:lstStyle>
-          <a:p/>
+          <a:p>
+            <a:endParaRPr/>
+          </a:p>
         </p:txBody>
       </p:sp>
       <p:sp>
         <p:nvSpPr>
           <p:cNvPr id="8" name="Google Shape;8;p2"/>
-          <p:cNvSpPr txBox="1"/>
+          <p:cNvSpPr txBox="1">
+            <a:spLocks noGrp="1"/>
+          </p:cNvSpPr>
           <p:nvPr>
-            <p:ph idx="10" type="dt"/>
+            <p:ph type="dt" idx="10"/>
           </p:nvPr>
         </p:nvSpPr>
         <p:spPr>
@@ -9845,20 +10091,20 @@
           </a:ln>
         </p:spPr>
         <p:txBody>
-          <a:bodyPr anchorCtr="0" anchor="ctr" bIns="45700" lIns="91425" spcFirstLastPara="1" rIns="91425" wrap="square" tIns="45700">
+          <a:bodyPr spcFirstLastPara="1" wrap="square" lIns="91425" tIns="45700" rIns="91425" bIns="45700" anchor="ctr" anchorCtr="0">
             <a:noAutofit/>
           </a:bodyPr>
           <a:lstStyle>
-            <a:lvl1pPr lvl="0" marR="0" rtl="0" algn="l">
-              <a:spcBef>
-                <a:spcPts val="0"/>
-              </a:spcBef>
-              <a:spcAft>
-                <a:spcPts val="0"/>
-              </a:spcAft>
-              <a:buSzPts val="1400"/>
-              <a:buNone/>
-              <a:defRPr b="0" i="0" sz="4320" u="none" cap="none" strike="noStrike">
+            <a:lvl1pPr marR="0" lvl="0" algn="l" rtl="0">
+              <a:spcBef>
+                <a:spcPts val="0"/>
+              </a:spcBef>
+              <a:spcAft>
+                <a:spcPts val="0"/>
+              </a:spcAft>
+              <a:buSzPts val="1400"/>
+              <a:buNone/>
+              <a:defRPr sz="4320" b="0" i="0" u="none" strike="noStrike" cap="none">
                 <a:solidFill>
                   <a:srgbClr val="888888"/>
                 </a:solidFill>
@@ -9868,16 +10114,16 @@
                 <a:sym typeface="Calibri"/>
               </a:defRPr>
             </a:lvl1pPr>
-            <a:lvl2pPr lvl="1" marR="0" rtl="0" algn="l">
-              <a:spcBef>
-                <a:spcPts val="0"/>
-              </a:spcBef>
-              <a:spcAft>
-                <a:spcPts val="0"/>
-              </a:spcAft>
-              <a:buSzPts val="1400"/>
-              <a:buNone/>
-              <a:defRPr b="0" i="0" sz="1800" u="none" cap="none" strike="noStrike">
+            <a:lvl2pPr marR="0" lvl="1" algn="l" rtl="0">
+              <a:spcBef>
+                <a:spcPts val="0"/>
+              </a:spcBef>
+              <a:spcAft>
+                <a:spcPts val="0"/>
+              </a:spcAft>
+              <a:buSzPts val="1400"/>
+              <a:buNone/>
+              <a:defRPr sz="1800" b="0" i="0" u="none" strike="noStrike" cap="none">
                 <a:solidFill>
                   <a:schemeClr val="dk1"/>
                 </a:solidFill>
@@ -9887,16 +10133,16 @@
                 <a:sym typeface="Calibri"/>
               </a:defRPr>
             </a:lvl2pPr>
-            <a:lvl3pPr lvl="2" marR="0" rtl="0" algn="l">
-              <a:spcBef>
-                <a:spcPts val="0"/>
-              </a:spcBef>
-              <a:spcAft>
-                <a:spcPts val="0"/>
-              </a:spcAft>
-              <a:buSzPts val="1400"/>
-              <a:buNone/>
-              <a:defRPr b="0" i="0" sz="1800" u="none" cap="none" strike="noStrike">
+            <a:lvl3pPr marR="0" lvl="2" algn="l" rtl="0">
+              <a:spcBef>
+                <a:spcPts val="0"/>
+              </a:spcBef>
+              <a:spcAft>
+                <a:spcPts val="0"/>
+              </a:spcAft>
+              <a:buSzPts val="1400"/>
+              <a:buNone/>
+              <a:defRPr sz="1800" b="0" i="0" u="none" strike="noStrike" cap="none">
                 <a:solidFill>
                   <a:schemeClr val="dk1"/>
                 </a:solidFill>
@@ -9906,16 +10152,16 @@
                 <a:sym typeface="Calibri"/>
               </a:defRPr>
             </a:lvl3pPr>
-            <a:lvl4pPr lvl="3" marR="0" rtl="0" algn="l">
-              <a:spcBef>
-                <a:spcPts val="0"/>
-              </a:spcBef>
-              <a:spcAft>
-                <a:spcPts val="0"/>
-              </a:spcAft>
-              <a:buSzPts val="1400"/>
-              <a:buNone/>
-              <a:defRPr b="0" i="0" sz="1800" u="none" cap="none" strike="noStrike">
+            <a:lvl4pPr marR="0" lvl="3" algn="l" rtl="0">
+              <a:spcBef>
+                <a:spcPts val="0"/>
+              </a:spcBef>
+              <a:spcAft>
+                <a:spcPts val="0"/>
+              </a:spcAft>
+              <a:buSzPts val="1400"/>
+              <a:buNone/>
+              <a:defRPr sz="1800" b="0" i="0" u="none" strike="noStrike" cap="none">
                 <a:solidFill>
                   <a:schemeClr val="dk1"/>
                 </a:solidFill>
@@ -9925,16 +10171,16 @@
                 <a:sym typeface="Calibri"/>
               </a:defRPr>
             </a:lvl4pPr>
-            <a:lvl5pPr lvl="4" marR="0" rtl="0" algn="l">
-              <a:spcBef>
-                <a:spcPts val="0"/>
-              </a:spcBef>
-              <a:spcAft>
-                <a:spcPts val="0"/>
-              </a:spcAft>
-              <a:buSzPts val="1400"/>
-              <a:buNone/>
-              <a:defRPr b="0" i="0" sz="1800" u="none" cap="none" strike="noStrike">
+            <a:lvl5pPr marR="0" lvl="4" algn="l" rtl="0">
+              <a:spcBef>
+                <a:spcPts val="0"/>
+              </a:spcBef>
+              <a:spcAft>
+                <a:spcPts val="0"/>
+              </a:spcAft>
+              <a:buSzPts val="1400"/>
+              <a:buNone/>
+              <a:defRPr sz="1800" b="0" i="0" u="none" strike="noStrike" cap="none">
                 <a:solidFill>
                   <a:schemeClr val="dk1"/>
                 </a:solidFill>
@@ -9944,16 +10190,16 @@
                 <a:sym typeface="Calibri"/>
               </a:defRPr>
             </a:lvl5pPr>
-            <a:lvl6pPr lvl="5" marR="0" rtl="0" algn="l">
-              <a:spcBef>
-                <a:spcPts val="0"/>
-              </a:spcBef>
-              <a:spcAft>
-                <a:spcPts val="0"/>
-              </a:spcAft>
-              <a:buSzPts val="1400"/>
-              <a:buNone/>
-              <a:defRPr b="0" i="0" sz="1800" u="none" cap="none" strike="noStrike">
+            <a:lvl6pPr marR="0" lvl="5" algn="l" rtl="0">
+              <a:spcBef>
+                <a:spcPts val="0"/>
+              </a:spcBef>
+              <a:spcAft>
+                <a:spcPts val="0"/>
+              </a:spcAft>
+              <a:buSzPts val="1400"/>
+              <a:buNone/>
+              <a:defRPr sz="1800" b="0" i="0" u="none" strike="noStrike" cap="none">
                 <a:solidFill>
                   <a:schemeClr val="dk1"/>
                 </a:solidFill>
@@ -9963,16 +10209,16 @@
                 <a:sym typeface="Calibri"/>
               </a:defRPr>
             </a:lvl6pPr>
-            <a:lvl7pPr lvl="6" marR="0" rtl="0" algn="l">
-              <a:spcBef>
-                <a:spcPts val="0"/>
-              </a:spcBef>
-              <a:spcAft>
-                <a:spcPts val="0"/>
-              </a:spcAft>
-              <a:buSzPts val="1400"/>
-              <a:buNone/>
-              <a:defRPr b="0" i="0" sz="1800" u="none" cap="none" strike="noStrike">
+            <a:lvl7pPr marR="0" lvl="6" algn="l" rtl="0">
+              <a:spcBef>
+                <a:spcPts val="0"/>
+              </a:spcBef>
+              <a:spcAft>
+                <a:spcPts val="0"/>
+              </a:spcAft>
+              <a:buSzPts val="1400"/>
+              <a:buNone/>
+              <a:defRPr sz="1800" b="0" i="0" u="none" strike="noStrike" cap="none">
                 <a:solidFill>
                   <a:schemeClr val="dk1"/>
                 </a:solidFill>
@@ -9982,16 +10228,16 @@
                 <a:sym typeface="Calibri"/>
               </a:defRPr>
             </a:lvl7pPr>
-            <a:lvl8pPr lvl="7" marR="0" rtl="0" algn="l">
-              <a:spcBef>
-                <a:spcPts val="0"/>
-              </a:spcBef>
-              <a:spcAft>
-                <a:spcPts val="0"/>
-              </a:spcAft>
-              <a:buSzPts val="1400"/>
-              <a:buNone/>
-              <a:defRPr b="0" i="0" sz="1800" u="none" cap="none" strike="noStrike">
+            <a:lvl8pPr marR="0" lvl="7" algn="l" rtl="0">
+              <a:spcBef>
+                <a:spcPts val="0"/>
+              </a:spcBef>
+              <a:spcAft>
+                <a:spcPts val="0"/>
+              </a:spcAft>
+              <a:buSzPts val="1400"/>
+              <a:buNone/>
+              <a:defRPr sz="1800" b="0" i="0" u="none" strike="noStrike" cap="none">
                 <a:solidFill>
                   <a:schemeClr val="dk1"/>
                 </a:solidFill>
@@ -10001,16 +10247,16 @@
                 <a:sym typeface="Calibri"/>
               </a:defRPr>
             </a:lvl8pPr>
-            <a:lvl9pPr lvl="8" marR="0" rtl="0" algn="l">
-              <a:spcBef>
-                <a:spcPts val="0"/>
-              </a:spcBef>
-              <a:spcAft>
-                <a:spcPts val="0"/>
-              </a:spcAft>
-              <a:buSzPts val="1400"/>
-              <a:buNone/>
-              <a:defRPr b="0" i="0" sz="1800" u="none" cap="none" strike="noStrike">
+            <a:lvl9pPr marR="0" lvl="8" algn="l" rtl="0">
+              <a:spcBef>
+                <a:spcPts val="0"/>
+              </a:spcBef>
+              <a:spcAft>
+                <a:spcPts val="0"/>
+              </a:spcAft>
+              <a:buSzPts val="1400"/>
+              <a:buNone/>
+              <a:defRPr sz="1800" b="0" i="0" u="none" strike="noStrike" cap="none">
                 <a:solidFill>
                   <a:schemeClr val="dk1"/>
                 </a:solidFill>
@@ -10021,15 +10267,19 @@
               </a:defRPr>
             </a:lvl9pPr>
           </a:lstStyle>
-          <a:p/>
+          <a:p>
+            <a:endParaRPr/>
+          </a:p>
         </p:txBody>
       </p:sp>
       <p:sp>
         <p:nvSpPr>
           <p:cNvPr id="9" name="Google Shape;9;p2"/>
-          <p:cNvSpPr txBox="1"/>
+          <p:cNvSpPr txBox="1">
+            <a:spLocks noGrp="1"/>
+          </p:cNvSpPr>
           <p:nvPr>
-            <p:ph idx="11" type="ftr"/>
+            <p:ph type="ftr" idx="11"/>
           </p:nvPr>
         </p:nvSpPr>
         <p:spPr>
@@ -10046,20 +10296,20 @@
           </a:ln>
         </p:spPr>
         <p:txBody>
-          <a:bodyPr anchorCtr="0" anchor="ctr" bIns="45700" lIns="91425" spcFirstLastPara="1" rIns="91425" wrap="square" tIns="45700">
+          <a:bodyPr spcFirstLastPara="1" wrap="square" lIns="91425" tIns="45700" rIns="91425" bIns="45700" anchor="ctr" anchorCtr="0">
             <a:noAutofit/>
           </a:bodyPr>
           <a:lstStyle>
-            <a:lvl1pPr lvl="0" marR="0" rtl="0" algn="ctr">
-              <a:spcBef>
-                <a:spcPts val="0"/>
-              </a:spcBef>
-              <a:spcAft>
-                <a:spcPts val="0"/>
-              </a:spcAft>
-              <a:buSzPts val="1400"/>
-              <a:buNone/>
-              <a:defRPr b="0" i="0" sz="4320" u="none" cap="none" strike="noStrike">
+            <a:lvl1pPr marR="0" lvl="0" algn="ctr" rtl="0">
+              <a:spcBef>
+                <a:spcPts val="0"/>
+              </a:spcBef>
+              <a:spcAft>
+                <a:spcPts val="0"/>
+              </a:spcAft>
+              <a:buSzPts val="1400"/>
+              <a:buNone/>
+              <a:defRPr sz="4320" b="0" i="0" u="none" strike="noStrike" cap="none">
                 <a:solidFill>
                   <a:srgbClr val="888888"/>
                 </a:solidFill>
@@ -10069,16 +10319,16 @@
                 <a:sym typeface="Calibri"/>
               </a:defRPr>
             </a:lvl1pPr>
-            <a:lvl2pPr lvl="1" marR="0" rtl="0" algn="l">
-              <a:spcBef>
-                <a:spcPts val="0"/>
-              </a:spcBef>
-              <a:spcAft>
-                <a:spcPts val="0"/>
-              </a:spcAft>
-              <a:buSzPts val="1400"/>
-              <a:buNone/>
-              <a:defRPr b="0" i="0" sz="1800" u="none" cap="none" strike="noStrike">
+            <a:lvl2pPr marR="0" lvl="1" algn="l" rtl="0">
+              <a:spcBef>
+                <a:spcPts val="0"/>
+              </a:spcBef>
+              <a:spcAft>
+                <a:spcPts val="0"/>
+              </a:spcAft>
+              <a:buSzPts val="1400"/>
+              <a:buNone/>
+              <a:defRPr sz="1800" b="0" i="0" u="none" strike="noStrike" cap="none">
                 <a:solidFill>
                   <a:schemeClr val="dk1"/>
                 </a:solidFill>
@@ -10088,16 +10338,16 @@
                 <a:sym typeface="Calibri"/>
               </a:defRPr>
             </a:lvl2pPr>
-            <a:lvl3pPr lvl="2" marR="0" rtl="0" algn="l">
-              <a:spcBef>
-                <a:spcPts val="0"/>
-              </a:spcBef>
-              <a:spcAft>
-                <a:spcPts val="0"/>
-              </a:spcAft>
-              <a:buSzPts val="1400"/>
-              <a:buNone/>
-              <a:defRPr b="0" i="0" sz="1800" u="none" cap="none" strike="noStrike">
+            <a:lvl3pPr marR="0" lvl="2" algn="l" rtl="0">
+              <a:spcBef>
+                <a:spcPts val="0"/>
+              </a:spcBef>
+              <a:spcAft>
+                <a:spcPts val="0"/>
+              </a:spcAft>
+              <a:buSzPts val="1400"/>
+              <a:buNone/>
+              <a:defRPr sz="1800" b="0" i="0" u="none" strike="noStrike" cap="none">
                 <a:solidFill>
                   <a:schemeClr val="dk1"/>
                 </a:solidFill>
@@ -10107,16 +10357,16 @@
                 <a:sym typeface="Calibri"/>
               </a:defRPr>
             </a:lvl3pPr>
-            <a:lvl4pPr lvl="3" marR="0" rtl="0" algn="l">
-              <a:spcBef>
-                <a:spcPts val="0"/>
-              </a:spcBef>
-              <a:spcAft>
-                <a:spcPts val="0"/>
-              </a:spcAft>
-              <a:buSzPts val="1400"/>
-              <a:buNone/>
-              <a:defRPr b="0" i="0" sz="1800" u="none" cap="none" strike="noStrike">
+            <a:lvl4pPr marR="0" lvl="3" algn="l" rtl="0">
+              <a:spcBef>
+                <a:spcPts val="0"/>
+              </a:spcBef>
+              <a:spcAft>
+                <a:spcPts val="0"/>
+              </a:spcAft>
+              <a:buSzPts val="1400"/>
+              <a:buNone/>
+              <a:defRPr sz="1800" b="0" i="0" u="none" strike="noStrike" cap="none">
                 <a:solidFill>
                   <a:schemeClr val="dk1"/>
                 </a:solidFill>
@@ -10126,16 +10376,16 @@
                 <a:sym typeface="Calibri"/>
               </a:defRPr>
             </a:lvl4pPr>
-            <a:lvl5pPr lvl="4" marR="0" rtl="0" algn="l">
-              <a:spcBef>
-                <a:spcPts val="0"/>
-              </a:spcBef>
-              <a:spcAft>
-                <a:spcPts val="0"/>
-              </a:spcAft>
-              <a:buSzPts val="1400"/>
-              <a:buNone/>
-              <a:defRPr b="0" i="0" sz="1800" u="none" cap="none" strike="noStrike">
+            <a:lvl5pPr marR="0" lvl="4" algn="l" rtl="0">
+              <a:spcBef>
+                <a:spcPts val="0"/>
+              </a:spcBef>
+              <a:spcAft>
+                <a:spcPts val="0"/>
+              </a:spcAft>
+              <a:buSzPts val="1400"/>
+              <a:buNone/>
+              <a:defRPr sz="1800" b="0" i="0" u="none" strike="noStrike" cap="none">
                 <a:solidFill>
                   <a:schemeClr val="dk1"/>
                 </a:solidFill>
@@ -10145,16 +10395,16 @@
                 <a:sym typeface="Calibri"/>
               </a:defRPr>
             </a:lvl5pPr>
-            <a:lvl6pPr lvl="5" marR="0" rtl="0" algn="l">
-              <a:spcBef>
-                <a:spcPts val="0"/>
-              </a:spcBef>
-              <a:spcAft>
-                <a:spcPts val="0"/>
-              </a:spcAft>
-              <a:buSzPts val="1400"/>
-              <a:buNone/>
-              <a:defRPr b="0" i="0" sz="1800" u="none" cap="none" strike="noStrike">
+            <a:lvl6pPr marR="0" lvl="5" algn="l" rtl="0">
+              <a:spcBef>
+                <a:spcPts val="0"/>
+              </a:spcBef>
+              <a:spcAft>
+                <a:spcPts val="0"/>
+              </a:spcAft>
+              <a:buSzPts val="1400"/>
+              <a:buNone/>
+              <a:defRPr sz="1800" b="0" i="0" u="none" strike="noStrike" cap="none">
                 <a:solidFill>
                   <a:schemeClr val="dk1"/>
                 </a:solidFill>
@@ -10164,16 +10414,16 @@
                 <a:sym typeface="Calibri"/>
               </a:defRPr>
             </a:lvl6pPr>
-            <a:lvl7pPr lvl="6" marR="0" rtl="0" algn="l">
-              <a:spcBef>
-                <a:spcPts val="0"/>
-              </a:spcBef>
-              <a:spcAft>
-                <a:spcPts val="0"/>
-              </a:spcAft>
-              <a:buSzPts val="1400"/>
-              <a:buNone/>
-              <a:defRPr b="0" i="0" sz="1800" u="none" cap="none" strike="noStrike">
+            <a:lvl7pPr marR="0" lvl="6" algn="l" rtl="0">
+              <a:spcBef>
+                <a:spcPts val="0"/>
+              </a:spcBef>
+              <a:spcAft>
+                <a:spcPts val="0"/>
+              </a:spcAft>
+              <a:buSzPts val="1400"/>
+              <a:buNone/>
+              <a:defRPr sz="1800" b="0" i="0" u="none" strike="noStrike" cap="none">
                 <a:solidFill>
                   <a:schemeClr val="dk1"/>
                 </a:solidFill>
@@ -10183,16 +10433,16 @@
                 <a:sym typeface="Calibri"/>
               </a:defRPr>
             </a:lvl7pPr>
-            <a:lvl8pPr lvl="7" marR="0" rtl="0" algn="l">
-              <a:spcBef>
-                <a:spcPts val="0"/>
-              </a:spcBef>
-              <a:spcAft>
-                <a:spcPts val="0"/>
-              </a:spcAft>
-              <a:buSzPts val="1400"/>
-              <a:buNone/>
-              <a:defRPr b="0" i="0" sz="1800" u="none" cap="none" strike="noStrike">
+            <a:lvl8pPr marR="0" lvl="7" algn="l" rtl="0">
+              <a:spcBef>
+                <a:spcPts val="0"/>
+              </a:spcBef>
+              <a:spcAft>
+                <a:spcPts val="0"/>
+              </a:spcAft>
+              <a:buSzPts val="1400"/>
+              <a:buNone/>
+              <a:defRPr sz="1800" b="0" i="0" u="none" strike="noStrike" cap="none">
                 <a:solidFill>
                   <a:schemeClr val="dk1"/>
                 </a:solidFill>
@@ -10202,16 +10452,16 @@
                 <a:sym typeface="Calibri"/>
               </a:defRPr>
             </a:lvl8pPr>
-            <a:lvl9pPr lvl="8" marR="0" rtl="0" algn="l">
-              <a:spcBef>
-                <a:spcPts val="0"/>
-              </a:spcBef>
-              <a:spcAft>
-                <a:spcPts val="0"/>
-              </a:spcAft>
-              <a:buSzPts val="1400"/>
-              <a:buNone/>
-              <a:defRPr b="0" i="0" sz="1800" u="none" cap="none" strike="noStrike">
+            <a:lvl9pPr marR="0" lvl="8" algn="l" rtl="0">
+              <a:spcBef>
+                <a:spcPts val="0"/>
+              </a:spcBef>
+              <a:spcAft>
+                <a:spcPts val="0"/>
+              </a:spcAft>
+              <a:buSzPts val="1400"/>
+              <a:buNone/>
+              <a:defRPr sz="1800" b="0" i="0" u="none" strike="noStrike" cap="none">
                 <a:solidFill>
                   <a:schemeClr val="dk1"/>
                 </a:solidFill>
@@ -10222,15 +10472,19 @@
               </a:defRPr>
             </a:lvl9pPr>
           </a:lstStyle>
-          <a:p/>
+          <a:p>
+            <a:endParaRPr/>
+          </a:p>
         </p:txBody>
       </p:sp>
       <p:sp>
         <p:nvSpPr>
           <p:cNvPr id="10" name="Google Shape;10;p2"/>
-          <p:cNvSpPr txBox="1"/>
+          <p:cNvSpPr txBox="1">
+            <a:spLocks noGrp="1"/>
+          </p:cNvSpPr>
           <p:nvPr>
-            <p:ph idx="12" type="sldNum"/>
+            <p:ph type="sldNum" idx="12"/>
           </p:nvPr>
         </p:nvSpPr>
         <p:spPr>
@@ -10247,16 +10501,16 @@
           </a:ln>
         </p:spPr>
         <p:txBody>
-          <a:bodyPr anchorCtr="0" anchor="ctr" bIns="45700" lIns="91425" spcFirstLastPara="1" rIns="91425" wrap="square" tIns="45700">
+          <a:bodyPr spcFirstLastPara="1" wrap="square" lIns="91425" tIns="45700" rIns="91425" bIns="45700" anchor="ctr" anchorCtr="0">
             <a:noAutofit/>
           </a:bodyPr>
           <a:lstStyle>
-            <a:lvl1pPr indent="0" lvl="0" marL="0" marR="0" rtl="0" algn="r">
-              <a:spcBef>
-                <a:spcPts val="0"/>
-              </a:spcBef>
-              <a:buNone/>
-              <a:defRPr b="0" i="0" sz="4320" u="none" cap="none" strike="noStrike">
+            <a:lvl1pPr marL="0" marR="0" lvl="0" indent="0" algn="r" rtl="0">
+              <a:spcBef>
+                <a:spcPts val="0"/>
+              </a:spcBef>
+              <a:buNone/>
+              <a:defRPr sz="4320" b="0" i="0" u="none" strike="noStrike" cap="none">
                 <a:solidFill>
                   <a:srgbClr val="888888"/>
                 </a:solidFill>
@@ -10266,12 +10520,12 @@
                 <a:sym typeface="Calibri"/>
               </a:defRPr>
             </a:lvl1pPr>
-            <a:lvl2pPr indent="0" lvl="1" marL="0" marR="0" rtl="0" algn="r">
-              <a:spcBef>
-                <a:spcPts val="0"/>
-              </a:spcBef>
-              <a:buNone/>
-              <a:defRPr b="0" i="0" sz="4320" u="none" cap="none" strike="noStrike">
+            <a:lvl2pPr marL="0" marR="0" lvl="1" indent="0" algn="r" rtl="0">
+              <a:spcBef>
+                <a:spcPts val="0"/>
+              </a:spcBef>
+              <a:buNone/>
+              <a:defRPr sz="4320" b="0" i="0" u="none" strike="noStrike" cap="none">
                 <a:solidFill>
                   <a:srgbClr val="888888"/>
                 </a:solidFill>
@@ -10281,12 +10535,12 @@
                 <a:sym typeface="Calibri"/>
               </a:defRPr>
             </a:lvl2pPr>
-            <a:lvl3pPr indent="0" lvl="2" marL="0" marR="0" rtl="0" algn="r">
-              <a:spcBef>
-                <a:spcPts val="0"/>
-              </a:spcBef>
-              <a:buNone/>
-              <a:defRPr b="0" i="0" sz="4320" u="none" cap="none" strike="noStrike">
+            <a:lvl3pPr marL="0" marR="0" lvl="2" indent="0" algn="r" rtl="0">
+              <a:spcBef>
+                <a:spcPts val="0"/>
+              </a:spcBef>
+              <a:buNone/>
+              <a:defRPr sz="4320" b="0" i="0" u="none" strike="noStrike" cap="none">
                 <a:solidFill>
                   <a:srgbClr val="888888"/>
                 </a:solidFill>
@@ -10296,12 +10550,12 @@
                 <a:sym typeface="Calibri"/>
               </a:defRPr>
             </a:lvl3pPr>
-            <a:lvl4pPr indent="0" lvl="3" marL="0" marR="0" rtl="0" algn="r">
-              <a:spcBef>
-                <a:spcPts val="0"/>
-              </a:spcBef>
-              <a:buNone/>
-              <a:defRPr b="0" i="0" sz="4320" u="none" cap="none" strike="noStrike">
+            <a:lvl4pPr marL="0" marR="0" lvl="3" indent="0" algn="r" rtl="0">
+              <a:spcBef>
+                <a:spcPts val="0"/>
+              </a:spcBef>
+              <a:buNone/>
+              <a:defRPr sz="4320" b="0" i="0" u="none" strike="noStrike" cap="none">
                 <a:solidFill>
                   <a:srgbClr val="888888"/>
                 </a:solidFill>
@@ -10311,12 +10565,12 @@
                 <a:sym typeface="Calibri"/>
               </a:defRPr>
             </a:lvl4pPr>
-            <a:lvl5pPr indent="0" lvl="4" marL="0" marR="0" rtl="0" algn="r">
-              <a:spcBef>
-                <a:spcPts val="0"/>
-              </a:spcBef>
-              <a:buNone/>
-              <a:defRPr b="0" i="0" sz="4320" u="none" cap="none" strike="noStrike">
+            <a:lvl5pPr marL="0" marR="0" lvl="4" indent="0" algn="r" rtl="0">
+              <a:spcBef>
+                <a:spcPts val="0"/>
+              </a:spcBef>
+              <a:buNone/>
+              <a:defRPr sz="4320" b="0" i="0" u="none" strike="noStrike" cap="none">
                 <a:solidFill>
                   <a:srgbClr val="888888"/>
                 </a:solidFill>
@@ -10326,12 +10580,12 @@
                 <a:sym typeface="Calibri"/>
               </a:defRPr>
             </a:lvl5pPr>
-            <a:lvl6pPr indent="0" lvl="5" marL="0" marR="0" rtl="0" algn="r">
-              <a:spcBef>
-                <a:spcPts val="0"/>
-              </a:spcBef>
-              <a:buNone/>
-              <a:defRPr b="0" i="0" sz="4320" u="none" cap="none" strike="noStrike">
+            <a:lvl6pPr marL="0" marR="0" lvl="5" indent="0" algn="r" rtl="0">
+              <a:spcBef>
+                <a:spcPts val="0"/>
+              </a:spcBef>
+              <a:buNone/>
+              <a:defRPr sz="4320" b="0" i="0" u="none" strike="noStrike" cap="none">
                 <a:solidFill>
                   <a:srgbClr val="888888"/>
                 </a:solidFill>
@@ -10341,12 +10595,12 @@
                 <a:sym typeface="Calibri"/>
               </a:defRPr>
             </a:lvl6pPr>
-            <a:lvl7pPr indent="0" lvl="6" marL="0" marR="0" rtl="0" algn="r">
-              <a:spcBef>
-                <a:spcPts val="0"/>
-              </a:spcBef>
-              <a:buNone/>
-              <a:defRPr b="0" i="0" sz="4320" u="none" cap="none" strike="noStrike">
+            <a:lvl7pPr marL="0" marR="0" lvl="6" indent="0" algn="r" rtl="0">
+              <a:spcBef>
+                <a:spcPts val="0"/>
+              </a:spcBef>
+              <a:buNone/>
+              <a:defRPr sz="4320" b="0" i="0" u="none" strike="noStrike" cap="none">
                 <a:solidFill>
                   <a:srgbClr val="888888"/>
                 </a:solidFill>
@@ -10356,12 +10610,12 @@
                 <a:sym typeface="Calibri"/>
               </a:defRPr>
             </a:lvl7pPr>
-            <a:lvl8pPr indent="0" lvl="7" marL="0" marR="0" rtl="0" algn="r">
-              <a:spcBef>
-                <a:spcPts val="0"/>
-              </a:spcBef>
-              <a:buNone/>
-              <a:defRPr b="0" i="0" sz="4320" u="none" cap="none" strike="noStrike">
+            <a:lvl8pPr marL="0" marR="0" lvl="7" indent="0" algn="r" rtl="0">
+              <a:spcBef>
+                <a:spcPts val="0"/>
+              </a:spcBef>
+              <a:buNone/>
+              <a:defRPr sz="4320" b="0" i="0" u="none" strike="noStrike" cap="none">
                 <a:solidFill>
                   <a:srgbClr val="888888"/>
                 </a:solidFill>
@@ -10371,12 +10625,12 @@
                 <a:sym typeface="Calibri"/>
               </a:defRPr>
             </a:lvl8pPr>
-            <a:lvl9pPr indent="0" lvl="8" marL="0" marR="0" rtl="0" algn="r">
-              <a:spcBef>
-                <a:spcPts val="0"/>
-              </a:spcBef>
-              <a:buNone/>
-              <a:defRPr b="0" i="0" sz="4320" u="none" cap="none" strike="noStrike">
+            <a:lvl9pPr marL="0" marR="0" lvl="8" indent="0" algn="r" rtl="0">
+              <a:spcBef>
+                <a:spcPts val="0"/>
+              </a:spcBef>
+              <a:buNone/>
+              <a:defRPr sz="4320" b="0" i="0" u="none" strike="noStrike" cap="none">
                 <a:solidFill>
                   <a:srgbClr val="888888"/>
                 </a:solidFill>
@@ -10388,7 +10642,7 @@
             </a:lvl9pPr>
           </a:lstStyle>
           <a:p>
-            <a:pPr indent="0" lvl="0" marL="0" rtl="0" algn="r">
+            <a:pPr marL="0" lvl="0" indent="0" algn="r" rtl="0">
               <a:spcBef>
                 <a:spcPts val="0"/>
               </a:spcBef>
@@ -10407,7 +10661,7 @@
       </p:sp>
     </p:spTree>
   </p:cSld>
-  <p:clrMap accent1="accent1" accent2="accent2" accent3="accent3" accent4="accent4" accent5="accent5" accent6="accent6" bg1="lt1" bg2="dk2" tx1="dk1" tx2="lt2" folHlink="folHlink" hlink="hlink"/>
+  <p:clrMap bg1="lt1" tx1="dk1" bg2="dk2" tx2="lt2" accent1="accent1" accent2="accent2" accent3="accent3" accent4="accent4" accent5="accent5" accent6="accent6" hlink="hlink" folHlink="folHlink"/>
   <p:sldLayoutIdLst>
     <p:sldLayoutId id="2147483649" r:id="rId1"/>
     <p:sldLayoutId id="2147483650" r:id="rId2"/>
@@ -10421,10 +10675,10 @@
     <p:sldLayoutId id="2147483658" r:id="rId10"/>
     <p:sldLayoutId id="2147483659" r:id="rId11"/>
   </p:sldLayoutIdLst>
-  <p:hf dt="0" ftr="0" hdr="0" sldNum="0"/>
+  <p:hf sldNum="0" hdr="0" ftr="0" dt="0"/>
   <p:txStyles>
     <p:titleStyle>
-      <a:defPPr lvl="0" marR="0" rtl="0" algn="l">
+      <a:defPPr marR="0" lvl="0" algn="l" rtl="0">
         <a:lnSpc>
           <a:spcPct val="100000"/>
         </a:lnSpc>
@@ -10435,7 +10689,7 @@
           <a:spcPts val="0"/>
         </a:spcAft>
       </a:defPPr>
-      <a:lvl1pPr lvl="0" marR="0" rtl="0" algn="l">
+      <a:lvl1pPr marR="0" lvl="0" algn="l" rtl="0">
         <a:lnSpc>
           <a:spcPct val="100000"/>
         </a:lnSpc>
@@ -10449,7 +10703,7 @@
           <a:srgbClr val="000000"/>
         </a:buClr>
         <a:buFont typeface="Arial"/>
-        <a:defRPr b="0" i="0" sz="1400" u="none" cap="none" strike="noStrike">
+        <a:defRPr sz="1400" b="0" i="0" u="none" strike="noStrike" cap="none">
           <a:solidFill>
             <a:srgbClr val="000000"/>
           </a:solidFill>
@@ -10459,7 +10713,7 @@
           <a:sym typeface="Arial"/>
         </a:defRPr>
       </a:lvl1pPr>
-      <a:lvl2pPr lvl="1" marR="0" rtl="0" algn="l">
+      <a:lvl2pPr marR="0" lvl="1" algn="l" rtl="0">
         <a:lnSpc>
           <a:spcPct val="100000"/>
         </a:lnSpc>
@@ -10473,7 +10727,7 @@
           <a:srgbClr val="000000"/>
         </a:buClr>
         <a:buFont typeface="Arial"/>
-        <a:defRPr b="0" i="0" sz="1400" u="none" cap="none" strike="noStrike">
+        <a:defRPr sz="1400" b="0" i="0" u="none" strike="noStrike" cap="none">
           <a:solidFill>
             <a:srgbClr val="000000"/>
           </a:solidFill>
@@ -10483,7 +10737,7 @@
           <a:sym typeface="Arial"/>
         </a:defRPr>
       </a:lvl2pPr>
-      <a:lvl3pPr lvl="2" marR="0" rtl="0" algn="l">
+      <a:lvl3pPr marR="0" lvl="2" algn="l" rtl="0">
         <a:lnSpc>
           <a:spcPct val="100000"/>
         </a:lnSpc>
@@ -10497,7 +10751,7 @@
           <a:srgbClr val="000000"/>
         </a:buClr>
         <a:buFont typeface="Arial"/>
-        <a:defRPr b="0" i="0" sz="1400" u="none" cap="none" strike="noStrike">
+        <a:defRPr sz="1400" b="0" i="0" u="none" strike="noStrike" cap="none">
           <a:solidFill>
             <a:srgbClr val="000000"/>
           </a:solidFill>
@@ -10507,7 +10761,7 @@
           <a:sym typeface="Arial"/>
         </a:defRPr>
       </a:lvl3pPr>
-      <a:lvl4pPr lvl="3" marR="0" rtl="0" algn="l">
+      <a:lvl4pPr marR="0" lvl="3" algn="l" rtl="0">
         <a:lnSpc>
           <a:spcPct val="100000"/>
         </a:lnSpc>
@@ -10521,7 +10775,7 @@
           <a:srgbClr val="000000"/>
         </a:buClr>
         <a:buFont typeface="Arial"/>
-        <a:defRPr b="0" i="0" sz="1400" u="none" cap="none" strike="noStrike">
+        <a:defRPr sz="1400" b="0" i="0" u="none" strike="noStrike" cap="none">
           <a:solidFill>
             <a:srgbClr val="000000"/>
           </a:solidFill>
@@ -10531,7 +10785,7 @@
           <a:sym typeface="Arial"/>
         </a:defRPr>
       </a:lvl4pPr>
-      <a:lvl5pPr lvl="4" marR="0" rtl="0" algn="l">
+      <a:lvl5pPr marR="0" lvl="4" algn="l" rtl="0">
         <a:lnSpc>
           <a:spcPct val="100000"/>
         </a:lnSpc>
@@ -10545,7 +10799,7 @@
           <a:srgbClr val="000000"/>
         </a:buClr>
         <a:buFont typeface="Arial"/>
-        <a:defRPr b="0" i="0" sz="1400" u="none" cap="none" strike="noStrike">
+        <a:defRPr sz="1400" b="0" i="0" u="none" strike="noStrike" cap="none">
           <a:solidFill>
             <a:srgbClr val="000000"/>
           </a:solidFill>
@@ -10555,7 +10809,7 @@
           <a:sym typeface="Arial"/>
         </a:defRPr>
       </a:lvl5pPr>
-      <a:lvl6pPr lvl="5" marR="0" rtl="0" algn="l">
+      <a:lvl6pPr marR="0" lvl="5" algn="l" rtl="0">
         <a:lnSpc>
           <a:spcPct val="100000"/>
         </a:lnSpc>
@@ -10569,7 +10823,7 @@
           <a:srgbClr val="000000"/>
         </a:buClr>
         <a:buFont typeface="Arial"/>
-        <a:defRPr b="0" i="0" sz="1400" u="none" cap="none" strike="noStrike">
+        <a:defRPr sz="1400" b="0" i="0" u="none" strike="noStrike" cap="none">
           <a:solidFill>
             <a:srgbClr val="000000"/>
           </a:solidFill>
@@ -10579,7 +10833,7 @@
           <a:sym typeface="Arial"/>
         </a:defRPr>
       </a:lvl6pPr>
-      <a:lvl7pPr lvl="6" marR="0" rtl="0" algn="l">
+      <a:lvl7pPr marR="0" lvl="6" algn="l" rtl="0">
         <a:lnSpc>
           <a:spcPct val="100000"/>
         </a:lnSpc>
@@ -10593,7 +10847,7 @@
           <a:srgbClr val="000000"/>
         </a:buClr>
         <a:buFont typeface="Arial"/>
-        <a:defRPr b="0" i="0" sz="1400" u="none" cap="none" strike="noStrike">
+        <a:defRPr sz="1400" b="0" i="0" u="none" strike="noStrike" cap="none">
           <a:solidFill>
             <a:srgbClr val="000000"/>
           </a:solidFill>
@@ -10603,7 +10857,7 @@
           <a:sym typeface="Arial"/>
         </a:defRPr>
       </a:lvl7pPr>
-      <a:lvl8pPr lvl="7" marR="0" rtl="0" algn="l">
+      <a:lvl8pPr marR="0" lvl="7" algn="l" rtl="0">
         <a:lnSpc>
           <a:spcPct val="100000"/>
         </a:lnSpc>
@@ -10617,7 +10871,7 @@
           <a:srgbClr val="000000"/>
         </a:buClr>
         <a:buFont typeface="Arial"/>
-        <a:defRPr b="0" i="0" sz="1400" u="none" cap="none" strike="noStrike">
+        <a:defRPr sz="1400" b="0" i="0" u="none" strike="noStrike" cap="none">
           <a:solidFill>
             <a:srgbClr val="000000"/>
           </a:solidFill>
@@ -10627,7 +10881,7 @@
           <a:sym typeface="Arial"/>
         </a:defRPr>
       </a:lvl8pPr>
-      <a:lvl9pPr lvl="8" marR="0" rtl="0" algn="l">
+      <a:lvl9pPr marR="0" lvl="8" algn="l" rtl="0">
         <a:lnSpc>
           <a:spcPct val="100000"/>
         </a:lnSpc>
@@ -10641,7 +10895,7 @@
           <a:srgbClr val="000000"/>
         </a:buClr>
         <a:buFont typeface="Arial"/>
-        <a:defRPr b="0" i="0" sz="1400" u="none" cap="none" strike="noStrike">
+        <a:defRPr sz="1400" b="0" i="0" u="none" strike="noStrike" cap="none">
           <a:solidFill>
             <a:srgbClr val="000000"/>
           </a:solidFill>
@@ -10653,7 +10907,7 @@
       </a:lvl9pPr>
     </p:titleStyle>
     <p:bodyStyle>
-      <a:defPPr lvl="0" marR="0" rtl="0" algn="l">
+      <a:defPPr marR="0" lvl="0" algn="l" rtl="0">
         <a:lnSpc>
           <a:spcPct val="100000"/>
         </a:lnSpc>
@@ -10664,7 +10918,7 @@
           <a:spcPts val="0"/>
         </a:spcAft>
       </a:defPPr>
-      <a:lvl1pPr lvl="0" marR="0" rtl="0" algn="l">
+      <a:lvl1pPr marR="0" lvl="0" algn="l" rtl="0">
         <a:lnSpc>
           <a:spcPct val="100000"/>
         </a:lnSpc>
@@ -10678,7 +10932,7 @@
           <a:srgbClr val="000000"/>
         </a:buClr>
         <a:buFont typeface="Arial"/>
-        <a:defRPr b="0" i="0" sz="1400" u="none" cap="none" strike="noStrike">
+        <a:defRPr sz="1400" b="0" i="0" u="none" strike="noStrike" cap="none">
           <a:solidFill>
             <a:srgbClr val="000000"/>
           </a:solidFill>
@@ -10688,7 +10942,7 @@
           <a:sym typeface="Arial"/>
         </a:defRPr>
       </a:lvl1pPr>
-      <a:lvl2pPr lvl="1" marR="0" rtl="0" algn="l">
+      <a:lvl2pPr marR="0" lvl="1" algn="l" rtl="0">
         <a:lnSpc>
           <a:spcPct val="100000"/>
         </a:lnSpc>
@@ -10702,7 +10956,7 @@
           <a:srgbClr val="000000"/>
         </a:buClr>
         <a:buFont typeface="Arial"/>
-        <a:defRPr b="0" i="0" sz="1400" u="none" cap="none" strike="noStrike">
+        <a:defRPr sz="1400" b="0" i="0" u="none" strike="noStrike" cap="none">
           <a:solidFill>
             <a:srgbClr val="000000"/>
           </a:solidFill>
@@ -10712,7 +10966,7 @@
           <a:sym typeface="Arial"/>
         </a:defRPr>
       </a:lvl2pPr>
-      <a:lvl3pPr lvl="2" marR="0" rtl="0" algn="l">
+      <a:lvl3pPr marR="0" lvl="2" algn="l" rtl="0">
         <a:lnSpc>
           <a:spcPct val="100000"/>
         </a:lnSpc>
@@ -10726,7 +10980,7 @@
           <a:srgbClr val="000000"/>
         </a:buClr>
         <a:buFont typeface="Arial"/>
-        <a:defRPr b="0" i="0" sz="1400" u="none" cap="none" strike="noStrike">
+        <a:defRPr sz="1400" b="0" i="0" u="none" strike="noStrike" cap="none">
           <a:solidFill>
             <a:srgbClr val="000000"/>
           </a:solidFill>
@@ -10736,7 +10990,7 @@
           <a:sym typeface="Arial"/>
         </a:defRPr>
       </a:lvl3pPr>
-      <a:lvl4pPr lvl="3" marR="0" rtl="0" algn="l">
+      <a:lvl4pPr marR="0" lvl="3" algn="l" rtl="0">
         <a:lnSpc>
           <a:spcPct val="100000"/>
         </a:lnSpc>
@@ -10750,7 +11004,7 @@
           <a:srgbClr val="000000"/>
         </a:buClr>
         <a:buFont typeface="Arial"/>
-        <a:defRPr b="0" i="0" sz="1400" u="none" cap="none" strike="noStrike">
+        <a:defRPr sz="1400" b="0" i="0" u="none" strike="noStrike" cap="none">
           <a:solidFill>
             <a:srgbClr val="000000"/>
           </a:solidFill>
@@ -10760,7 +11014,7 @@
           <a:sym typeface="Arial"/>
         </a:defRPr>
       </a:lvl4pPr>
-      <a:lvl5pPr lvl="4" marR="0" rtl="0" algn="l">
+      <a:lvl5pPr marR="0" lvl="4" algn="l" rtl="0">
         <a:lnSpc>
           <a:spcPct val="100000"/>
         </a:lnSpc>
@@ -10774,7 +11028,7 @@
           <a:srgbClr val="000000"/>
         </a:buClr>
         <a:buFont typeface="Arial"/>
-        <a:defRPr b="0" i="0" sz="1400" u="none" cap="none" strike="noStrike">
+        <a:defRPr sz="1400" b="0" i="0" u="none" strike="noStrike" cap="none">
           <a:solidFill>
             <a:srgbClr val="000000"/>
           </a:solidFill>
@@ -10784,7 +11038,7 @@
           <a:sym typeface="Arial"/>
         </a:defRPr>
       </a:lvl5pPr>
-      <a:lvl6pPr lvl="5" marR="0" rtl="0" algn="l">
+      <a:lvl6pPr marR="0" lvl="5" algn="l" rtl="0">
         <a:lnSpc>
           <a:spcPct val="100000"/>
         </a:lnSpc>
@@ -10798,7 +11052,7 @@
           <a:srgbClr val="000000"/>
         </a:buClr>
         <a:buFont typeface="Arial"/>
-        <a:defRPr b="0" i="0" sz="1400" u="none" cap="none" strike="noStrike">
+        <a:defRPr sz="1400" b="0" i="0" u="none" strike="noStrike" cap="none">
           <a:solidFill>
             <a:srgbClr val="000000"/>
           </a:solidFill>
@@ -10808,7 +11062,7 @@
           <a:sym typeface="Arial"/>
         </a:defRPr>
       </a:lvl6pPr>
-      <a:lvl7pPr lvl="6" marR="0" rtl="0" algn="l">
+      <a:lvl7pPr marR="0" lvl="6" algn="l" rtl="0">
         <a:lnSpc>
           <a:spcPct val="100000"/>
         </a:lnSpc>
@@ -10822,7 +11076,7 @@
           <a:srgbClr val="000000"/>
         </a:buClr>
         <a:buFont typeface="Arial"/>
-        <a:defRPr b="0" i="0" sz="1400" u="none" cap="none" strike="noStrike">
+        <a:defRPr sz="1400" b="0" i="0" u="none" strike="noStrike" cap="none">
           <a:solidFill>
             <a:srgbClr val="000000"/>
           </a:solidFill>
@@ -10832,7 +11086,7 @@
           <a:sym typeface="Arial"/>
         </a:defRPr>
       </a:lvl7pPr>
-      <a:lvl8pPr lvl="7" marR="0" rtl="0" algn="l">
+      <a:lvl8pPr marR="0" lvl="7" algn="l" rtl="0">
         <a:lnSpc>
           <a:spcPct val="100000"/>
         </a:lnSpc>
@@ -10846,7 +11100,7 @@
           <a:srgbClr val="000000"/>
         </a:buClr>
         <a:buFont typeface="Arial"/>
-        <a:defRPr b="0" i="0" sz="1400" u="none" cap="none" strike="noStrike">
+        <a:defRPr sz="1400" b="0" i="0" u="none" strike="noStrike" cap="none">
           <a:solidFill>
             <a:srgbClr val="000000"/>
           </a:solidFill>
@@ -10856,7 +11110,7 @@
           <a:sym typeface="Arial"/>
         </a:defRPr>
       </a:lvl8pPr>
-      <a:lvl9pPr lvl="8" marR="0" rtl="0" algn="l">
+      <a:lvl9pPr marR="0" lvl="8" algn="l" rtl="0">
         <a:lnSpc>
           <a:spcPct val="100000"/>
         </a:lnSpc>
@@ -10870,7 +11124,7 @@
           <a:srgbClr val="000000"/>
         </a:buClr>
         <a:buFont typeface="Arial"/>
-        <a:defRPr b="0" i="0" sz="1400" u="none" cap="none" strike="noStrike">
+        <a:defRPr sz="1400" b="0" i="0" u="none" strike="noStrike" cap="none">
           <a:solidFill>
             <a:srgbClr val="000000"/>
           </a:solidFill>
@@ -10882,7 +11136,7 @@
       </a:lvl9pPr>
     </p:bodyStyle>
     <p:otherStyle>
-      <a:defPPr lvl="0" marR="0" rtl="0" algn="l">
+      <a:defPPr marR="0" lvl="0" algn="l" rtl="0">
         <a:lnSpc>
           <a:spcPct val="100000"/>
         </a:lnSpc>
@@ -10893,7 +11147,7 @@
           <a:spcPts val="0"/>
         </a:spcAft>
       </a:defPPr>
-      <a:lvl1pPr lvl="0" marR="0" rtl="0" algn="l">
+      <a:lvl1pPr marR="0" lvl="0" algn="l" rtl="0">
         <a:lnSpc>
           <a:spcPct val="100000"/>
         </a:lnSpc>
@@ -10907,7 +11161,7 @@
           <a:srgbClr val="000000"/>
         </a:buClr>
         <a:buFont typeface="Arial"/>
-        <a:defRPr b="0" i="0" sz="1400" u="none" cap="none" strike="noStrike">
+        <a:defRPr sz="1400" b="0" i="0" u="none" strike="noStrike" cap="none">
           <a:solidFill>
             <a:srgbClr val="000000"/>
           </a:solidFill>
@@ -10917,7 +11171,7 @@
           <a:sym typeface="Arial"/>
         </a:defRPr>
       </a:lvl1pPr>
-      <a:lvl2pPr lvl="1" marR="0" rtl="0" algn="l">
+      <a:lvl2pPr marR="0" lvl="1" algn="l" rtl="0">
         <a:lnSpc>
           <a:spcPct val="100000"/>
         </a:lnSpc>
@@ -10931,7 +11185,7 @@
           <a:srgbClr val="000000"/>
         </a:buClr>
         <a:buFont typeface="Arial"/>
-        <a:defRPr b="0" i="0" sz="1400" u="none" cap="none" strike="noStrike">
+        <a:defRPr sz="1400" b="0" i="0" u="none" strike="noStrike" cap="none">
           <a:solidFill>
             <a:srgbClr val="000000"/>
           </a:solidFill>
@@ -10941,7 +11195,7 @@
           <a:sym typeface="Arial"/>
         </a:defRPr>
       </a:lvl2pPr>
-      <a:lvl3pPr lvl="2" marR="0" rtl="0" algn="l">
+      <a:lvl3pPr marR="0" lvl="2" algn="l" rtl="0">
         <a:lnSpc>
           <a:spcPct val="100000"/>
         </a:lnSpc>
@@ -10955,7 +11209,7 @@
           <a:srgbClr val="000000"/>
         </a:buClr>
         <a:buFont typeface="Arial"/>
-        <a:defRPr b="0" i="0" sz="1400" u="none" cap="none" strike="noStrike">
+        <a:defRPr sz="1400" b="0" i="0" u="none" strike="noStrike" cap="none">
           <a:solidFill>
             <a:srgbClr val="000000"/>
           </a:solidFill>
@@ -10965,7 +11219,7 @@
           <a:sym typeface="Arial"/>
         </a:defRPr>
       </a:lvl3pPr>
-      <a:lvl4pPr lvl="3" marR="0" rtl="0" algn="l">
+      <a:lvl4pPr marR="0" lvl="3" algn="l" rtl="0">
         <a:lnSpc>
           <a:spcPct val="100000"/>
         </a:lnSpc>
@@ -10979,7 +11233,7 @@
           <a:srgbClr val="000000"/>
         </a:buClr>
         <a:buFont typeface="Arial"/>
-        <a:defRPr b="0" i="0" sz="1400" u="none" cap="none" strike="noStrike">
+        <a:defRPr sz="1400" b="0" i="0" u="none" strike="noStrike" cap="none">
           <a:solidFill>
             <a:srgbClr val="000000"/>
           </a:solidFill>
@@ -10989,7 +11243,7 @@
           <a:sym typeface="Arial"/>
         </a:defRPr>
       </a:lvl4pPr>
-      <a:lvl5pPr lvl="4" marR="0" rtl="0" algn="l">
+      <a:lvl5pPr marR="0" lvl="4" algn="l" rtl="0">
         <a:lnSpc>
           <a:spcPct val="100000"/>
         </a:lnSpc>
@@ -11003,7 +11257,7 @@
           <a:srgbClr val="000000"/>
         </a:buClr>
         <a:buFont typeface="Arial"/>
-        <a:defRPr b="0" i="0" sz="1400" u="none" cap="none" strike="noStrike">
+        <a:defRPr sz="1400" b="0" i="0" u="none" strike="noStrike" cap="none">
           <a:solidFill>
             <a:srgbClr val="000000"/>
           </a:solidFill>
@@ -11013,7 +11267,7 @@
           <a:sym typeface="Arial"/>
         </a:defRPr>
       </a:lvl5pPr>
-      <a:lvl6pPr lvl="5" marR="0" rtl="0" algn="l">
+      <a:lvl6pPr marR="0" lvl="5" algn="l" rtl="0">
         <a:lnSpc>
           <a:spcPct val="100000"/>
         </a:lnSpc>
@@ -11027,7 +11281,7 @@
           <a:srgbClr val="000000"/>
         </a:buClr>
         <a:buFont typeface="Arial"/>
-        <a:defRPr b="0" i="0" sz="1400" u="none" cap="none" strike="noStrike">
+        <a:defRPr sz="1400" b="0" i="0" u="none" strike="noStrike" cap="none">
           <a:solidFill>
             <a:srgbClr val="000000"/>
           </a:solidFill>
@@ -11037,7 +11291,7 @@
           <a:sym typeface="Arial"/>
         </a:defRPr>
       </a:lvl6pPr>
-      <a:lvl7pPr lvl="6" marR="0" rtl="0" algn="l">
+      <a:lvl7pPr marR="0" lvl="6" algn="l" rtl="0">
         <a:lnSpc>
           <a:spcPct val="100000"/>
         </a:lnSpc>
@@ -11051,7 +11305,7 @@
           <a:srgbClr val="000000"/>
         </a:buClr>
         <a:buFont typeface="Arial"/>
-        <a:defRPr b="0" i="0" sz="1400" u="none" cap="none" strike="noStrike">
+        <a:defRPr sz="1400" b="0" i="0" u="none" strike="noStrike" cap="none">
           <a:solidFill>
             <a:srgbClr val="000000"/>
           </a:solidFill>
@@ -11061,7 +11315,7 @@
           <a:sym typeface="Arial"/>
         </a:defRPr>
       </a:lvl7pPr>
-      <a:lvl8pPr lvl="7" marR="0" rtl="0" algn="l">
+      <a:lvl8pPr marR="0" lvl="7" algn="l" rtl="0">
         <a:lnSpc>
           <a:spcPct val="100000"/>
         </a:lnSpc>
@@ -11075,7 +11329,7 @@
           <a:srgbClr val="000000"/>
         </a:buClr>
         <a:buFont typeface="Arial"/>
-        <a:defRPr b="0" i="0" sz="1400" u="none" cap="none" strike="noStrike">
+        <a:defRPr sz="1400" b="0" i="0" u="none" strike="noStrike" cap="none">
           <a:solidFill>
             <a:srgbClr val="000000"/>
           </a:solidFill>
@@ -11085,7 +11339,7 @@
           <a:sym typeface="Arial"/>
         </a:defRPr>
       </a:lvl8pPr>
-      <a:lvl9pPr lvl="8" marR="0" rtl="0" algn="l">
+      <a:lvl9pPr marR="0" lvl="8" algn="l" rtl="0">
         <a:lnSpc>
           <a:spcPct val="100000"/>
         </a:lnSpc>
@@ -11099,7 +11353,7 @@
           <a:srgbClr val="000000"/>
         </a:buClr>
         <a:buFont typeface="Arial"/>
-        <a:defRPr b="0" i="0" sz="1400" u="none" cap="none" strike="noStrike">
+        <a:defRPr sz="1400" b="0" i="0" u="none" strike="noStrike" cap="none">
           <a:solidFill>
             <a:srgbClr val="000000"/>
           </a:solidFill>
@@ -11115,11 +11369,11 @@
 </file>
 
 <file path=ppt/slides/slide1.xml><?xml version="1.0" encoding="utf-8"?>
-<p:sld xmlns:a="http://schemas.openxmlformats.org/drawingml/2006/main" xmlns:r="http://schemas.openxmlformats.org/officeDocument/2006/relationships" xmlns:mc="http://schemas.openxmlformats.org/markup-compatibility/2006" xmlns:mv="urn:schemas-microsoft-com:mac:vml" xmlns:p="http://schemas.openxmlformats.org/presentationml/2006/main" xmlns:c="http://schemas.openxmlformats.org/drawingml/2006/chart" xmlns:dgm="http://schemas.openxmlformats.org/drawingml/2006/diagram" xmlns:o="urn:schemas-microsoft-com:office:office" xmlns:v="urn:schemas-microsoft-com:vml" xmlns:pvml="urn:schemas-microsoft-com:office:powerpoint" xmlns:com="http://schemas.openxmlformats.org/drawingml/2006/compatibility" xmlns:p14="http://schemas.microsoft.com/office/powerpoint/2010/main" xmlns:p15="http://schemas.microsoft.com/office/powerpoint/2012/main">
+<p:sld xmlns:a="http://schemas.openxmlformats.org/drawingml/2006/main" xmlns:r="http://schemas.openxmlformats.org/officeDocument/2006/relationships" xmlns:p="http://schemas.openxmlformats.org/presentationml/2006/main">
   <p:cSld>
     <p:spTree>
       <p:nvGrpSpPr>
-        <p:cNvPr id="83" name="Shape 83"/>
+        <p:cNvPr id="1" name="Shape 83"/>
         <p:cNvGrpSpPr/>
         <p:nvPr/>
       </p:nvGrpSpPr>
@@ -11133,7 +11387,7 @@
       </p:grpSpPr>
       <p:pic>
         <p:nvPicPr>
-          <p:cNvPr descr="A close up of a map&#10;&#10;Description automatically generated" id="84" name="Google Shape;84;p1"/>
+          <p:cNvPr id="84" name="Google Shape;84;p1" descr="A close up of a map&#10;&#10;Description automatically generated"/>
           <p:cNvPicPr preferRelativeResize="0"/>
           <p:nvPr/>
         </p:nvPicPr>
@@ -11141,7 +11395,7 @@
           <a:blip r:embed="rId3">
             <a:alphaModFix/>
           </a:blip>
-          <a:srcRect b="0" l="0" r="0" t="0"/>
+          <a:srcRect/>
           <a:stretch/>
         </p:blipFill>
         <p:spPr>
@@ -11160,7 +11414,7 @@
       </p:pic>
       <p:pic>
         <p:nvPicPr>
-          <p:cNvPr descr="A close up of text on a white background&#10;&#10;Description automatically generated" id="85" name="Google Shape;85;p1"/>
+          <p:cNvPr id="85" name="Google Shape;85;p1" descr="A close up of text on a white background&#10;&#10;Description automatically generated"/>
           <p:cNvPicPr preferRelativeResize="0"/>
           <p:nvPr/>
         </p:nvPicPr>
@@ -11168,7 +11422,7 @@
           <a:blip r:embed="rId4">
             <a:alphaModFix/>
           </a:blip>
-          <a:srcRect b="0" l="0" r="0" t="0"/>
+          <a:srcRect/>
           <a:stretch/>
         </p:blipFill>
         <p:spPr>
@@ -11187,7 +11441,7 @@
       </p:pic>
       <p:pic>
         <p:nvPicPr>
-          <p:cNvPr descr="A screenshot of a cell phone&#10;&#10;Description automatically generated" id="86" name="Google Shape;86;p1"/>
+          <p:cNvPr id="86" name="Google Shape;86;p1" descr="A screenshot of a cell phone&#10;&#10;Description automatically generated"/>
           <p:cNvPicPr preferRelativeResize="0"/>
           <p:nvPr/>
         </p:nvPicPr>
@@ -11195,13 +11449,13 @@
           <a:blip r:embed="rId5">
             <a:alphaModFix/>
           </a:blip>
-          <a:srcRect b="0" l="0" r="0" t="0"/>
+          <a:srcRect/>
           <a:stretch/>
         </p:blipFill>
         <p:spPr>
           <a:xfrm>
-            <a:off x="28153359" y="28761809"/>
-            <a:ext cx="4795520" cy="8414780"/>
+            <a:off x="19381218" y="30976133"/>
+            <a:ext cx="5300533" cy="8414780"/>
           </a:xfrm>
           <a:prstGeom prst="rect">
             <a:avLst/>
@@ -11220,7 +11474,7 @@
         </p:nvSpPr>
         <p:spPr>
           <a:xfrm>
-            <a:off x="8328422" y="33251"/>
+            <a:off x="8334588" y="195944"/>
             <a:ext cx="15989538" cy="5882466"/>
           </a:xfrm>
           <a:prstGeom prst="rect">
@@ -11229,23 +11483,23 @@
           <a:solidFill>
             <a:srgbClr val="003A54"/>
           </a:solidFill>
-          <a:ln cap="flat" cmpd="sng" w="12700">
+          <a:ln w="12700" cap="flat" cmpd="sng">
             <a:solidFill>
               <a:srgbClr val="31538F"/>
             </a:solidFill>
             <a:prstDash val="solid"/>
             <a:miter lim="800000"/>
-            <a:headEnd len="sm" w="sm" type="none"/>
-            <a:tailEnd len="sm" w="sm" type="none"/>
+            <a:headEnd type="none" w="sm" len="sm"/>
+            <a:tailEnd type="none" w="sm" len="sm"/>
           </a:ln>
         </p:spPr>
         <p:txBody>
-          <a:bodyPr anchorCtr="0" anchor="ctr" bIns="45700" lIns="91425" spcFirstLastPara="1" rIns="91425" wrap="square" tIns="45700">
+          <a:bodyPr spcFirstLastPara="1" wrap="square" lIns="91425" tIns="45700" rIns="91425" bIns="45700" anchor="ctr" anchorCtr="0">
             <a:noAutofit/>
           </a:bodyPr>
           <a:lstStyle/>
           <a:p>
-            <a:pPr indent="0" lvl="0" marL="0" marR="0" rtl="0" algn="ctr">
+            <a:pPr marL="0" marR="0" lvl="0" indent="0" algn="ctr" rtl="0">
               <a:spcBef>
                 <a:spcPts val="0"/>
               </a:spcBef>
@@ -11254,10 +11508,7 @@
               </a:spcAft>
               <a:buNone/>
             </a:pPr>
-            <a:r>
-              <a:t/>
-            </a:r>
-            <a:endParaRPr b="0" i="0" sz="1800" u="none" cap="none" strike="noStrike">
+            <a:endParaRPr sz="1800" b="0" i="0" u="none" strike="noStrike" cap="none">
               <a:solidFill>
                 <a:schemeClr val="lt1"/>
               </a:solidFill>
@@ -11289,12 +11540,12 @@
           </a:ln>
         </p:spPr>
         <p:txBody>
-          <a:bodyPr anchorCtr="0" anchor="t" bIns="45700" lIns="91425" spcFirstLastPara="1" rIns="91425" wrap="square" tIns="45700">
+          <a:bodyPr spcFirstLastPara="1" wrap="square" lIns="91425" tIns="45700" rIns="91425" bIns="45700" anchor="t" anchorCtr="0">
             <a:spAutoFit/>
           </a:bodyPr>
           <a:lstStyle/>
           <a:p>
-            <a:pPr indent="0" lvl="0" marL="0" marR="0" rtl="0" algn="ctr">
+            <a:pPr marL="0" marR="0" lvl="0" indent="0" algn="ctr" rtl="0">
               <a:spcBef>
                 <a:spcPts val="0"/>
               </a:spcBef>
@@ -11304,7 +11555,7 @@
               <a:buNone/>
             </a:pPr>
             <a:r>
-              <a:rPr b="0" i="0" lang="en-US" sz="7200" u="none" cap="none" strike="noStrike">
+              <a:rPr lang="en-US" sz="7200" b="0" i="0" u="none" strike="noStrike" cap="none">
                 <a:solidFill>
                   <a:srgbClr val="AAF0D1"/>
                 </a:solidFill>
@@ -11327,7 +11578,7 @@
         </p:nvSpPr>
         <p:spPr>
           <a:xfrm>
-            <a:off x="11940644" y="1541847"/>
+            <a:off x="11941630" y="2239673"/>
             <a:ext cx="8397032" cy="1107996"/>
           </a:xfrm>
           <a:prstGeom prst="rect">
@@ -11339,12 +11590,12 @@
           </a:ln>
         </p:spPr>
         <p:txBody>
-          <a:bodyPr anchorCtr="0" anchor="t" bIns="45700" lIns="91425" spcFirstLastPara="1" rIns="91425" wrap="square" tIns="45700">
+          <a:bodyPr spcFirstLastPara="1" wrap="square" lIns="91425" tIns="45700" rIns="91425" bIns="45700" anchor="t" anchorCtr="0">
             <a:spAutoFit/>
           </a:bodyPr>
           <a:lstStyle/>
           <a:p>
-            <a:pPr indent="0" lvl="0" marL="0" marR="0" rtl="0" algn="ctr">
+            <a:pPr marL="0" marR="0" lvl="0" indent="0" algn="ctr" rtl="0">
               <a:spcBef>
                 <a:spcPts val="0"/>
               </a:spcBef>
@@ -11354,7 +11605,7 @@
               <a:buNone/>
             </a:pPr>
             <a:r>
-              <a:rPr b="0" i="0" lang="en-US" sz="6600" u="none" cap="none" strike="noStrike">
+              <a:rPr lang="en-US" sz="6600" b="0" i="0" u="none" strike="noStrike" cap="none" dirty="0">
                 <a:solidFill>
                   <a:srgbClr val="AAF0D1"/>
                 </a:solidFill>
@@ -11365,7 +11616,7 @@
               </a:rPr>
               <a:t>COM S 309 Spring 2020</a:t>
             </a:r>
-            <a:endParaRPr/>
+            <a:endParaRPr dirty="0"/>
           </a:p>
         </p:txBody>
       </p:sp>
@@ -11389,12 +11640,12 @@
           </a:ln>
         </p:spPr>
         <p:txBody>
-          <a:bodyPr anchorCtr="0" anchor="t" bIns="45700" lIns="91425" spcFirstLastPara="1" rIns="91425" wrap="square" tIns="45700">
+          <a:bodyPr spcFirstLastPara="1" wrap="square" lIns="91425" tIns="45700" rIns="91425" bIns="45700" anchor="t" anchorCtr="0">
             <a:spAutoFit/>
           </a:bodyPr>
           <a:lstStyle/>
           <a:p>
-            <a:pPr indent="0" lvl="0" marL="0" marR="0" rtl="0" algn="ctr">
+            <a:pPr marL="0" marR="0" lvl="0" indent="0" algn="ctr" rtl="0">
               <a:spcBef>
                 <a:spcPts val="0"/>
               </a:spcBef>
@@ -11404,7 +11655,7 @@
               <a:buNone/>
             </a:pPr>
             <a:r>
-              <a:rPr b="1" i="0" lang="en-US" sz="4800" u="none" cap="none" strike="noStrike">
+              <a:rPr lang="en-US" sz="4800" b="1" i="0" u="none" strike="noStrike" cap="none">
                 <a:solidFill>
                   <a:srgbClr val="AAF0D1"/>
                 </a:solidFill>
@@ -11416,7 +11667,7 @@
               <a:t> </a:t>
             </a:r>
             <a:r>
-              <a:rPr b="0" i="0" lang="en-US" sz="4800" u="none" cap="none" strike="noStrike">
+              <a:rPr lang="en-US" sz="4800" b="0" i="0" u="none" strike="noStrike" cap="none">
                 <a:solidFill>
                   <a:srgbClr val="AAF0D1"/>
                 </a:solidFill>
@@ -11428,7 +11679,7 @@
               <a:t>Back End</a:t>
             </a:r>
             <a:br>
-              <a:rPr b="0" i="0" lang="en-US" sz="4800" u="none" cap="none" strike="noStrike">
+              <a:rPr lang="en-US" sz="4800" b="0" i="0" u="none" strike="noStrike" cap="none">
                 <a:solidFill>
                   <a:srgbClr val="AAF0D1"/>
                 </a:solidFill>
@@ -11439,7 +11690,7 @@
               </a:rPr>
             </a:br>
             <a:r>
-              <a:rPr b="0" i="0" lang="en-US" sz="4800" u="none" cap="none" strike="noStrike">
+              <a:rPr lang="en-US" sz="4800" b="0" i="0" u="none" strike="noStrike" cap="none">
                 <a:solidFill>
                   <a:srgbClr val="AAF0D1"/>
                 </a:solidFill>
@@ -11451,7 +11702,7 @@
               <a:t>Kenyon Thomas</a:t>
             </a:r>
             <a:br>
-              <a:rPr b="0" i="0" lang="en-US" sz="4800" u="none" cap="none" strike="noStrike">
+              <a:rPr lang="en-US" sz="4800" b="0" i="0" u="none" strike="noStrike" cap="none">
                 <a:solidFill>
                   <a:srgbClr val="AAF0D1"/>
                 </a:solidFill>
@@ -11462,7 +11713,7 @@
               </a:rPr>
             </a:br>
             <a:r>
-              <a:rPr b="0" i="0" lang="en-US" sz="4800" u="none" cap="none" strike="noStrike">
+              <a:rPr lang="en-US" sz="4800" b="0" i="0" u="none" strike="noStrike" cap="none">
                 <a:solidFill>
                   <a:srgbClr val="AAF0D1"/>
                 </a:solidFill>
@@ -11473,7 +11724,7 @@
               </a:rPr>
               <a:t> Mohit Saroye </a:t>
             </a:r>
-            <a:endParaRPr b="0" i="0" sz="4800" u="none" cap="none" strike="noStrike">
+            <a:endParaRPr sz="4800" b="0" i="0" u="none" strike="noStrike" cap="none">
               <a:solidFill>
                 <a:srgbClr val="AAF0D1"/>
               </a:solidFill>
@@ -11505,12 +11756,12 @@
           </a:ln>
         </p:spPr>
         <p:txBody>
-          <a:bodyPr anchorCtr="0" anchor="t" bIns="45700" lIns="91425" spcFirstLastPara="1" rIns="91425" wrap="square" tIns="45700">
+          <a:bodyPr spcFirstLastPara="1" wrap="square" lIns="91425" tIns="45700" rIns="91425" bIns="45700" anchor="t" anchorCtr="0">
             <a:spAutoFit/>
           </a:bodyPr>
           <a:lstStyle/>
           <a:p>
-            <a:pPr indent="0" lvl="0" marL="0" marR="0" rtl="0" algn="ctr">
+            <a:pPr marL="0" marR="0" lvl="0" indent="0" algn="ctr" rtl="0">
               <a:spcBef>
                 <a:spcPts val="0"/>
               </a:spcBef>
@@ -11520,7 +11771,7 @@
               <a:buNone/>
             </a:pPr>
             <a:r>
-              <a:rPr b="0" i="0" lang="en-US" sz="4800" u="none" cap="none" strike="noStrike">
+              <a:rPr lang="en-US" sz="4800" b="0" i="0" u="none" strike="noStrike" cap="none">
                 <a:solidFill>
                   <a:srgbClr val="AAF0D1"/>
                 </a:solidFill>
@@ -11532,7 +11783,7 @@
               <a:t>Front End </a:t>
             </a:r>
             <a:br>
-              <a:rPr b="0" i="0" lang="en-US" sz="4800" u="none" cap="none" strike="noStrike">
+              <a:rPr lang="en-US" sz="4800" b="0" i="0" u="none" strike="noStrike" cap="none">
                 <a:solidFill>
                   <a:srgbClr val="AAF0D1"/>
                 </a:solidFill>
@@ -11543,7 +11794,7 @@
               </a:rPr>
             </a:br>
             <a:r>
-              <a:rPr b="0" i="0" lang="en-US" sz="4800" u="none" cap="none" strike="noStrike">
+              <a:rPr lang="en-US" sz="4800" b="0" i="0" u="none" strike="noStrike" cap="none">
                 <a:solidFill>
                   <a:srgbClr val="AAF0D1"/>
                 </a:solidFill>
@@ -11555,7 +11806,7 @@
               <a:t>Ismael Duran </a:t>
             </a:r>
             <a:br>
-              <a:rPr b="0" i="0" lang="en-US" sz="4800" u="none" cap="none" strike="noStrike">
+              <a:rPr lang="en-US" sz="4800" b="0" i="0" u="none" strike="noStrike" cap="none">
                 <a:solidFill>
                   <a:srgbClr val="AAF0D1"/>
                 </a:solidFill>
@@ -11566,7 +11817,7 @@
               </a:rPr>
             </a:br>
             <a:r>
-              <a:rPr b="0" i="0" lang="en-US" sz="4800" u="none" cap="none" strike="noStrike">
+              <a:rPr lang="en-US" sz="4800" b="0" i="0" u="none" strike="noStrike" cap="none">
                 <a:solidFill>
                   <a:srgbClr val="AAF0D1"/>
                 </a:solidFill>
@@ -11577,7 +11828,7 @@
               </a:rPr>
               <a:t>Cody Federicks</a:t>
             </a:r>
-            <a:endParaRPr b="0" i="0" sz="4800" u="none" cap="none" strike="noStrike">
+            <a:endParaRPr sz="4800" b="0" i="0" u="none" strike="noStrike" cap="none">
               <a:solidFill>
                 <a:srgbClr val="AAF0D1"/>
               </a:solidFill>
@@ -11591,7 +11842,7 @@
       </p:sp>
       <p:pic>
         <p:nvPicPr>
-          <p:cNvPr descr="A picture containing drawing&#10;&#10;Description automatically generated" id="92" name="Google Shape;92;p1"/>
+          <p:cNvPr id="92" name="Google Shape;92;p1" descr="A picture containing drawing&#10;&#10;Description automatically generated"/>
           <p:cNvPicPr preferRelativeResize="0"/>
           <p:nvPr/>
         </p:nvPicPr>
@@ -11599,7 +11850,7 @@
           <a:blip r:embed="rId6">
             <a:alphaModFix/>
           </a:blip>
-          <a:srcRect b="0" l="0" r="0" t="0"/>
+          <a:srcRect/>
           <a:stretch/>
         </p:blipFill>
         <p:spPr>
@@ -11618,7 +11869,7 @@
       </p:pic>
       <p:pic>
         <p:nvPicPr>
-          <p:cNvPr descr="A picture containing drawing&#10;&#10;Description automatically generated" id="93" name="Google Shape;93;p1"/>
+          <p:cNvPr id="93" name="Google Shape;93;p1" descr="A picture containing drawing&#10;&#10;Description automatically generated"/>
           <p:cNvPicPr preferRelativeResize="0"/>
           <p:nvPr/>
         </p:nvPicPr>
@@ -11626,40 +11877,13 @@
           <a:blip r:embed="rId6">
             <a:alphaModFix/>
           </a:blip>
-          <a:srcRect b="0" l="0" r="0" t="0"/>
+          <a:srcRect/>
           <a:stretch/>
         </p:blipFill>
         <p:spPr>
           <a:xfrm>
             <a:off x="21066759" y="33251"/>
             <a:ext cx="2090524" cy="2697452"/>
-          </a:xfrm>
-          <a:prstGeom prst="rect">
-            <a:avLst/>
-          </a:prstGeom>
-          <a:noFill/>
-          <a:ln>
-            <a:noFill/>
-          </a:ln>
-        </p:spPr>
-      </p:pic>
-      <p:pic>
-        <p:nvPicPr>
-          <p:cNvPr descr="A group of people standing in a room&#10;&#10;Description automatically generated" id="94" name="Google Shape;94;p1"/>
-          <p:cNvPicPr preferRelativeResize="0"/>
-          <p:nvPr/>
-        </p:nvPicPr>
-        <p:blipFill rotWithShape="1">
-          <a:blip r:embed="rId7">
-            <a:alphaModFix/>
-          </a:blip>
-          <a:srcRect b="0" l="0" r="0" t="0"/>
-          <a:stretch/>
-        </p:blipFill>
-        <p:spPr>
-          <a:xfrm>
-            <a:off x="18892313" y="5915717"/>
-            <a:ext cx="14056569" cy="10542426"/>
           </a:xfrm>
           <a:prstGeom prst="rect">
             <a:avLst/>
@@ -11689,7 +11913,7 @@
             <a:noFill/>
           </a:ln>
           <a:effectLst>
-            <a:outerShdw blurRad="57150" rotWithShape="0" algn="bl" dir="5400000" dist="19050">
+            <a:outerShdw blurRad="57150" dist="19050" dir="5400000" algn="bl" rotWithShape="0">
               <a:srgbClr val="000000">
                 <a:alpha val="50000"/>
               </a:srgbClr>
@@ -11697,12 +11921,12 @@
           </a:effectLst>
         </p:spPr>
         <p:txBody>
-          <a:bodyPr anchorCtr="0" anchor="t" bIns="45700" lIns="91425" spcFirstLastPara="1" rIns="91425" wrap="square" tIns="45700">
+          <a:bodyPr spcFirstLastPara="1" wrap="square" lIns="91425" tIns="45700" rIns="91425" bIns="45700" anchor="t" anchorCtr="0">
             <a:spAutoFit/>
           </a:bodyPr>
           <a:lstStyle/>
           <a:p>
-            <a:pPr indent="0" lvl="0" marL="0" marR="0" rtl="0" algn="l">
+            <a:pPr marL="0" marR="0" lvl="0" indent="0" algn="l" rtl="0">
               <a:spcBef>
                 <a:spcPts val="0"/>
               </a:spcBef>
@@ -11712,7 +11936,7 @@
               <a:buNone/>
             </a:pPr>
             <a:r>
-              <a:rPr b="1" i="0" lang="en-US" sz="3600" u="none" cap="none" strike="noStrike">
+              <a:rPr lang="en-US" sz="3600" b="1" i="0" u="none" strike="noStrike" cap="none">
                 <a:solidFill>
                   <a:schemeClr val="dk1"/>
                 </a:solidFill>
@@ -11726,7 +11950,7 @@
             <a:endParaRPr/>
           </a:p>
           <a:p>
-            <a:pPr indent="0" lvl="0" marL="0" marR="0" rtl="0" algn="l">
+            <a:pPr marL="0" marR="0" lvl="0" indent="0" algn="l" rtl="0">
               <a:spcBef>
                 <a:spcPts val="0"/>
               </a:spcBef>
@@ -11736,7 +11960,7 @@
               <a:buNone/>
             </a:pPr>
             <a:r>
-              <a:rPr b="0" i="0" lang="en-US" sz="3600" u="none" cap="none" strike="noStrike">
+              <a:rPr lang="en-US" sz="3600" b="0" i="0" u="none" strike="noStrike" cap="none">
                 <a:solidFill>
                   <a:schemeClr val="dk1"/>
                 </a:solidFill>
@@ -11750,7 +11974,7 @@
             <a:endParaRPr/>
           </a:p>
           <a:p>
-            <a:pPr indent="0" lvl="0" marL="0" marR="0" rtl="0" algn="l">
+            <a:pPr marL="0" marR="0" lvl="0" indent="0" algn="l" rtl="0">
               <a:spcBef>
                 <a:spcPts val="0"/>
               </a:spcBef>
@@ -11760,7 +11984,7 @@
               <a:buNone/>
             </a:pPr>
             <a:r>
-              <a:rPr b="0" i="0" lang="en-US" sz="3600" u="none" cap="none" strike="noStrike">
+              <a:rPr lang="en-US" sz="3600" b="0" i="0" u="none" strike="noStrike" cap="none">
                 <a:solidFill>
                   <a:schemeClr val="dk1"/>
                 </a:solidFill>
@@ -11780,7 +12004,7 @@
               <a:t>Admin</a:t>
             </a:r>
             <a:r>
-              <a:rPr b="0" i="0" lang="en-US" sz="3600" u="none" cap="none" strike="noStrike">
+              <a:rPr lang="en-US" sz="3600" b="0" i="0" u="none" strike="noStrike" cap="none">
                 <a:solidFill>
                   <a:schemeClr val="dk1"/>
                 </a:solidFill>
@@ -11800,7 +12024,7 @@
               <a:t>C</a:t>
             </a:r>
             <a:r>
-              <a:rPr b="0" i="0" lang="en-US" sz="3600" u="none" cap="none" strike="noStrike">
+              <a:rPr lang="en-US" sz="3600" b="0" i="0" u="none" strike="noStrike" cap="none">
                 <a:solidFill>
                   <a:schemeClr val="dk1"/>
                 </a:solidFill>
@@ -11820,7 +12044,7 @@
               <a:t>A</a:t>
             </a:r>
             <a:r>
-              <a:rPr b="0" i="0" lang="en-US" sz="3600" u="none" cap="none" strike="noStrike">
+              <a:rPr lang="en-US" sz="3600" b="0" i="0" u="none" strike="noStrike" cap="none">
                 <a:solidFill>
                   <a:schemeClr val="dk1"/>
                 </a:solidFill>
@@ -11840,7 +12064,7 @@
               <a:t>A</a:t>
             </a:r>
             <a:r>
-              <a:rPr b="0" i="0" lang="en-US" sz="3600" u="none" cap="none" strike="noStrike">
+              <a:rPr lang="en-US" sz="3600" b="0" i="0" u="none" strike="noStrike" cap="none">
                 <a:solidFill>
                   <a:schemeClr val="dk1"/>
                 </a:solidFill>
@@ -11860,7 +12084,7 @@
               <a:t>L</a:t>
             </a:r>
             <a:r>
-              <a:rPr b="0" i="0" lang="en-US" sz="3600" u="none" cap="none" strike="noStrike">
+              <a:rPr lang="en-US" sz="3600" b="0" i="0" u="none" strike="noStrike" cap="none">
                 <a:solidFill>
                   <a:schemeClr val="dk1"/>
                 </a:solidFill>
@@ -11880,7 +12104,7 @@
               <a:t>A</a:t>
             </a:r>
             <a:r>
-              <a:rPr b="0" i="0" lang="en-US" sz="3600" u="none" cap="none" strike="noStrike">
+              <a:rPr lang="en-US" sz="3600" b="0" i="0" u="none" strike="noStrike" cap="none">
                 <a:solidFill>
                   <a:schemeClr val="dk1"/>
                 </a:solidFill>
@@ -11894,7 +12118,7 @@
             <a:endParaRPr/>
           </a:p>
           <a:p>
-            <a:pPr indent="0" lvl="0" marL="0" marR="0" rtl="0" algn="l">
+            <a:pPr marL="0" marR="0" lvl="0" indent="0" algn="l" rtl="0">
               <a:spcBef>
                 <a:spcPts val="0"/>
               </a:spcBef>
@@ -11904,7 +12128,7 @@
               <a:buNone/>
             </a:pPr>
             <a:r>
-              <a:rPr b="0" i="0" lang="en-US" sz="3600" u="none" cap="none" strike="noStrike">
+              <a:rPr lang="en-US" sz="3600" b="0" i="0" u="none" strike="noStrike" cap="none">
                 <a:solidFill>
                   <a:schemeClr val="dk1"/>
                 </a:solidFill>
@@ -11924,7 +12148,7 @@
               <a:t> C</a:t>
             </a:r>
             <a:r>
-              <a:rPr b="0" i="0" lang="en-US" sz="3600" u="none" cap="none" strike="noStrike">
+              <a:rPr lang="en-US" sz="3600" b="0" i="0" u="none" strike="noStrike" cap="none">
                 <a:solidFill>
                   <a:schemeClr val="dk1"/>
                 </a:solidFill>
@@ -11944,7 +12168,7 @@
               <a:t>ees</a:t>
             </a:r>
             <a:r>
-              <a:rPr b="0" i="0" lang="en-US" sz="3600" u="none" cap="none" strike="noStrike">
+              <a:rPr lang="en-US" sz="3600" b="0" i="0" u="none" strike="noStrike" cap="none">
                 <a:solidFill>
                   <a:schemeClr val="dk1"/>
                 </a:solidFill>
@@ -11964,7 +12188,7 @@
               <a:t>User’s</a:t>
             </a:r>
             <a:r>
-              <a:rPr b="0" i="0" lang="en-US" sz="3600" u="none" cap="none" strike="noStrike">
+              <a:rPr lang="en-US" sz="3600" b="0" i="0" u="none" strike="noStrike" cap="none">
                 <a:solidFill>
                   <a:schemeClr val="dk1"/>
                 </a:solidFill>
@@ -11984,7 +12208,7 @@
               <a:t>P</a:t>
             </a:r>
             <a:r>
-              <a:rPr b="0" i="0" lang="en-US" sz="3600" u="none" cap="none" strike="noStrike">
+              <a:rPr lang="en-US" sz="3600" b="0" i="0" u="none" strike="noStrike" cap="none">
                 <a:solidFill>
                   <a:schemeClr val="dk1"/>
                 </a:solidFill>
@@ -11998,7 +12222,7 @@
             <a:endParaRPr/>
           </a:p>
           <a:p>
-            <a:pPr indent="0" lvl="0" marL="0" marR="0" rtl="0" algn="l">
+            <a:pPr marL="0" marR="0" lvl="0" indent="0" algn="l" rtl="0">
               <a:spcBef>
                 <a:spcPts val="0"/>
               </a:spcBef>
@@ -12008,7 +12232,7 @@
               <a:buNone/>
             </a:pPr>
             <a:r>
-              <a:rPr b="0" i="0" lang="en-US" sz="3600" u="none" cap="none" strike="noStrike">
+              <a:rPr lang="en-US" sz="3600" b="0" i="0" u="none" strike="noStrike" cap="none">
                 <a:solidFill>
                   <a:schemeClr val="dk1"/>
                 </a:solidFill>
@@ -12028,7 +12252,7 @@
               <a:t>S</a:t>
             </a:r>
             <a:r>
-              <a:rPr b="0" i="0" lang="en-US" sz="3600" u="none" cap="none" strike="noStrike">
+              <a:rPr lang="en-US" sz="3600" b="0" i="0" u="none" strike="noStrike" cap="none">
                 <a:solidFill>
                   <a:schemeClr val="dk1"/>
                 </a:solidFill>
@@ -12048,7 +12272,7 @@
               <a:t>ing</a:t>
             </a:r>
             <a:r>
-              <a:rPr b="0" i="0" lang="en-US" sz="3600" u="none" cap="none" strike="noStrike">
+              <a:rPr lang="en-US" sz="3600" b="0" i="0" u="none" strike="noStrike" cap="none">
                 <a:solidFill>
                   <a:schemeClr val="dk1"/>
                 </a:solidFill>
@@ -12068,7 +12292,7 @@
               <a:t>E</a:t>
             </a:r>
             <a:r>
-              <a:rPr b="0" i="0" lang="en-US" sz="3600" u="none" cap="none" strike="noStrike">
+              <a:rPr lang="en-US" sz="3600" b="0" i="0" u="none" strike="noStrike" cap="none">
                 <a:solidFill>
                   <a:schemeClr val="dk1"/>
                 </a:solidFill>
@@ -12088,7 +12312,7 @@
               <a:t>A</a:t>
             </a:r>
             <a:r>
-              <a:rPr b="0" i="0" lang="en-US" sz="3600" u="none" cap="none" strike="noStrike">
+              <a:rPr lang="en-US" sz="3600" b="0" i="0" u="none" strike="noStrike" cap="none">
                 <a:solidFill>
                   <a:schemeClr val="dk1"/>
                 </a:solidFill>
@@ -12102,7 +12326,7 @@
             <a:endParaRPr/>
           </a:p>
           <a:p>
-            <a:pPr indent="0" lvl="0" marL="0" marR="0" rtl="0" algn="l">
+            <a:pPr marL="0" marR="0" lvl="0" indent="0" algn="l" rtl="0">
               <a:spcBef>
                 <a:spcPts val="0"/>
               </a:spcBef>
@@ -12112,7 +12336,7 @@
               <a:buNone/>
             </a:pPr>
             <a:r>
-              <a:rPr b="0" i="0" lang="en-US" sz="3600" u="none" cap="none" strike="noStrike">
+              <a:rPr lang="en-US" sz="3600" b="0" i="0" u="none" strike="noStrike" cap="none">
                 <a:solidFill>
                   <a:schemeClr val="dk1"/>
                 </a:solidFill>
@@ -12132,7 +12356,7 @@
               <a:t>Ability</a:t>
             </a:r>
             <a:r>
-              <a:rPr b="0" i="0" lang="en-US" sz="3600" u="none" cap="none" strike="noStrike">
+              <a:rPr lang="en-US" sz="3600" b="0" i="0" u="none" strike="noStrike" cap="none">
                 <a:solidFill>
                   <a:schemeClr val="dk1"/>
                 </a:solidFill>
@@ -12152,7 +12376,7 @@
               <a:t>B</a:t>
             </a:r>
             <a:r>
-              <a:rPr b="0" i="0" lang="en-US" sz="3600" u="none" cap="none" strike="noStrike">
+              <a:rPr lang="en-US" sz="3600" b="0" i="0" u="none" strike="noStrike" cap="none">
                 <a:solidFill>
                   <a:schemeClr val="dk1"/>
                 </a:solidFill>
@@ -12172,7 +12396,7 @@
               <a:t>P</a:t>
             </a:r>
             <a:r>
-              <a:rPr b="0" i="0" lang="en-US" sz="3600" u="none" cap="none" strike="noStrike">
+              <a:rPr lang="en-US" sz="3600" b="0" i="0" u="none" strike="noStrike" cap="none">
                 <a:solidFill>
                   <a:schemeClr val="dk1"/>
                 </a:solidFill>
@@ -12186,7 +12410,7 @@
             <a:endParaRPr/>
           </a:p>
           <a:p>
-            <a:pPr indent="0" lvl="0" marL="0" marR="0" rtl="0" algn="l">
+            <a:pPr marL="0" marR="0" lvl="0" indent="0" algn="l" rtl="0">
               <a:spcBef>
                 <a:spcPts val="0"/>
               </a:spcBef>
@@ -12196,7 +12420,7 @@
               <a:buNone/>
             </a:pPr>
             <a:r>
-              <a:rPr b="0" i="0" lang="en-US" sz="3600" u="none" cap="none" strike="noStrike">
+              <a:rPr lang="en-US" sz="3600" b="0" i="0" u="none" strike="noStrike" cap="none">
                 <a:solidFill>
                   <a:schemeClr val="dk1"/>
                 </a:solidFill>
@@ -12216,7 +12440,7 @@
               <a:t>D</a:t>
             </a:r>
             <a:r>
-              <a:rPr b="0" i="0" lang="en-US" sz="3600" u="none" cap="none" strike="noStrike">
+              <a:rPr lang="en-US" sz="3600" b="0" i="0" u="none" strike="noStrike" cap="none">
                 <a:solidFill>
                   <a:schemeClr val="dk1"/>
                 </a:solidFill>
@@ -12236,7 +12460,7 @@
               <a:t>A</a:t>
             </a:r>
             <a:r>
-              <a:rPr b="0" i="0" lang="en-US" sz="3600" u="none" cap="none" strike="noStrike">
+              <a:rPr lang="en-US" sz="3600" b="0" i="0" u="none" strike="noStrike" cap="none">
                 <a:solidFill>
                   <a:schemeClr val="dk1"/>
                 </a:solidFill>
@@ -12250,7 +12474,7 @@
             <a:endParaRPr/>
           </a:p>
           <a:p>
-            <a:pPr indent="0" lvl="0" marL="0" marR="0" rtl="0" algn="l">
+            <a:pPr marL="0" marR="0" lvl="0" indent="0" algn="l" rtl="0">
               <a:spcBef>
                 <a:spcPts val="0"/>
               </a:spcBef>
@@ -12259,10 +12483,7 @@
               </a:spcAft>
               <a:buNone/>
             </a:pPr>
-            <a:r>
-              <a:t/>
-            </a:r>
-            <a:endParaRPr b="0" i="0" sz="3600" u="none" cap="none" strike="noStrike">
+            <a:endParaRPr sz="3600" b="0" i="0" u="none" strike="noStrike" cap="none">
               <a:solidFill>
                 <a:schemeClr val="dk1"/>
               </a:solidFill>
@@ -12273,7 +12494,7 @@
             </a:endParaRPr>
           </a:p>
           <a:p>
-            <a:pPr indent="0" lvl="0" marL="0" marR="0" rtl="0" algn="l">
+            <a:pPr marL="0" marR="0" lvl="0" indent="0" algn="l" rtl="0">
               <a:spcBef>
                 <a:spcPts val="0"/>
               </a:spcBef>
@@ -12283,7 +12504,7 @@
               <a:buNone/>
             </a:pPr>
             <a:r>
-              <a:rPr b="0" i="0" lang="en-US" sz="3600" u="none" cap="none" strike="noStrike">
+              <a:rPr lang="en-US" sz="3600" b="0" i="0" u="none" strike="noStrike" cap="none">
                 <a:solidFill>
                   <a:schemeClr val="dk1"/>
                 </a:solidFill>
@@ -12297,7 +12518,7 @@
             <a:endParaRPr/>
           </a:p>
           <a:p>
-            <a:pPr indent="0" lvl="0" marL="0" marR="0" rtl="0" algn="l">
+            <a:pPr marL="0" marR="0" lvl="0" indent="0" algn="l" rtl="0">
               <a:spcBef>
                 <a:spcPts val="0"/>
               </a:spcBef>
@@ -12315,7 +12536,7 @@
               <a:t>   </a:t>
             </a:r>
             <a:r>
-              <a:rPr b="0" i="0" lang="en-US" sz="3600" u="none" cap="none" strike="noStrike">
+              <a:rPr lang="en-US" sz="3600" b="0" i="0" u="none" strike="noStrike" cap="none">
                 <a:solidFill>
                   <a:schemeClr val="dk1"/>
                 </a:solidFill>
@@ -12335,7 +12556,7 @@
               <a:t>browse</a:t>
             </a:r>
             <a:r>
-              <a:rPr b="0" i="0" lang="en-US" sz="3600" u="none" cap="none" strike="noStrike">
+              <a:rPr lang="en-US" sz="3600" b="0" i="0" u="none" strike="noStrike" cap="none">
                 <a:solidFill>
                   <a:schemeClr val="dk1"/>
                 </a:solidFill>
@@ -12353,7 +12574,7 @@
             </a:endParaRPr>
           </a:p>
           <a:p>
-            <a:pPr indent="0" lvl="0" marL="0" marR="0" rtl="0" algn="l">
+            <a:pPr marL="0" marR="0" lvl="0" indent="0" algn="l" rtl="0">
               <a:spcBef>
                 <a:spcPts val="0"/>
               </a:spcBef>
@@ -12371,7 +12592,7 @@
               <a:t>   </a:t>
             </a:r>
             <a:r>
-              <a:rPr b="0" i="0" lang="en-US" sz="3600" u="none" cap="none" strike="noStrike">
+              <a:rPr lang="en-US" sz="3600" b="0" i="0" u="none" strike="noStrike" cap="none">
                 <a:solidFill>
                   <a:schemeClr val="dk1"/>
                 </a:solidFill>
@@ -12391,7 +12612,7 @@
               <a:t> V</a:t>
             </a:r>
             <a:r>
-              <a:rPr b="0" i="0" lang="en-US" sz="3600" u="none" cap="none" strike="noStrike">
+              <a:rPr lang="en-US" sz="3600" b="0" i="0" u="none" strike="noStrike" cap="none">
                 <a:solidFill>
                   <a:schemeClr val="dk1"/>
                 </a:solidFill>
@@ -12411,7 +12632,7 @@
               <a:t>P</a:t>
             </a:r>
             <a:r>
-              <a:rPr b="0" i="0" lang="en-US" sz="3600" u="none" cap="none" strike="noStrike">
+              <a:rPr lang="en-US" sz="3600" b="0" i="0" u="none" strike="noStrike" cap="none">
                 <a:solidFill>
                   <a:schemeClr val="dk1"/>
                 </a:solidFill>
@@ -12431,7 +12652,7 @@
               <a:t>P</a:t>
             </a:r>
             <a:r>
-              <a:rPr b="0" i="0" lang="en-US" sz="3600" u="none" cap="none" strike="noStrike">
+              <a:rPr lang="en-US" sz="3600" b="0" i="0" u="none" strike="noStrike" cap="none">
                 <a:solidFill>
                   <a:schemeClr val="dk1"/>
                 </a:solidFill>
@@ -12445,7 +12666,7 @@
             <a:endParaRPr/>
           </a:p>
           <a:p>
-            <a:pPr indent="0" lvl="0" marL="0" marR="0" rtl="0" algn="l">
+            <a:pPr marL="0" marR="0" lvl="0" indent="0" algn="l" rtl="0">
               <a:spcBef>
                 <a:spcPts val="0"/>
               </a:spcBef>
@@ -12463,7 +12684,7 @@
               <a:t>   </a:t>
             </a:r>
             <a:r>
-              <a:rPr b="0" i="0" lang="en-US" sz="3600" u="none" cap="none" strike="noStrike">
+              <a:rPr lang="en-US" sz="3600" b="0" i="0" u="none" strike="noStrike" cap="none">
                 <a:solidFill>
                   <a:schemeClr val="dk1"/>
                 </a:solidFill>
@@ -12483,7 +12704,7 @@
               <a:t>C</a:t>
             </a:r>
             <a:r>
-              <a:rPr b="0" i="0" lang="en-US" sz="3600" u="none" cap="none" strike="noStrike">
+              <a:rPr lang="en-US" sz="3600" b="0" i="0" u="none" strike="noStrike" cap="none">
                 <a:solidFill>
                   <a:schemeClr val="dk1"/>
                 </a:solidFill>
@@ -12503,7 +12724,7 @@
               <a:t> </a:t>
             </a:r>
             <a:r>
-              <a:rPr b="0" i="0" lang="en-US" sz="3600" u="none" cap="none" strike="noStrike">
+              <a:rPr lang="en-US" sz="3600" b="0" i="0" u="none" strike="noStrike" cap="none">
                 <a:solidFill>
                   <a:schemeClr val="dk1"/>
                 </a:solidFill>
@@ -12517,7 +12738,7 @@
             <a:endParaRPr/>
           </a:p>
           <a:p>
-            <a:pPr indent="0" lvl="0" marL="0" marR="0" rtl="0" algn="l">
+            <a:pPr marL="0" marR="0" lvl="0" indent="0" algn="l" rtl="0">
               <a:spcBef>
                 <a:spcPts val="0"/>
               </a:spcBef>
@@ -12535,7 +12756,7 @@
               <a:t>   </a:t>
             </a:r>
             <a:r>
-              <a:rPr b="0" i="0" lang="en-US" sz="3600" u="none" cap="none" strike="noStrike">
+              <a:rPr lang="en-US" sz="3600" b="0" i="0" u="none" strike="noStrike" cap="none">
                 <a:solidFill>
                   <a:schemeClr val="dk1"/>
                 </a:solidFill>
@@ -12555,7 +12776,7 @@
               <a:t>S</a:t>
             </a:r>
             <a:r>
-              <a:rPr b="0" i="0" lang="en-US" sz="3600" u="none" cap="none" strike="noStrike">
+              <a:rPr lang="en-US" sz="3600" b="0" i="0" u="none" strike="noStrike" cap="none">
                 <a:solidFill>
                   <a:schemeClr val="dk1"/>
                 </a:solidFill>
@@ -12575,7 +12796,7 @@
               <a:t> </a:t>
             </a:r>
             <a:r>
-              <a:rPr b="0" i="0" lang="en-US" sz="3600" u="none" cap="none" strike="noStrike">
+              <a:rPr lang="en-US" sz="3600" b="0" i="0" u="none" strike="noStrike" cap="none">
                 <a:solidFill>
                   <a:schemeClr val="dk1"/>
                 </a:solidFill>
@@ -12589,7 +12810,7 @@
             <a:endParaRPr/>
           </a:p>
           <a:p>
-            <a:pPr indent="0" lvl="0" marL="0" marR="0" rtl="0" algn="l">
+            <a:pPr marL="0" marR="0" lvl="0" indent="0" algn="l" rtl="0">
               <a:spcBef>
                 <a:spcPts val="0"/>
               </a:spcBef>
@@ -12607,7 +12828,7 @@
               <a:t>   </a:t>
             </a:r>
             <a:r>
-              <a:rPr b="0" i="0" lang="en-US" sz="3600" u="none" cap="none" strike="noStrike">
+              <a:rPr lang="en-US" sz="3600" b="0" i="0" u="none" strike="noStrike" cap="none">
                 <a:solidFill>
                   <a:schemeClr val="dk1"/>
                 </a:solidFill>
@@ -12621,7 +12842,7 @@
             <a:endParaRPr/>
           </a:p>
           <a:p>
-            <a:pPr indent="0" lvl="0" marL="0" marR="0" rtl="0" algn="l">
+            <a:pPr marL="0" marR="0" lvl="0" indent="0" algn="l" rtl="0">
               <a:spcBef>
                 <a:spcPts val="0"/>
               </a:spcBef>
@@ -12639,7 +12860,7 @@
               <a:t>   </a:t>
             </a:r>
             <a:r>
-              <a:rPr b="0" i="0" lang="en-US" sz="3600" u="none" cap="none" strike="noStrike">
+              <a:rPr lang="en-US" sz="3600" b="0" i="0" u="none" strike="noStrike" cap="none">
                 <a:solidFill>
                   <a:schemeClr val="dk1"/>
                 </a:solidFill>
@@ -12659,7 +12880,7 @@
               <a:t>  V</a:t>
             </a:r>
             <a:r>
-              <a:rPr b="0" i="0" lang="en-US" sz="3600" u="none" cap="none" strike="noStrike">
+              <a:rPr lang="en-US" sz="3600" b="0" i="0" u="none" strike="noStrike" cap="none">
                 <a:solidFill>
                   <a:schemeClr val="dk1"/>
                 </a:solidFill>
@@ -12670,7 +12891,7 @@
               </a:rPr>
               <a:t>iew recruiters' profiles</a:t>
             </a:r>
-            <a:endParaRPr b="0" i="0" sz="3600" u="none" cap="none" strike="noStrike">
+            <a:endParaRPr sz="3600" b="0" i="0" u="none" strike="noStrike" cap="none">
               <a:solidFill>
                 <a:schemeClr val="dk1"/>
               </a:solidFill>
@@ -12681,7 +12902,7 @@
             </a:endParaRPr>
           </a:p>
           <a:p>
-            <a:pPr indent="0" lvl="0" marL="0" marR="0" rtl="0" algn="l">
+            <a:pPr marL="0" marR="0" lvl="0" indent="0" algn="l" rtl="0">
               <a:spcBef>
                 <a:spcPts val="0"/>
               </a:spcBef>
@@ -12705,7 +12926,7 @@
             </a:endParaRPr>
           </a:p>
           <a:p>
-            <a:pPr indent="0" lvl="0" marL="0" marR="0" rtl="0" algn="l">
+            <a:pPr marL="0" marR="0" lvl="0" indent="0" algn="l" rtl="0">
               <a:spcBef>
                 <a:spcPts val="0"/>
               </a:spcBef>
@@ -12714,10 +12935,7 @@
               </a:spcAft>
               <a:buNone/>
             </a:pPr>
-            <a:r>
-              <a:t/>
-            </a:r>
-            <a:endParaRPr b="0" i="0" sz="3600" u="none" cap="none" strike="noStrike">
+            <a:endParaRPr sz="3600" b="0" i="0" u="none" strike="noStrike" cap="none">
               <a:solidFill>
                 <a:schemeClr val="dk1"/>
               </a:solidFill>
@@ -12728,7 +12946,7 @@
             </a:endParaRPr>
           </a:p>
           <a:p>
-            <a:pPr indent="0" lvl="0" marL="0" marR="0" rtl="0" algn="l">
+            <a:pPr marL="0" marR="0" lvl="0" indent="0" algn="l" rtl="0">
               <a:spcBef>
                 <a:spcPts val="0"/>
               </a:spcBef>
@@ -12738,7 +12956,7 @@
               <a:buNone/>
             </a:pPr>
             <a:r>
-              <a:rPr b="0" i="0" lang="en-US" sz="3600" u="none" cap="none" strike="noStrike">
+              <a:rPr lang="en-US" sz="3600" b="0" i="0" u="none" strike="noStrike" cap="none">
                 <a:solidFill>
                   <a:schemeClr val="dk1"/>
                 </a:solidFill>
@@ -12752,7 +12970,7 @@
             <a:endParaRPr/>
           </a:p>
           <a:p>
-            <a:pPr indent="0" lvl="0" marL="0" marR="0" rtl="0" algn="l">
+            <a:pPr marL="0" marR="0" lvl="0" indent="0" algn="l" rtl="0">
               <a:spcBef>
                 <a:spcPts val="0"/>
               </a:spcBef>
@@ -12762,7 +12980,7 @@
               <a:buNone/>
             </a:pPr>
             <a:r>
-              <a:rPr b="0" i="0" lang="en-US" sz="3600" u="none" cap="none" strike="noStrike">
+              <a:rPr lang="en-US" sz="3600" b="0" i="0" u="none" strike="noStrike" cap="none">
                 <a:solidFill>
                   <a:schemeClr val="dk1"/>
                 </a:solidFill>
@@ -12782,7 +13000,7 @@
               <a:t>to</a:t>
             </a:r>
             <a:r>
-              <a:rPr b="0" i="0" lang="en-US" sz="3600" u="none" cap="none" strike="noStrike">
+              <a:rPr lang="en-US" sz="3600" b="0" i="0" u="none" strike="noStrike" cap="none">
                 <a:solidFill>
                   <a:schemeClr val="dk1"/>
                 </a:solidFill>
@@ -12796,7 +13014,7 @@
             <a:endParaRPr/>
           </a:p>
           <a:p>
-            <a:pPr indent="0" lvl="0" marL="0" marR="0" rtl="0" algn="l">
+            <a:pPr marL="0" marR="0" lvl="0" indent="0" algn="l" rtl="0">
               <a:spcBef>
                 <a:spcPts val="0"/>
               </a:spcBef>
@@ -12806,7 +13024,7 @@
               <a:buNone/>
             </a:pPr>
             <a:r>
-              <a:rPr b="0" i="0" lang="en-US" sz="3600" u="none" cap="none" strike="noStrike">
+              <a:rPr lang="en-US" sz="3600" b="0" i="0" u="none" strike="noStrike" cap="none">
                 <a:solidFill>
                   <a:schemeClr val="dk1"/>
                 </a:solidFill>
@@ -12820,7 +13038,7 @@
             <a:endParaRPr/>
           </a:p>
           <a:p>
-            <a:pPr indent="0" lvl="0" marL="0" marR="0" rtl="0" algn="l">
+            <a:pPr marL="0" marR="0" lvl="0" indent="0" algn="l" rtl="0">
               <a:spcBef>
                 <a:spcPts val="0"/>
               </a:spcBef>
@@ -12830,7 +13048,7 @@
               <a:buNone/>
             </a:pPr>
             <a:r>
-              <a:rPr b="0" i="0" lang="en-US" sz="3600" u="none" cap="none" strike="noStrike">
+              <a:rPr lang="en-US" sz="3600" b="0" i="0" u="none" strike="noStrike" cap="none">
                 <a:solidFill>
                   <a:schemeClr val="dk1"/>
                 </a:solidFill>
@@ -12850,7 +13068,7 @@
               <a:t>Ability</a:t>
             </a:r>
             <a:r>
-              <a:rPr b="0" i="0" lang="en-US" sz="3600" u="none" cap="none" strike="noStrike">
+              <a:rPr lang="en-US" sz="3600" b="0" i="0" u="none" strike="noStrike" cap="none">
                 <a:solidFill>
                   <a:schemeClr val="dk1"/>
                 </a:solidFill>
@@ -12864,7 +13082,7 @@
             <a:endParaRPr/>
           </a:p>
           <a:p>
-            <a:pPr indent="0" lvl="0" marL="0" marR="0" rtl="0" algn="l">
+            <a:pPr marL="0" marR="0" lvl="0" indent="0" algn="l" rtl="0">
               <a:spcBef>
                 <a:spcPts val="0"/>
               </a:spcBef>
@@ -12874,7 +13092,7 @@
               <a:buNone/>
             </a:pPr>
             <a:r>
-              <a:rPr b="0" i="0" lang="en-US" sz="3600" u="none" cap="none" strike="noStrike">
+              <a:rPr lang="en-US" sz="3600" b="0" i="0" u="none" strike="noStrike" cap="none">
                 <a:solidFill>
                   <a:schemeClr val="dk1"/>
                 </a:solidFill>
@@ -12894,7 +13112,7 @@
               <a:t>E</a:t>
             </a:r>
             <a:r>
-              <a:rPr b="0" i="0" lang="en-US" sz="3600" u="none" cap="none" strike="noStrike">
+              <a:rPr lang="en-US" sz="3600" b="0" i="0" u="none" strike="noStrike" cap="none">
                 <a:solidFill>
                   <a:schemeClr val="dk1"/>
                 </a:solidFill>
@@ -12908,7 +13126,7 @@
             <a:endParaRPr/>
           </a:p>
           <a:p>
-            <a:pPr indent="0" lvl="0" marL="0" marR="0" rtl="0" algn="l">
+            <a:pPr marL="0" marR="0" lvl="0" indent="0" algn="l" rtl="0">
               <a:spcBef>
                 <a:spcPts val="0"/>
               </a:spcBef>
@@ -12918,7 +13136,7 @@
               <a:buNone/>
             </a:pPr>
             <a:r>
-              <a:rPr b="0" i="0" lang="en-US" sz="3600" u="none" cap="none" strike="noStrike">
+              <a:rPr lang="en-US" sz="3600" b="0" i="0" u="none" strike="noStrike" cap="none">
                 <a:solidFill>
                   <a:schemeClr val="dk1"/>
                 </a:solidFill>
@@ -12932,7 +13150,7 @@
             <a:endParaRPr/>
           </a:p>
           <a:p>
-            <a:pPr indent="0" lvl="0" marL="0" marR="0" rtl="0" algn="l">
+            <a:pPr marL="0" marR="0" lvl="0" indent="0" algn="l" rtl="0">
               <a:spcBef>
                 <a:spcPts val="0"/>
               </a:spcBef>
@@ -12942,7 +13160,7 @@
               <a:buNone/>
             </a:pPr>
             <a:r>
-              <a:rPr b="0" i="0" lang="en-US" sz="3600" u="none" cap="none" strike="noStrike">
+              <a:rPr lang="en-US" sz="3600" b="0" i="0" u="none" strike="noStrike" cap="none">
                 <a:solidFill>
                   <a:schemeClr val="dk1"/>
                 </a:solidFill>
@@ -12962,7 +13180,7 @@
               <a:t>V</a:t>
             </a:r>
             <a:r>
-              <a:rPr b="0" i="0" lang="en-US" sz="3600" u="none" cap="none" strike="noStrike">
+              <a:rPr lang="en-US" sz="3600" b="0" i="0" u="none" strike="noStrike" cap="none">
                 <a:solidFill>
                   <a:schemeClr val="dk1"/>
                 </a:solidFill>
@@ -12976,7 +13194,7 @@
             <a:endParaRPr/>
           </a:p>
           <a:p>
-            <a:pPr indent="0" lvl="0" marL="0" marR="0" rtl="0" algn="l">
+            <a:pPr marL="0" marR="0" lvl="0" indent="0" algn="l" rtl="0">
               <a:spcBef>
                 <a:spcPts val="0"/>
               </a:spcBef>
@@ -12986,7 +13204,7 @@
               <a:buNone/>
             </a:pPr>
             <a:r>
-              <a:rPr b="0" i="0" lang="en-US" sz="3600" u="none" cap="none" strike="noStrike">
+              <a:rPr lang="en-US" sz="3600" b="0" i="0" u="none" strike="noStrike" cap="none">
                 <a:solidFill>
                   <a:schemeClr val="dk1"/>
                 </a:solidFill>
@@ -13000,7 +13218,7 @@
             <a:endParaRPr/>
           </a:p>
           <a:p>
-            <a:pPr indent="0" lvl="0" marL="0" marR="0" rtl="0" algn="l">
+            <a:pPr marL="0" marR="0" lvl="0" indent="0" algn="l" rtl="0">
               <a:spcBef>
                 <a:spcPts val="0"/>
               </a:spcBef>
@@ -13010,7 +13228,7 @@
               <a:buNone/>
             </a:pPr>
             <a:r>
-              <a:rPr b="0" i="0" lang="en-US" sz="3600" u="none" cap="none" strike="noStrike">
+              <a:rPr lang="en-US" sz="3600" b="0" i="0" u="none" strike="noStrike" cap="none">
                 <a:solidFill>
                   <a:schemeClr val="dk1"/>
                 </a:solidFill>
@@ -13030,7 +13248,7 @@
               <a:t>C</a:t>
             </a:r>
             <a:r>
-              <a:rPr b="0" i="0" lang="en-US" sz="3600" u="none" cap="none" strike="noStrike">
+              <a:rPr lang="en-US" sz="3600" b="0" i="0" u="none" strike="noStrike" cap="none">
                 <a:solidFill>
                   <a:schemeClr val="dk1"/>
                 </a:solidFill>
@@ -13044,7 +13262,7 @@
             <a:endParaRPr/>
           </a:p>
           <a:p>
-            <a:pPr indent="0" lvl="0" marL="0" marR="0" rtl="0" algn="l">
+            <a:pPr marL="0" marR="0" lvl="0" indent="0" algn="l" rtl="0">
               <a:spcBef>
                 <a:spcPts val="0"/>
               </a:spcBef>
@@ -13054,7 +13272,7 @@
               <a:buNone/>
             </a:pPr>
             <a:r>
-              <a:rPr b="0" i="0" lang="en-US" sz="3600" u="none" cap="none" strike="noStrike">
+              <a:rPr lang="en-US" sz="3600" b="0" i="0" u="none" strike="noStrike" cap="none">
                 <a:solidFill>
                   <a:schemeClr val="dk1"/>
                 </a:solidFill>
@@ -13074,7 +13292,7 @@
               <a:t>C</a:t>
             </a:r>
             <a:r>
-              <a:rPr b="0" i="0" lang="en-US" sz="3600" u="none" cap="none" strike="noStrike">
+              <a:rPr lang="en-US" sz="3600" b="0" i="0" u="none" strike="noStrike" cap="none">
                 <a:solidFill>
                   <a:schemeClr val="dk1"/>
                 </a:solidFill>
@@ -13085,7 +13303,7 @@
               </a:rPr>
               <a:t>reate their own profile to give credibility to job seekers</a:t>
             </a:r>
-            <a:endParaRPr b="0" i="0" sz="3600" u="none" cap="none" strike="noStrike">
+            <a:endParaRPr sz="3600" b="0" i="0" u="none" strike="noStrike" cap="none">
               <a:solidFill>
                 <a:schemeClr val="dk1"/>
               </a:solidFill>
@@ -13117,12 +13335,12 @@
           </a:ln>
         </p:spPr>
         <p:txBody>
-          <a:bodyPr anchorCtr="0" anchor="t" bIns="45700" lIns="91425" spcFirstLastPara="1" rIns="91425" wrap="square" tIns="45700">
+          <a:bodyPr spcFirstLastPara="1" wrap="square" lIns="91425" tIns="45700" rIns="91425" bIns="45700" anchor="t" anchorCtr="0">
             <a:spAutoFit/>
           </a:bodyPr>
           <a:lstStyle/>
           <a:p>
-            <a:pPr indent="0" lvl="0" marL="0" marR="0" rtl="0" algn="l">
+            <a:pPr marL="0" marR="0" lvl="0" indent="0" algn="l" rtl="0">
               <a:spcBef>
                 <a:spcPts val="0"/>
               </a:spcBef>
@@ -13132,7 +13350,7 @@
               <a:buNone/>
             </a:pPr>
             <a:r>
-              <a:rPr b="1" i="0" lang="en-US" sz="4400" u="none" cap="none" strike="noStrike">
+              <a:rPr lang="en-US" sz="4400" b="1" i="0" u="none" strike="noStrike" cap="none">
                 <a:solidFill>
                   <a:schemeClr val="dk1"/>
                 </a:solidFill>
@@ -13146,7 +13364,7 @@
             <a:endParaRPr/>
           </a:p>
           <a:p>
-            <a:pPr indent="-571500" lvl="0" marL="571500" marR="0" rtl="0" algn="l">
+            <a:pPr marL="571500" marR="0" lvl="0" indent="-571500" algn="l" rtl="0">
               <a:spcBef>
                 <a:spcPts val="0"/>
               </a:spcBef>
@@ -13175,7 +13393,7 @@
             <a:endParaRPr/>
           </a:p>
           <a:p>
-            <a:pPr indent="-571500" lvl="0" marL="571500" marR="0" rtl="0" algn="l">
+            <a:pPr marL="571500" marR="0" lvl="0" indent="-571500" algn="l" rtl="0">
               <a:spcBef>
                 <a:spcPts val="0"/>
               </a:spcBef>
@@ -13204,7 +13422,7 @@
             <a:endParaRPr/>
           </a:p>
           <a:p>
-            <a:pPr indent="-571500" lvl="0" marL="571500" marR="0" rtl="0" algn="l">
+            <a:pPr marL="571500" marR="0" lvl="0" indent="-571500" algn="l" rtl="0">
               <a:spcBef>
                 <a:spcPts val="0"/>
               </a:spcBef>
@@ -13241,7 +13459,7 @@
             </a:endParaRPr>
           </a:p>
           <a:p>
-            <a:pPr indent="-571500" lvl="0" marL="571500" marR="0" rtl="0" algn="l">
+            <a:pPr marL="571500" marR="0" lvl="0" indent="-571500" algn="l" rtl="0">
               <a:spcBef>
                 <a:spcPts val="0"/>
               </a:spcBef>
@@ -13278,7 +13496,7 @@
             </a:endParaRPr>
           </a:p>
           <a:p>
-            <a:pPr indent="-292100" lvl="0" marL="571500" marR="0" rtl="0" algn="l">
+            <a:pPr marL="571500" marR="0" lvl="0" indent="-292100" algn="l" rtl="0">
               <a:spcBef>
                 <a:spcPts val="0"/>
               </a:spcBef>
@@ -13292,9 +13510,6 @@
               <a:buFont typeface="Arial"/>
               <a:buNone/>
             </a:pPr>
-            <a:r>
-              <a:t/>
-            </a:r>
             <a:endParaRPr sz="4400">
               <a:solidFill>
                 <a:schemeClr val="dk1"/>
@@ -13327,12 +13542,12 @@
           </a:ln>
         </p:spPr>
         <p:txBody>
-          <a:bodyPr anchorCtr="0" anchor="t" bIns="45700" lIns="91425" spcFirstLastPara="1" rIns="91425" wrap="square" tIns="45700">
+          <a:bodyPr spcFirstLastPara="1" wrap="square" lIns="91425" tIns="45700" rIns="91425" bIns="45700" anchor="t" anchorCtr="0">
             <a:spAutoFit/>
           </a:bodyPr>
           <a:lstStyle/>
           <a:p>
-            <a:pPr indent="0" lvl="0" marL="0" marR="0" rtl="0" algn="l">
+            <a:pPr marL="0" marR="0" lvl="0" indent="0" algn="l" rtl="0">
               <a:spcBef>
                 <a:spcPts val="0"/>
               </a:spcBef>
@@ -13342,7 +13557,7 @@
               <a:buNone/>
             </a:pPr>
             <a:r>
-              <a:rPr b="1" lang="en-US" sz="4400">
+              <a:rPr lang="en-US" sz="4400" b="1">
                 <a:solidFill>
                   <a:schemeClr val="dk1"/>
                 </a:solidFill>
@@ -13356,7 +13571,7 @@
             <a:endParaRPr/>
           </a:p>
           <a:p>
-            <a:pPr indent="-571500" lvl="0" marL="571500" marR="0" rtl="0" algn="l">
+            <a:pPr marL="571500" marR="0" lvl="0" indent="-571500" algn="l" rtl="0">
               <a:spcBef>
                 <a:spcPts val="0"/>
               </a:spcBef>
@@ -13385,7 +13600,7 @@
             <a:endParaRPr/>
           </a:p>
           <a:p>
-            <a:pPr indent="-571500" lvl="0" marL="571500" marR="0" rtl="0" algn="l">
+            <a:pPr marL="571500" marR="0" lvl="0" indent="-571500" algn="l" rtl="0">
               <a:spcBef>
                 <a:spcPts val="0"/>
               </a:spcBef>
@@ -13414,7 +13629,7 @@
             <a:endParaRPr/>
           </a:p>
           <a:p>
-            <a:pPr indent="-571500" lvl="0" marL="571500" marR="0" rtl="0" algn="l">
+            <a:pPr marL="571500" marR="0" lvl="0" indent="-571500" algn="l" rtl="0">
               <a:spcBef>
                 <a:spcPts val="0"/>
               </a:spcBef>
@@ -13438,24 +13653,12 @@
                 <a:cs typeface="Calibri"/>
                 <a:sym typeface="Calibri"/>
               </a:rPr>
-              <a:t>Proper Delegation Of Tasks</a:t>
-            </a:r>
-            <a:r>
-              <a:rPr lang="en-US" sz="4000">
-                <a:solidFill>
-                  <a:schemeClr val="dk1"/>
-                </a:solidFill>
-                <a:latin typeface="Calibri"/>
-                <a:ea typeface="Calibri"/>
-                <a:cs typeface="Calibri"/>
-                <a:sym typeface="Calibri"/>
-              </a:rPr>
-              <a:t> </a:t>
+              <a:t>Proper Delegation Of Tasks </a:t>
             </a:r>
             <a:endParaRPr/>
           </a:p>
           <a:p>
-            <a:pPr indent="-571500" lvl="0" marL="571500" marR="0" rtl="0" algn="l">
+            <a:pPr marL="571500" marR="0" lvl="0" indent="-571500" algn="l" rtl="0">
               <a:spcBef>
                 <a:spcPts val="0"/>
               </a:spcBef>
@@ -13492,7 +13695,7 @@
             </a:endParaRPr>
           </a:p>
           <a:p>
-            <a:pPr indent="-571500" lvl="0" marL="571500" marR="0" rtl="0" algn="l">
+            <a:pPr marL="571500" marR="0" lvl="0" indent="-571500" algn="l" rtl="0">
               <a:spcBef>
                 <a:spcPts val="0"/>
               </a:spcBef>
@@ -13561,12 +13764,12 @@
           </a:ln>
         </p:spPr>
         <p:txBody>
-          <a:bodyPr anchorCtr="0" anchor="t" bIns="45700" lIns="91425" spcFirstLastPara="1" rIns="91425" wrap="square" tIns="45700">
+          <a:bodyPr spcFirstLastPara="1" wrap="square" lIns="91425" tIns="45700" rIns="91425" bIns="45700" anchor="t" anchorCtr="0">
             <a:spAutoFit/>
           </a:bodyPr>
           <a:lstStyle/>
           <a:p>
-            <a:pPr indent="0" lvl="0" marL="0" marR="0" rtl="0" algn="l">
+            <a:pPr marL="0" marR="0" lvl="0" indent="0" algn="l" rtl="0">
               <a:spcBef>
                 <a:spcPts val="0"/>
               </a:spcBef>
@@ -13576,7 +13779,7 @@
               <a:buNone/>
             </a:pPr>
             <a:r>
-              <a:rPr b="1" lang="en-US" sz="4000">
+              <a:rPr lang="en-US" sz="4000" b="1">
                 <a:solidFill>
                   <a:schemeClr val="dk1"/>
                 </a:solidFill>
@@ -13590,7 +13793,7 @@
             <a:endParaRPr/>
           </a:p>
           <a:p>
-            <a:pPr indent="-571500" lvl="0" marL="571500" marR="0" rtl="0" algn="l">
+            <a:pPr marL="571500" marR="0" lvl="0" indent="-571500" algn="l" rtl="0">
               <a:spcBef>
                 <a:spcPts val="0"/>
               </a:spcBef>
@@ -13627,7 +13830,7 @@
             </a:endParaRPr>
           </a:p>
           <a:p>
-            <a:pPr indent="-571500" lvl="0" marL="571500" marR="0" rtl="0" algn="l">
+            <a:pPr marL="571500" marR="0" lvl="0" indent="-571500" algn="l" rtl="0">
               <a:spcBef>
                 <a:spcPts val="0"/>
               </a:spcBef>
@@ -13664,7 +13867,7 @@
             </a:endParaRPr>
           </a:p>
           <a:p>
-            <a:pPr indent="-571500" lvl="0" marL="571500" marR="0" rtl="0" algn="l">
+            <a:pPr marL="571500" marR="0" lvl="0" indent="-571500" algn="l" rtl="0">
               <a:spcBef>
                 <a:spcPts val="0"/>
               </a:spcBef>
@@ -13701,7 +13904,7 @@
             </a:endParaRPr>
           </a:p>
           <a:p>
-            <a:pPr indent="-571500" lvl="0" marL="571500" marR="0" rtl="0" algn="l">
+            <a:pPr marL="571500" marR="0" lvl="0" indent="-571500" algn="l" rtl="0">
               <a:spcBef>
                 <a:spcPts val="0"/>
               </a:spcBef>
@@ -13738,7 +13941,7 @@
             </a:endParaRPr>
           </a:p>
           <a:p>
-            <a:pPr indent="-292100" lvl="0" marL="571500" marR="0" rtl="0" algn="l">
+            <a:pPr marL="571500" marR="0" lvl="0" indent="-292100" algn="l" rtl="0">
               <a:spcBef>
                 <a:spcPts val="0"/>
               </a:spcBef>
@@ -13752,9 +13955,6 @@
               <a:buFont typeface="Arial"/>
               <a:buNone/>
             </a:pPr>
-            <a:r>
-              <a:t/>
-            </a:r>
             <a:endParaRPr sz="4400">
               <a:solidFill>
                 <a:schemeClr val="dk1"/>
@@ -13766,7 +13966,7 @@
             </a:endParaRPr>
           </a:p>
           <a:p>
-            <a:pPr indent="-292100" lvl="0" marL="571500" marR="0" rtl="0" algn="l">
+            <a:pPr marL="571500" marR="0" lvl="0" indent="-292100" algn="l" rtl="0">
               <a:spcBef>
                 <a:spcPts val="0"/>
               </a:spcBef>
@@ -13780,9 +13980,6 @@
               <a:buFont typeface="Arial"/>
               <a:buNone/>
             </a:pPr>
-            <a:r>
-              <a:t/>
-            </a:r>
             <a:endParaRPr sz="4400">
               <a:solidFill>
                 <a:schemeClr val="dk1"/>
@@ -13794,7 +13991,7 @@
             </a:endParaRPr>
           </a:p>
           <a:p>
-            <a:pPr indent="-292100" lvl="0" marL="571500" marR="0" rtl="0" algn="l">
+            <a:pPr marL="571500" marR="0" lvl="0" indent="-292100" algn="l" rtl="0">
               <a:spcBef>
                 <a:spcPts val="0"/>
               </a:spcBef>
@@ -13808,9 +14005,6 @@
               <a:buFont typeface="Arial"/>
               <a:buNone/>
             </a:pPr>
-            <a:r>
-              <a:t/>
-            </a:r>
             <a:endParaRPr sz="4400">
               <a:solidFill>
                 <a:schemeClr val="dk1"/>
@@ -13822,7 +14016,7 @@
             </a:endParaRPr>
           </a:p>
           <a:p>
-            <a:pPr indent="-292100" lvl="0" marL="571500" marR="0" rtl="0" algn="l">
+            <a:pPr marL="571500" marR="0" lvl="0" indent="-292100" algn="l" rtl="0">
               <a:spcBef>
                 <a:spcPts val="0"/>
               </a:spcBef>
@@ -13836,9 +14030,6 @@
               <a:buFont typeface="Arial"/>
               <a:buNone/>
             </a:pPr>
-            <a:r>
-              <a:t/>
-            </a:r>
             <a:endParaRPr sz="4400">
               <a:solidFill>
                 <a:schemeClr val="dk1"/>
@@ -13871,12 +14062,12 @@
           </a:ln>
         </p:spPr>
         <p:txBody>
-          <a:bodyPr anchorCtr="0" anchor="t" bIns="45700" lIns="91425" spcFirstLastPara="1" rIns="91425" wrap="square" tIns="45700">
+          <a:bodyPr spcFirstLastPara="1" wrap="square" lIns="91425" tIns="45700" rIns="91425" bIns="45700" anchor="t" anchorCtr="0">
             <a:spAutoFit/>
           </a:bodyPr>
           <a:lstStyle/>
           <a:p>
-            <a:pPr indent="0" lvl="0" marL="0" marR="0" rtl="0" algn="l">
+            <a:pPr marL="0" marR="0" lvl="0" indent="0" algn="l" rtl="0">
               <a:spcBef>
                 <a:spcPts val="0"/>
               </a:spcBef>
@@ -13885,9 +14076,6 @@
               </a:spcAft>
               <a:buNone/>
             </a:pPr>
-            <a:r>
-              <a:t/>
-            </a:r>
             <a:endParaRPr/>
           </a:p>
         </p:txBody>
@@ -13901,11 +14089,11 @@
 </file>
 
 <file path=ppt/slides/slide2.xml><?xml version="1.0" encoding="utf-8"?>
-<p:sld xmlns:a="http://schemas.openxmlformats.org/drawingml/2006/main" xmlns:r="http://schemas.openxmlformats.org/officeDocument/2006/relationships" xmlns:mc="http://schemas.openxmlformats.org/markup-compatibility/2006" xmlns:mv="urn:schemas-microsoft-com:mac:vml" xmlns:p="http://schemas.openxmlformats.org/presentationml/2006/main" xmlns:c="http://schemas.openxmlformats.org/drawingml/2006/chart" xmlns:dgm="http://schemas.openxmlformats.org/drawingml/2006/diagram" xmlns:o="urn:schemas-microsoft-com:office:office" xmlns:v="urn:schemas-microsoft-com:vml" xmlns:pvml="urn:schemas-microsoft-com:office:powerpoint" xmlns:com="http://schemas.openxmlformats.org/drawingml/2006/compatibility" xmlns:p14="http://schemas.microsoft.com/office/powerpoint/2010/main" xmlns:p15="http://schemas.microsoft.com/office/powerpoint/2012/main">
+<p:sld xmlns:a="http://schemas.openxmlformats.org/drawingml/2006/main" xmlns:r="http://schemas.openxmlformats.org/officeDocument/2006/relationships" xmlns:p="http://schemas.openxmlformats.org/presentationml/2006/main">
   <p:cSld>
     <p:spTree>
       <p:nvGrpSpPr>
-        <p:cNvPr id="103" name="Shape 103"/>
+        <p:cNvPr id="1" name="Shape 103"/>
         <p:cNvGrpSpPr/>
         <p:nvPr/>
       </p:nvGrpSpPr>
@@ -13937,12 +14125,12 @@
           </a:ln>
         </p:spPr>
         <p:txBody>
-          <a:bodyPr anchorCtr="0" anchor="t" bIns="91425" lIns="91425" spcFirstLastPara="1" rIns="91425" wrap="square" tIns="91425">
+          <a:bodyPr spcFirstLastPara="1" wrap="square" lIns="91425" tIns="91425" rIns="91425" bIns="91425" anchor="t" anchorCtr="0">
             <a:noAutofit/>
           </a:bodyPr>
           <a:lstStyle/>
           <a:p>
-            <a:pPr indent="0" lvl="0" marL="0" rtl="0" algn="l">
+            <a:pPr marL="0" lvl="0" indent="0" algn="l" rtl="0">
               <a:spcBef>
                 <a:spcPts val="0"/>
               </a:spcBef>
@@ -13952,7 +14140,7 @@
               <a:buNone/>
             </a:pPr>
             <a:r>
-              <a:rPr b="1" lang="en-US" sz="5500">
+              <a:rPr lang="en-US" sz="5500" b="1">
                 <a:latin typeface="Calibri"/>
                 <a:ea typeface="Calibri"/>
                 <a:cs typeface="Calibri"/>
@@ -13960,7 +14148,7 @@
               </a:rPr>
               <a:t>Module Interface description:</a:t>
             </a:r>
-            <a:endParaRPr b="1" sz="5500">
+            <a:endParaRPr sz="5500" b="1">
               <a:latin typeface="Calibri"/>
               <a:ea typeface="Calibri"/>
               <a:cs typeface="Calibri"/>
@@ -13968,7 +14156,7 @@
             </a:endParaRPr>
           </a:p>
           <a:p>
-            <a:pPr indent="0" lvl="0" marL="0" rtl="0" algn="l">
+            <a:pPr marL="0" lvl="0" indent="0" algn="l" rtl="0">
               <a:spcBef>
                 <a:spcPts val="0"/>
               </a:spcBef>
@@ -13994,7 +14182,7 @@
             </a:endParaRPr>
           </a:p>
           <a:p>
-            <a:pPr indent="0" lvl="0" marL="0" rtl="0" algn="l">
+            <a:pPr marL="0" lvl="0" indent="0" algn="l" rtl="0">
               <a:spcBef>
                 <a:spcPts val="0"/>
               </a:spcBef>
@@ -14010,25 +14198,7 @@
                 <a:cs typeface="Calibri"/>
                 <a:sym typeface="Calibri"/>
               </a:rPr>
-              <a:t>public String addNewPost(String projectname, String projectdescription, String neededroles, </a:t>
-            </a:r>
-            <a:r>
-              <a:rPr lang="en-US" sz="3000">
-                <a:latin typeface="Calibri"/>
-                <a:ea typeface="Calibri"/>
-                <a:cs typeface="Calibri"/>
-                <a:sym typeface="Calibri"/>
-              </a:rPr>
-              <a:t>String </a:t>
-            </a:r>
-            <a:r>
-              <a:rPr lang="en-US" sz="3000">
-                <a:latin typeface="Calibri"/>
-                <a:ea typeface="Calibri"/>
-                <a:cs typeface="Calibri"/>
-                <a:sym typeface="Calibri"/>
-              </a:rPr>
-              <a:t>compensation, String thumbnailDescription, String userid)</a:t>
+              <a:t>public String addNewPost(String projectname, String projectdescription, String neededroles, String compensation, String thumbnailDescription, String userid)</a:t>
             </a:r>
             <a:endParaRPr sz="3000">
               <a:latin typeface="Calibri"/>
@@ -14038,7 +14208,7 @@
             </a:endParaRPr>
           </a:p>
           <a:p>
-            <a:pPr indent="-419100" lvl="0" marL="457200" rtl="0" algn="l">
+            <a:pPr marL="457200" lvl="0" indent="-419100" algn="l" rtl="0">
               <a:spcBef>
                 <a:spcPts val="0"/>
               </a:spcBef>
@@ -14075,7 +14245,7 @@
             </a:endParaRPr>
           </a:p>
           <a:p>
-            <a:pPr indent="0" lvl="0" marL="0" rtl="0" algn="l">
+            <a:pPr marL="0" lvl="0" indent="0" algn="l" rtl="0">
               <a:spcBef>
                 <a:spcPts val="0"/>
               </a:spcBef>
@@ -14101,7 +14271,7 @@
             </a:endParaRPr>
           </a:p>
           <a:p>
-            <a:pPr indent="-393700" lvl="0" marL="457200" rtl="0" algn="l">
+            <a:pPr marL="457200" lvl="0" indent="-393700" algn="l" rtl="0">
               <a:spcBef>
                 <a:spcPts val="0"/>
               </a:spcBef>
@@ -14129,7 +14299,7 @@
             </a:endParaRPr>
           </a:p>
           <a:p>
-            <a:pPr indent="0" lvl="0" marL="0" rtl="0" algn="l">
+            <a:pPr marL="0" lvl="0" indent="0" algn="l" rtl="0">
               <a:spcBef>
                 <a:spcPts val="0"/>
               </a:spcBef>
@@ -14155,7 +14325,7 @@
             </a:endParaRPr>
           </a:p>
           <a:p>
-            <a:pPr indent="-393700" lvl="0" marL="457200" rtl="0" algn="l">
+            <a:pPr marL="457200" lvl="0" indent="-393700" algn="l" rtl="0">
               <a:spcBef>
                 <a:spcPts val="0"/>
               </a:spcBef>
@@ -14183,7 +14353,7 @@
             </a:endParaRPr>
           </a:p>
           <a:p>
-            <a:pPr indent="0" lvl="0" marL="0" rtl="0" algn="l">
+            <a:pPr marL="0" lvl="0" indent="0" algn="l" rtl="0">
               <a:spcBef>
                 <a:spcPts val="0"/>
               </a:spcBef>
@@ -14192,9 +14362,6 @@
               </a:spcAft>
               <a:buNone/>
             </a:pPr>
-            <a:r>
-              <a:t/>
-            </a:r>
             <a:endParaRPr sz="5000">
               <a:latin typeface="Calibri"/>
               <a:ea typeface="Calibri"/>
@@ -14203,7 +14370,7 @@
             </a:endParaRPr>
           </a:p>
           <a:p>
-            <a:pPr indent="0" lvl="0" marL="0" rtl="0" algn="l">
+            <a:pPr marL="0" lvl="0" indent="0" algn="l" rtl="0">
               <a:spcBef>
                 <a:spcPts val="0"/>
               </a:spcBef>
@@ -14229,7 +14396,7 @@
             </a:endParaRPr>
           </a:p>
           <a:p>
-            <a:pPr indent="0" lvl="0" marL="0" rtl="0" algn="l">
+            <a:pPr marL="0" lvl="0" indent="0" algn="l" rtl="0">
               <a:spcBef>
                 <a:spcPts val="0"/>
               </a:spcBef>
@@ -14255,7 +14422,7 @@
             </a:endParaRPr>
           </a:p>
           <a:p>
-            <a:pPr indent="-393700" lvl="0" marL="457200" rtl="0" algn="l">
+            <a:pPr marL="457200" lvl="0" indent="-393700" algn="l" rtl="0">
               <a:spcBef>
                 <a:spcPts val="0"/>
               </a:spcBef>
@@ -14283,7 +14450,7 @@
             </a:endParaRPr>
           </a:p>
           <a:p>
-            <a:pPr indent="0" lvl="0" marL="0" rtl="0" algn="l">
+            <a:pPr marL="0" lvl="0" indent="0" algn="l" rtl="0">
               <a:spcBef>
                 <a:spcPts val="0"/>
               </a:spcBef>
@@ -14309,7 +14476,7 @@
             </a:endParaRPr>
           </a:p>
           <a:p>
-            <a:pPr indent="-393700" lvl="0" marL="457200" rtl="0" algn="l">
+            <a:pPr marL="457200" lvl="0" indent="-393700" algn="l" rtl="0">
               <a:spcBef>
                 <a:spcPts val="0"/>
               </a:spcBef>
@@ -14337,7 +14504,7 @@
             </a:endParaRPr>
           </a:p>
           <a:p>
-            <a:pPr indent="0" lvl="0" marL="0" rtl="0" algn="l">
+            <a:pPr marL="0" lvl="0" indent="0" algn="l" rtl="0">
               <a:spcBef>
                 <a:spcPts val="0"/>
               </a:spcBef>
@@ -14368,7 +14535,7 @@
             </a:endParaRPr>
           </a:p>
           <a:p>
-            <a:pPr indent="-393700" lvl="0" marL="457200" rtl="0" algn="l">
+            <a:pPr marL="457200" lvl="0" indent="-393700" algn="l" rtl="0">
               <a:spcBef>
                 <a:spcPts val="0"/>
               </a:spcBef>
@@ -14396,7 +14563,7 @@
             </a:endParaRPr>
           </a:p>
           <a:p>
-            <a:pPr indent="0" lvl="0" marL="0" rtl="0" algn="l">
+            <a:pPr marL="0" lvl="0" indent="0" algn="l" rtl="0">
               <a:spcBef>
                 <a:spcPts val="0"/>
               </a:spcBef>
@@ -14405,10 +14572,7 @@
               </a:spcAft>
               <a:buNone/>
             </a:pPr>
-            <a:r>
-              <a:t/>
-            </a:r>
-            <a:endParaRPr b="1" sz="5500">
+            <a:endParaRPr sz="5500" b="1">
               <a:latin typeface="Calibri"/>
               <a:ea typeface="Calibri"/>
               <a:cs typeface="Calibri"/>
@@ -14416,7 +14580,7 @@
             </a:endParaRPr>
           </a:p>
           <a:p>
-            <a:pPr indent="0" lvl="0" marL="0" rtl="0" algn="l">
+            <a:pPr marL="0" lvl="0" indent="0" algn="l" rtl="0">
               <a:spcBef>
                 <a:spcPts val="0"/>
               </a:spcBef>
@@ -14425,10 +14589,7 @@
               </a:spcAft>
               <a:buNone/>
             </a:pPr>
-            <a:r>
-              <a:t/>
-            </a:r>
-            <a:endParaRPr b="1" sz="5500">
+            <a:endParaRPr sz="5500" b="1">
               <a:latin typeface="Calibri"/>
               <a:ea typeface="Calibri"/>
               <a:cs typeface="Calibri"/>
@@ -14436,7 +14597,7 @@
             </a:endParaRPr>
           </a:p>
           <a:p>
-            <a:pPr indent="0" lvl="0" marL="0" rtl="0" algn="l">
+            <a:pPr marL="0" lvl="0" indent="0" algn="l" rtl="0">
               <a:spcBef>
                 <a:spcPts val="0"/>
               </a:spcBef>
@@ -14445,10 +14606,7 @@
               </a:spcAft>
               <a:buNone/>
             </a:pPr>
-            <a:r>
-              <a:t/>
-            </a:r>
-            <a:endParaRPr b="1" sz="5500">
+            <a:endParaRPr sz="5500" b="1">
               <a:latin typeface="Calibri"/>
               <a:ea typeface="Calibri"/>
               <a:cs typeface="Calibri"/>
@@ -14456,7 +14614,7 @@
             </a:endParaRPr>
           </a:p>
           <a:p>
-            <a:pPr indent="0" lvl="0" marL="0" rtl="0" algn="l">
+            <a:pPr marL="0" lvl="0" indent="0" algn="l" rtl="0">
               <a:spcBef>
                 <a:spcPts val="0"/>
               </a:spcBef>
@@ -14465,10 +14623,7 @@
               </a:spcAft>
               <a:buNone/>
             </a:pPr>
-            <a:r>
-              <a:t/>
-            </a:r>
-            <a:endParaRPr b="1" sz="5500">
+            <a:endParaRPr sz="5500" b="1">
               <a:latin typeface="Calibri"/>
               <a:ea typeface="Calibri"/>
               <a:cs typeface="Calibri"/>
@@ -14476,7 +14631,7 @@
             </a:endParaRPr>
           </a:p>
           <a:p>
-            <a:pPr indent="0" lvl="0" marL="0" rtl="0" algn="l">
+            <a:pPr marL="0" lvl="0" indent="0" algn="l" rtl="0">
               <a:spcBef>
                 <a:spcPts val="0"/>
               </a:spcBef>
@@ -14485,10 +14640,7 @@
               </a:spcAft>
               <a:buNone/>
             </a:pPr>
-            <a:r>
-              <a:t/>
-            </a:r>
-            <a:endParaRPr b="1" sz="5500">
+            <a:endParaRPr sz="5500" b="1">
               <a:latin typeface="Calibri"/>
               <a:ea typeface="Calibri"/>
               <a:cs typeface="Calibri"/>
@@ -14496,7 +14648,7 @@
             </a:endParaRPr>
           </a:p>
           <a:p>
-            <a:pPr indent="0" lvl="0" marL="0" rtl="0" algn="l">
+            <a:pPr marL="0" lvl="0" indent="0" algn="l" rtl="0">
               <a:spcBef>
                 <a:spcPts val="0"/>
               </a:spcBef>
@@ -14505,10 +14657,7 @@
               </a:spcAft>
               <a:buNone/>
             </a:pPr>
-            <a:r>
-              <a:t/>
-            </a:r>
-            <a:endParaRPr b="1" sz="5500">
+            <a:endParaRPr sz="5500" b="1">
               <a:latin typeface="Calibri"/>
               <a:ea typeface="Calibri"/>
               <a:cs typeface="Calibri"/>
@@ -14516,7 +14665,7 @@
             </a:endParaRPr>
           </a:p>
           <a:p>
-            <a:pPr indent="0" lvl="0" marL="0" rtl="0" algn="l">
+            <a:pPr marL="0" lvl="0" indent="0" algn="l" rtl="0">
               <a:spcBef>
                 <a:spcPts val="0"/>
               </a:spcBef>
@@ -14525,10 +14674,7 @@
               </a:spcAft>
               <a:buNone/>
             </a:pPr>
-            <a:r>
-              <a:t/>
-            </a:r>
-            <a:endParaRPr b="1" sz="5500">
+            <a:endParaRPr sz="5500" b="1">
               <a:latin typeface="Calibri"/>
               <a:ea typeface="Calibri"/>
               <a:cs typeface="Calibri"/>
@@ -14536,7 +14682,7 @@
             </a:endParaRPr>
           </a:p>
           <a:p>
-            <a:pPr indent="0" lvl="0" marL="0" rtl="0" algn="l">
+            <a:pPr marL="0" lvl="0" indent="0" algn="l" rtl="0">
               <a:spcBef>
                 <a:spcPts val="0"/>
               </a:spcBef>
@@ -14546,7 +14692,7 @@
               <a:buNone/>
             </a:pPr>
             <a:r>
-              <a:rPr b="1" lang="en-US" sz="5500">
+              <a:rPr lang="en-US" sz="5500" b="1">
                 <a:latin typeface="Calibri"/>
                 <a:ea typeface="Calibri"/>
                 <a:cs typeface="Calibri"/>
@@ -14554,7 +14700,7 @@
               </a:rPr>
               <a:t>Design Decisions:</a:t>
             </a:r>
-            <a:endParaRPr b="1" sz="5500">
+            <a:endParaRPr sz="5500" b="1">
               <a:latin typeface="Calibri"/>
               <a:ea typeface="Calibri"/>
               <a:cs typeface="Calibri"/>
@@ -14562,7 +14708,7 @@
             </a:endParaRPr>
           </a:p>
           <a:p>
-            <a:pPr indent="-577850" lvl="0" marL="457200" rtl="0" algn="l">
+            <a:pPr marL="457200" lvl="0" indent="-577850" algn="l" rtl="0">
               <a:spcBef>
                 <a:spcPts val="0"/>
               </a:spcBef>
@@ -14590,7 +14736,7 @@
             </a:endParaRPr>
           </a:p>
           <a:p>
-            <a:pPr indent="-577850" lvl="0" marL="457200" rtl="0" algn="l">
+            <a:pPr marL="457200" lvl="0" indent="-577850" algn="l" rtl="0">
               <a:spcBef>
                 <a:spcPts val="0"/>
               </a:spcBef>
@@ -14618,7 +14764,7 @@
             </a:endParaRPr>
           </a:p>
           <a:p>
-            <a:pPr indent="-577850" lvl="0" marL="457200" rtl="0" algn="l">
+            <a:pPr marL="457200" lvl="0" indent="-577850" algn="l" rtl="0">
               <a:spcBef>
                 <a:spcPts val="0"/>
               </a:spcBef>
@@ -14646,7 +14792,7 @@
             </a:endParaRPr>
           </a:p>
           <a:p>
-            <a:pPr indent="-577850" lvl="0" marL="457200" rtl="0" algn="l">
+            <a:pPr marL="457200" lvl="0" indent="-577850" algn="l" rtl="0">
               <a:spcBef>
                 <a:spcPts val="0"/>
               </a:spcBef>
@@ -14674,7 +14820,7 @@
             </a:endParaRPr>
           </a:p>
           <a:p>
-            <a:pPr indent="-577850" lvl="0" marL="457200" rtl="0" algn="l">
+            <a:pPr marL="457200" lvl="0" indent="-577850" algn="l" rtl="0">
               <a:spcBef>
                 <a:spcPts val="0"/>
               </a:spcBef>
@@ -14702,7 +14848,7 @@
             </a:endParaRPr>
           </a:p>
           <a:p>
-            <a:pPr indent="0" lvl="0" marL="0" rtl="0" algn="l">
+            <a:pPr marL="0" lvl="0" indent="0" algn="l" rtl="0">
               <a:spcBef>
                 <a:spcPts val="0"/>
               </a:spcBef>
@@ -14711,10 +14857,7 @@
               </a:spcAft>
               <a:buNone/>
             </a:pPr>
-            <a:r>
-              <a:t/>
-            </a:r>
-            <a:endParaRPr b="1" sz="5500">
+            <a:endParaRPr sz="5500" b="1">
               <a:latin typeface="Calibri"/>
               <a:ea typeface="Calibri"/>
               <a:cs typeface="Calibri"/>
@@ -14732,7 +14875,7 @@
 </file>
 
 <file path=ppt/theme/theme1.xml><?xml version="1.0" encoding="utf-8"?>
-<a:theme xmlns:a="http://schemas.openxmlformats.org/drawingml/2006/main" xmlns:r="http://schemas.openxmlformats.org/officeDocument/2006/relationships" name="Office Theme">
+<a:theme xmlns:a="http://schemas.openxmlformats.org/drawingml/2006/main" name="Office Theme">
   <a:themeElements>
     <a:clrScheme name="Office Theme">
       <a:dk1>
@@ -15007,11 +15150,13 @@
       </a:bgFillStyleLst>
     </a:fmtScheme>
   </a:themeElements>
+  <a:objectDefaults/>
+  <a:extraClrSchemeLst/>
 </a:theme>
 </file>
 
 <file path=ppt/theme/theme2.xml><?xml version="1.0" encoding="utf-8"?>
-<a:theme xmlns:a="http://schemas.openxmlformats.org/drawingml/2006/main" xmlns:r="http://schemas.openxmlformats.org/officeDocument/2006/relationships">
+<a:theme xmlns:a="http://schemas.openxmlformats.org/drawingml/2006/main">
   <a:themeElements>
     <a:clrScheme name="Default">
       <a:dk1>
@@ -15286,5 +15431,7 @@
       </a:bgFillStyleLst>
     </a:fmtScheme>
   </a:themeElements>
+  <a:objectDefaults/>
+  <a:extraClrSchemeLst/>
 </a:theme>
 </file>